--- a/Project-7 Presentation.pptx
+++ b/Project-7 Presentation.pptx
@@ -18,21 +18,22 @@
     <p:sldId id="263" r:id="rId14"/>
     <p:sldId id="264" r:id="rId15"/>
     <p:sldId id="265" r:id="rId16"/>
+    <p:sldId id="266" r:id="rId17"/>
   </p:sldIdLst>
   <p:sldSz cy="5143500" cx="9144000"/>
   <p:notesSz cx="6858000" cy="9144000"/>
   <p:embeddedFontLst>
     <p:embeddedFont>
       <p:font typeface="Roboto Slab"/>
-      <p:regular r:id="rId17"/>
-      <p:bold r:id="rId18"/>
+      <p:regular r:id="rId18"/>
+      <p:bold r:id="rId19"/>
     </p:embeddedFont>
     <p:embeddedFont>
       <p:font typeface="Roboto"/>
-      <p:regular r:id="rId19"/>
-      <p:bold r:id="rId20"/>
-      <p:italic r:id="rId21"/>
-      <p:boldItalic r:id="rId22"/>
+      <p:regular r:id="rId20"/>
+      <p:bold r:id="rId21"/>
+      <p:italic r:id="rId22"/>
+      <p:boldItalic r:id="rId23"/>
     </p:embeddedFont>
   </p:embeddedFontLst>
   <p:defaultTextStyle>
@@ -813,7 +814,7 @@
   <p:cSld>
     <p:spTree>
       <p:nvGrpSpPr>
-        <p:cNvPr id="134" name="Shape 134"/>
+        <p:cNvPr id="131" name="Shape 131"/>
         <p:cNvGrpSpPr/>
         <p:nvPr/>
       </p:nvGrpSpPr>
@@ -827,7 +828,7 @@
       </p:grpSpPr>
       <p:sp>
         <p:nvSpPr>
-          <p:cNvPr id="135" name="Google Shape;135;g212ae30e4f7_0_27:notes"/>
+          <p:cNvPr id="132" name="Google Shape;132;g212ae30e4f7_0_20:notes"/>
           <p:cNvSpPr/>
           <p:nvPr>
             <p:ph idx="2" type="sldImg"/>
@@ -862,7 +863,106 @@
       </p:sp>
       <p:sp>
         <p:nvSpPr>
-          <p:cNvPr id="136" name="Google Shape;136;g212ae30e4f7_0_27:notes"/>
+          <p:cNvPr id="133" name="Google Shape;133;g212ae30e4f7_0_20:notes"/>
+          <p:cNvSpPr txBox="1"/>
+          <p:nvPr>
+            <p:ph idx="1" type="body"/>
+          </p:nvPr>
+        </p:nvSpPr>
+        <p:spPr>
+          <a:xfrm>
+            <a:off x="685800" y="4343400"/>
+            <a:ext cx="5486400" cy="4114800"/>
+          </a:xfrm>
+          <a:prstGeom prst="rect">
+            <a:avLst/>
+          </a:prstGeom>
+        </p:spPr>
+        <p:txBody>
+          <a:bodyPr anchorCtr="0" anchor="t" bIns="91425" lIns="91425" spcFirstLastPara="1" rIns="91425" wrap="square" tIns="91425">
+            <a:noAutofit/>
+          </a:bodyPr>
+          <a:lstStyle/>
+          <a:p>
+            <a:pPr indent="0" lvl="0" marL="0" rtl="0" algn="l">
+              <a:spcBef>
+                <a:spcPts val="0"/>
+              </a:spcBef>
+              <a:spcAft>
+                <a:spcPts val="0"/>
+              </a:spcAft>
+              <a:buNone/>
+            </a:pPr>
+            <a:r>
+              <a:t/>
+            </a:r>
+            <a:endParaRPr/>
+          </a:p>
+        </p:txBody>
+      </p:sp>
+    </p:spTree>
+  </p:cSld>
+  <p:clrMapOvr>
+    <a:masterClrMapping/>
+  </p:clrMapOvr>
+</p:notes>
+</file>
+
+<file path=ppt/notesSlides/notesSlide11.xml><?xml version="1.0" encoding="utf-8"?>
+<p:notes xmlns:a="http://schemas.openxmlformats.org/drawingml/2006/main" xmlns:r="http://schemas.openxmlformats.org/officeDocument/2006/relationships" xmlns:mc="http://schemas.openxmlformats.org/markup-compatibility/2006" xmlns:mv="urn:schemas-microsoft-com:mac:vml" xmlns:p="http://schemas.openxmlformats.org/presentationml/2006/main" xmlns:c="http://schemas.openxmlformats.org/drawingml/2006/chart" xmlns:dgm="http://schemas.openxmlformats.org/drawingml/2006/diagram" xmlns:o="urn:schemas-microsoft-com:office:office" xmlns:v="urn:schemas-microsoft-com:vml" xmlns:pvml="urn:schemas-microsoft-com:office:powerpoint" xmlns:com="http://schemas.openxmlformats.org/drawingml/2006/compatibility" xmlns:p14="http://schemas.microsoft.com/office/powerpoint/2010/main" xmlns:p15="http://schemas.microsoft.com/office/powerpoint/2012/main" xmlns:ahyp="http://schemas.microsoft.com/office/drawing/2018/hyperlinkcolor" showMasterPhAnim="0" showMasterSp="0">
+  <p:cSld>
+    <p:spTree>
+      <p:nvGrpSpPr>
+        <p:cNvPr id="138" name="Shape 138"/>
+        <p:cNvGrpSpPr/>
+        <p:nvPr/>
+      </p:nvGrpSpPr>
+      <p:grpSpPr>
+        <a:xfrm>
+          <a:off x="0" y="0"/>
+          <a:ext cx="0" cy="0"/>
+          <a:chOff x="0" y="0"/>
+          <a:chExt cx="0" cy="0"/>
+        </a:xfrm>
+      </p:grpSpPr>
+      <p:sp>
+        <p:nvSpPr>
+          <p:cNvPr id="139" name="Google Shape;139;g212ae30e4f7_0_27:notes"/>
+          <p:cNvSpPr/>
+          <p:nvPr>
+            <p:ph idx="2" type="sldImg"/>
+          </p:nvPr>
+        </p:nvSpPr>
+        <p:spPr>
+          <a:xfrm>
+            <a:off x="381300" y="685800"/>
+            <a:ext cx="6096000" cy="3429000"/>
+          </a:xfrm>
+          <a:custGeom>
+            <a:rect b="b" l="l" r="r" t="t"/>
+            <a:pathLst>
+              <a:path extrusionOk="0" h="120000" w="120000">
+                <a:moveTo>
+                  <a:pt x="0" y="0"/>
+                </a:moveTo>
+                <a:lnTo>
+                  <a:pt x="120000" y="0"/>
+                </a:lnTo>
+                <a:lnTo>
+                  <a:pt x="120000" y="120000"/>
+                </a:lnTo>
+                <a:lnTo>
+                  <a:pt x="0" y="120000"/>
+                </a:lnTo>
+                <a:close/>
+              </a:path>
+            </a:pathLst>
+          </a:custGeom>
+        </p:spPr>
+      </p:sp>
+      <p:sp>
+        <p:nvSpPr>
+          <p:cNvPr id="140" name="Google Shape;140;g212ae30e4f7_0_27:notes"/>
           <p:cNvSpPr txBox="1"/>
           <p:nvPr>
             <p:ph idx="1" type="body"/>
@@ -1209,7 +1309,7 @@
   <p:cSld>
     <p:spTree>
       <p:nvGrpSpPr>
-        <p:cNvPr id="91" name="Shape 91"/>
+        <p:cNvPr id="89" name="Shape 89"/>
         <p:cNvGrpSpPr/>
         <p:nvPr/>
       </p:nvGrpSpPr>
@@ -1223,7 +1323,7 @@
       </p:grpSpPr>
       <p:sp>
         <p:nvSpPr>
-          <p:cNvPr id="92" name="Google Shape;92;g2129f05c46d_0_28:notes"/>
+          <p:cNvPr id="90" name="Google Shape;90;g2129f05c46d_0_28:notes"/>
           <p:cNvSpPr/>
           <p:nvPr>
             <p:ph idx="2" type="sldImg"/>
@@ -1258,7 +1358,7 @@
       </p:sp>
       <p:sp>
         <p:nvSpPr>
-          <p:cNvPr id="93" name="Google Shape;93;g2129f05c46d_0_28:notes"/>
+          <p:cNvPr id="91" name="Google Shape;91;g2129f05c46d_0_28:notes"/>
           <p:cNvSpPr txBox="1"/>
           <p:nvPr>
             <p:ph idx="1" type="body"/>
@@ -1308,7 +1408,7 @@
   <p:cSld>
     <p:spTree>
       <p:nvGrpSpPr>
-        <p:cNvPr id="105" name="Shape 105"/>
+        <p:cNvPr id="103" name="Shape 103"/>
         <p:cNvGrpSpPr/>
         <p:nvPr/>
       </p:nvGrpSpPr>
@@ -1322,7 +1422,7 @@
       </p:grpSpPr>
       <p:sp>
         <p:nvSpPr>
-          <p:cNvPr id="106" name="Google Shape;106;g2129f05c46d_0_44:notes"/>
+          <p:cNvPr id="104" name="Google Shape;104;g2129f05c46d_0_44:notes"/>
           <p:cNvSpPr/>
           <p:nvPr>
             <p:ph idx="2" type="sldImg"/>
@@ -1357,7 +1457,7 @@
       </p:sp>
       <p:sp>
         <p:nvSpPr>
-          <p:cNvPr id="107" name="Google Shape;107;g2129f05c46d_0_44:notes"/>
+          <p:cNvPr id="105" name="Google Shape;105;g2129f05c46d_0_44:notes"/>
           <p:cNvSpPr txBox="1"/>
           <p:nvPr>
             <p:ph idx="1" type="body"/>
@@ -1407,7 +1507,7 @@
   <p:cSld>
     <p:spTree>
       <p:nvGrpSpPr>
-        <p:cNvPr id="114" name="Shape 114"/>
+        <p:cNvPr id="112" name="Shape 112"/>
         <p:cNvGrpSpPr/>
         <p:nvPr/>
       </p:nvGrpSpPr>
@@ -1421,7 +1521,7 @@
       </p:grpSpPr>
       <p:sp>
         <p:nvSpPr>
-          <p:cNvPr id="115" name="Google Shape;115;g212ae30e4f7_0_5:notes"/>
+          <p:cNvPr id="113" name="Google Shape;113;g212ae30e4f7_0_5:notes"/>
           <p:cNvSpPr/>
           <p:nvPr>
             <p:ph idx="2" type="sldImg"/>
@@ -1456,7 +1556,7 @@
       </p:sp>
       <p:sp>
         <p:nvSpPr>
-          <p:cNvPr id="116" name="Google Shape;116;g212ae30e4f7_0_5:notes"/>
+          <p:cNvPr id="114" name="Google Shape;114;g212ae30e4f7_0_5:notes"/>
           <p:cNvSpPr txBox="1"/>
           <p:nvPr>
             <p:ph idx="1" type="body"/>
@@ -1506,7 +1606,7 @@
   <p:cSld>
     <p:spTree>
       <p:nvGrpSpPr>
-        <p:cNvPr id="121" name="Shape 121"/>
+        <p:cNvPr id="119" name="Shape 119"/>
         <p:cNvGrpSpPr/>
         <p:nvPr/>
       </p:nvGrpSpPr>
@@ -1520,7 +1620,7 @@
       </p:grpSpPr>
       <p:sp>
         <p:nvSpPr>
-          <p:cNvPr id="122" name="Google Shape;122;g212ae30e4f7_0_13:notes"/>
+          <p:cNvPr id="120" name="Google Shape;120;g212ae30e4f7_0_13:notes"/>
           <p:cNvSpPr/>
           <p:nvPr>
             <p:ph idx="2" type="sldImg"/>
@@ -1555,7 +1655,7 @@
       </p:sp>
       <p:sp>
         <p:nvSpPr>
-          <p:cNvPr id="123" name="Google Shape;123;g212ae30e4f7_0_13:notes"/>
+          <p:cNvPr id="121" name="Google Shape;121;g212ae30e4f7_0_13:notes"/>
           <p:cNvSpPr txBox="1"/>
           <p:nvPr>
             <p:ph idx="1" type="body"/>
@@ -1605,7 +1705,7 @@
   <p:cSld>
     <p:spTree>
       <p:nvGrpSpPr>
-        <p:cNvPr id="127" name="Shape 127"/>
+        <p:cNvPr id="125" name="Shape 125"/>
         <p:cNvGrpSpPr/>
         <p:nvPr/>
       </p:nvGrpSpPr>
@@ -1619,7 +1719,7 @@
       </p:grpSpPr>
       <p:sp>
         <p:nvSpPr>
-          <p:cNvPr id="128" name="Google Shape;128;g212ae30e4f7_0_20:notes"/>
+          <p:cNvPr id="126" name="Google Shape;126;g212ae30e96b_0_5:notes"/>
           <p:cNvSpPr/>
           <p:nvPr>
             <p:ph idx="2" type="sldImg"/>
@@ -1654,7 +1754,7 @@
       </p:sp>
       <p:sp>
         <p:nvSpPr>
-          <p:cNvPr id="129" name="Google Shape;129;g212ae30e4f7_0_20:notes"/>
+          <p:cNvPr id="127" name="Google Shape;127;g212ae30e96b_0_5:notes"/>
           <p:cNvSpPr txBox="1"/>
           <p:nvPr>
             <p:ph idx="1" type="body"/>
@@ -7117,7 +7217,7 @@
   <p:cSld>
     <p:spTree>
       <p:nvGrpSpPr>
-        <p:cNvPr id="137" name="Shape 137"/>
+        <p:cNvPr id="134" name="Shape 134"/>
         <p:cNvGrpSpPr/>
         <p:nvPr/>
       </p:nvGrpSpPr>
@@ -7131,4177 +7231,7 @@
       </p:grpSpPr>
       <p:sp>
         <p:nvSpPr>
-          <p:cNvPr id="138" name="Google Shape;138;p22"/>
-          <p:cNvSpPr/>
-          <p:nvPr/>
-        </p:nvSpPr>
-        <p:spPr>
-          <a:xfrm>
-            <a:off x="4650075" y="1674625"/>
-            <a:ext cx="3259500" cy="3110100"/>
-          </a:xfrm>
-          <a:prstGeom prst="roundRect">
-            <a:avLst>
-              <a:gd fmla="val 16667" name="adj"/>
-            </a:avLst>
-          </a:prstGeom>
-          <a:solidFill>
-            <a:schemeClr val="dk1"/>
-          </a:solidFill>
-          <a:ln cap="flat" cmpd="sng" w="9525">
-            <a:solidFill>
-              <a:schemeClr val="dk2"/>
-            </a:solidFill>
-            <a:prstDash val="solid"/>
-            <a:round/>
-            <a:headEnd len="sm" w="sm" type="none"/>
-            <a:tailEnd len="sm" w="sm" type="none"/>
-          </a:ln>
-        </p:spPr>
-        <p:txBody>
-          <a:bodyPr anchorCtr="0" anchor="ctr" bIns="91425" lIns="91425" spcFirstLastPara="1" rIns="91425" wrap="square" tIns="91425">
-            <a:noAutofit/>
-          </a:bodyPr>
-          <a:lstStyle/>
-          <a:p>
-            <a:pPr indent="0" lvl="0" marL="0" rtl="0" algn="l">
-              <a:spcBef>
-                <a:spcPts val="0"/>
-              </a:spcBef>
-              <a:spcAft>
-                <a:spcPts val="0"/>
-              </a:spcAft>
-              <a:buNone/>
-            </a:pPr>
-            <a:r>
-              <a:t/>
-            </a:r>
-            <a:endParaRPr/>
-          </a:p>
-        </p:txBody>
-      </p:sp>
-      <p:sp>
-        <p:nvSpPr>
-          <p:cNvPr id="139" name="Google Shape;139;p22"/>
-          <p:cNvSpPr/>
-          <p:nvPr/>
-        </p:nvSpPr>
-        <p:spPr>
-          <a:xfrm>
-            <a:off x="67275" y="3850"/>
-            <a:ext cx="3962400" cy="3110100"/>
-          </a:xfrm>
-          <a:prstGeom prst="roundRect">
-            <a:avLst>
-              <a:gd fmla="val 16667" name="adj"/>
-            </a:avLst>
-          </a:prstGeom>
-          <a:solidFill>
-            <a:schemeClr val="dk1"/>
-          </a:solidFill>
-          <a:ln cap="flat" cmpd="sng" w="9525">
-            <a:solidFill>
-              <a:schemeClr val="dk2"/>
-            </a:solidFill>
-            <a:prstDash val="solid"/>
-            <a:round/>
-            <a:headEnd len="sm" w="sm" type="none"/>
-            <a:tailEnd len="sm" w="sm" type="none"/>
-          </a:ln>
-        </p:spPr>
-        <p:txBody>
-          <a:bodyPr anchorCtr="0" anchor="ctr" bIns="91425" lIns="91425" spcFirstLastPara="1" rIns="91425" wrap="square" tIns="91425">
-            <a:noAutofit/>
-          </a:bodyPr>
-          <a:lstStyle/>
-          <a:p>
-            <a:pPr indent="0" lvl="0" marL="0" rtl="0" algn="l">
-              <a:spcBef>
-                <a:spcPts val="0"/>
-              </a:spcBef>
-              <a:spcAft>
-                <a:spcPts val="0"/>
-              </a:spcAft>
-              <a:buNone/>
-            </a:pPr>
-            <a:r>
-              <a:t/>
-            </a:r>
-            <a:endParaRPr/>
-          </a:p>
-        </p:txBody>
-      </p:sp>
-      <p:pic>
-        <p:nvPicPr>
-          <p:cNvPr id="140" name="Google Shape;140;p22"/>
-          <p:cNvPicPr preferRelativeResize="0"/>
-          <p:nvPr/>
-        </p:nvPicPr>
-        <p:blipFill>
-          <a:blip r:embed="rId3">
-            <a:alphaModFix/>
-          </a:blip>
-          <a:stretch>
-            <a:fillRect/>
-          </a:stretch>
-        </p:blipFill>
-        <p:spPr>
-          <a:xfrm>
-            <a:off x="152400" y="152400"/>
-            <a:ext cx="3657600" cy="2495550"/>
-          </a:xfrm>
-          <a:prstGeom prst="rect">
-            <a:avLst/>
-          </a:prstGeom>
-          <a:noFill/>
-          <a:ln>
-            <a:noFill/>
-          </a:ln>
-        </p:spPr>
-      </p:pic>
-      <p:sp>
-        <p:nvSpPr>
-          <p:cNvPr id="141" name="Google Shape;141;p22"/>
-          <p:cNvSpPr txBox="1"/>
-          <p:nvPr/>
-        </p:nvSpPr>
-        <p:spPr>
-          <a:xfrm>
-            <a:off x="1151400" y="2713775"/>
-            <a:ext cx="1659600" cy="400200"/>
-          </a:xfrm>
-          <a:prstGeom prst="rect">
-            <a:avLst/>
-          </a:prstGeom>
-          <a:noFill/>
-          <a:ln>
-            <a:noFill/>
-          </a:ln>
-        </p:spPr>
-        <p:txBody>
-          <a:bodyPr anchorCtr="0" anchor="t" bIns="91425" lIns="91425" spcFirstLastPara="1" rIns="91425" wrap="square" tIns="91425">
-            <a:spAutoFit/>
-          </a:bodyPr>
-          <a:lstStyle/>
-          <a:p>
-            <a:pPr indent="0" lvl="0" marL="0" rtl="0" algn="l">
-              <a:spcBef>
-                <a:spcPts val="0"/>
-              </a:spcBef>
-              <a:spcAft>
-                <a:spcPts val="0"/>
-              </a:spcAft>
-              <a:buNone/>
-            </a:pPr>
-            <a:r>
-              <a:rPr lang="en">
-                <a:latin typeface="Roboto"/>
-                <a:ea typeface="Roboto"/>
-                <a:cs typeface="Roboto"/>
-                <a:sym typeface="Roboto"/>
-              </a:rPr>
-              <a:t>Log Reg</a:t>
-            </a:r>
-            <a:endParaRPr>
-              <a:latin typeface="Roboto"/>
-              <a:ea typeface="Roboto"/>
-              <a:cs typeface="Roboto"/>
-              <a:sym typeface="Roboto"/>
-            </a:endParaRPr>
-          </a:p>
-        </p:txBody>
-      </p:sp>
-      <p:pic>
-        <p:nvPicPr>
-          <p:cNvPr id="142" name="Google Shape;142;p22"/>
-          <p:cNvPicPr preferRelativeResize="0"/>
-          <p:nvPr/>
-        </p:nvPicPr>
-        <p:blipFill>
-          <a:blip r:embed="rId4">
-            <a:alphaModFix/>
-          </a:blip>
-          <a:stretch>
-            <a:fillRect/>
-          </a:stretch>
-        </p:blipFill>
-        <p:spPr>
-          <a:xfrm>
-            <a:off x="4769800" y="1789650"/>
-            <a:ext cx="2789502" cy="2613725"/>
-          </a:xfrm>
-          <a:prstGeom prst="rect">
-            <a:avLst/>
-          </a:prstGeom>
-          <a:noFill/>
-          <a:ln>
-            <a:noFill/>
-          </a:ln>
-        </p:spPr>
-      </p:pic>
-      <p:sp>
-        <p:nvSpPr>
-          <p:cNvPr id="143" name="Google Shape;143;p22"/>
-          <p:cNvSpPr txBox="1"/>
-          <p:nvPr/>
-        </p:nvSpPr>
-        <p:spPr>
-          <a:xfrm>
-            <a:off x="4877250" y="4346450"/>
-            <a:ext cx="1659600" cy="400200"/>
-          </a:xfrm>
-          <a:prstGeom prst="rect">
-            <a:avLst/>
-          </a:prstGeom>
-          <a:noFill/>
-          <a:ln>
-            <a:noFill/>
-          </a:ln>
-        </p:spPr>
-        <p:txBody>
-          <a:bodyPr anchorCtr="0" anchor="t" bIns="91425" lIns="91425" spcFirstLastPara="1" rIns="91425" wrap="square" tIns="91425">
-            <a:spAutoFit/>
-          </a:bodyPr>
-          <a:lstStyle/>
-          <a:p>
-            <a:pPr indent="0" lvl="0" marL="0" rtl="0" algn="l">
-              <a:spcBef>
-                <a:spcPts val="0"/>
-              </a:spcBef>
-              <a:spcAft>
-                <a:spcPts val="0"/>
-              </a:spcAft>
-              <a:buNone/>
-            </a:pPr>
-            <a:r>
-              <a:rPr lang="en">
-                <a:latin typeface="Roboto"/>
-                <a:ea typeface="Roboto"/>
-                <a:cs typeface="Roboto"/>
-                <a:sym typeface="Roboto"/>
-              </a:rPr>
-              <a:t>Confusion matrix</a:t>
-            </a:r>
-            <a:endParaRPr>
-              <a:latin typeface="Roboto"/>
-              <a:ea typeface="Roboto"/>
-              <a:cs typeface="Roboto"/>
-              <a:sym typeface="Roboto"/>
-            </a:endParaRPr>
-          </a:p>
-        </p:txBody>
-      </p:sp>
-      <p:sp>
-        <p:nvSpPr>
-          <p:cNvPr id="144" name="Google Shape;144;p22"/>
-          <p:cNvSpPr txBox="1"/>
-          <p:nvPr/>
-        </p:nvSpPr>
-        <p:spPr>
-          <a:xfrm>
-            <a:off x="2493900" y="293975"/>
-            <a:ext cx="1316100" cy="323100"/>
-          </a:xfrm>
-          <a:prstGeom prst="rect">
-            <a:avLst/>
-          </a:prstGeom>
-          <a:noFill/>
-          <a:ln>
-            <a:noFill/>
-          </a:ln>
-        </p:spPr>
-        <p:txBody>
-          <a:bodyPr anchorCtr="0" anchor="t" bIns="91425" lIns="91425" spcFirstLastPara="1" rIns="91425" wrap="square" tIns="91425">
-            <a:spAutoFit/>
-          </a:bodyPr>
-          <a:lstStyle/>
-          <a:p>
-            <a:pPr indent="0" lvl="0" marL="0" rtl="0" algn="l">
-              <a:spcBef>
-                <a:spcPts val="0"/>
-              </a:spcBef>
-              <a:spcAft>
-                <a:spcPts val="0"/>
-              </a:spcAft>
-              <a:buNone/>
-            </a:pPr>
-            <a:r>
-              <a:rPr lang="en" sz="900">
-                <a:latin typeface="Roboto"/>
-                <a:ea typeface="Roboto"/>
-                <a:cs typeface="Roboto"/>
-                <a:sym typeface="Roboto"/>
-              </a:rPr>
-              <a:t>G</a:t>
-            </a:r>
-            <a:r>
-              <a:rPr lang="en" sz="900">
-                <a:latin typeface="Roboto"/>
-                <a:ea typeface="Roboto"/>
-                <a:cs typeface="Roboto"/>
-                <a:sym typeface="Roboto"/>
-              </a:rPr>
-              <a:t>reen for purchase=1</a:t>
-            </a:r>
-            <a:endParaRPr sz="900">
-              <a:latin typeface="Roboto"/>
-              <a:ea typeface="Roboto"/>
-              <a:cs typeface="Roboto"/>
-              <a:sym typeface="Roboto"/>
-            </a:endParaRPr>
-          </a:p>
-        </p:txBody>
-      </p:sp>
-    </p:spTree>
-  </p:cSld>
-  <p:clrMapOvr>
-    <a:masterClrMapping/>
-  </p:clrMapOvr>
-</p:sld>
-</file>
-
-<file path=ppt/slides/slide2.xml><?xml version="1.0" encoding="utf-8"?>
-<p:sld xmlns:a="http://schemas.openxmlformats.org/drawingml/2006/main" xmlns:r="http://schemas.openxmlformats.org/officeDocument/2006/relationships" xmlns:mc="http://schemas.openxmlformats.org/markup-compatibility/2006" xmlns:mv="urn:schemas-microsoft-com:mac:vml" xmlns:p="http://schemas.openxmlformats.org/presentationml/2006/main" xmlns:c="http://schemas.openxmlformats.org/drawingml/2006/chart" xmlns:dgm="http://schemas.openxmlformats.org/drawingml/2006/diagram" xmlns:o="urn:schemas-microsoft-com:office:office" xmlns:v="urn:schemas-microsoft-com:vml" xmlns:pvml="urn:schemas-microsoft-com:office:powerpoint" xmlns:com="http://schemas.openxmlformats.org/drawingml/2006/compatibility" xmlns:p14="http://schemas.microsoft.com/office/powerpoint/2010/main" xmlns:p15="http://schemas.microsoft.com/office/powerpoint/2012/main" xmlns:ahyp="http://schemas.microsoft.com/office/drawing/2018/hyperlinkcolor">
-  <p:cSld>
-    <p:spTree>
-      <p:nvGrpSpPr>
-        <p:cNvPr id="68" name="Shape 68"/>
-        <p:cNvGrpSpPr/>
-        <p:nvPr/>
-      </p:nvGrpSpPr>
-      <p:grpSpPr>
-        <a:xfrm>
-          <a:off x="0" y="0"/>
-          <a:ext cx="0" cy="0"/>
-          <a:chOff x="0" y="0"/>
-          <a:chExt cx="0" cy="0"/>
-        </a:xfrm>
-      </p:grpSpPr>
-      <p:sp>
-        <p:nvSpPr>
-          <p:cNvPr id="69" name="Google Shape;69;p14"/>
-          <p:cNvSpPr txBox="1"/>
-          <p:nvPr/>
-        </p:nvSpPr>
-        <p:spPr>
-          <a:xfrm>
-            <a:off x="3513725" y="471000"/>
-            <a:ext cx="2631600" cy="446400"/>
-          </a:xfrm>
-          <a:prstGeom prst="rect">
-            <a:avLst/>
-          </a:prstGeom>
-          <a:noFill/>
-          <a:ln>
-            <a:noFill/>
-          </a:ln>
-        </p:spPr>
-        <p:txBody>
-          <a:bodyPr anchorCtr="0" anchor="t" bIns="91425" lIns="91425" spcFirstLastPara="1" rIns="91425" wrap="square" tIns="91425">
-            <a:spAutoFit/>
-          </a:bodyPr>
-          <a:lstStyle/>
-          <a:p>
-            <a:pPr indent="0" lvl="0" marL="0" rtl="0" algn="l">
-              <a:spcBef>
-                <a:spcPts val="0"/>
-              </a:spcBef>
-              <a:spcAft>
-                <a:spcPts val="0"/>
-              </a:spcAft>
-              <a:buNone/>
-            </a:pPr>
-            <a:r>
-              <a:rPr lang="en" sz="1700">
-                <a:solidFill>
-                  <a:schemeClr val="dk1"/>
-                </a:solidFill>
-                <a:latin typeface="Roboto"/>
-                <a:ea typeface="Roboto"/>
-                <a:cs typeface="Roboto"/>
-                <a:sym typeface="Roboto"/>
-              </a:rPr>
-              <a:t>Analysis 1</a:t>
-            </a:r>
-            <a:endParaRPr sz="1700">
-              <a:solidFill>
-                <a:schemeClr val="dk1"/>
-              </a:solidFill>
-              <a:latin typeface="Roboto"/>
-              <a:ea typeface="Roboto"/>
-              <a:cs typeface="Roboto"/>
-              <a:sym typeface="Roboto"/>
-            </a:endParaRPr>
-          </a:p>
-        </p:txBody>
-      </p:sp>
-      <p:sp>
-        <p:nvSpPr>
-          <p:cNvPr id="70" name="Google Shape;70;p14"/>
-          <p:cNvSpPr txBox="1"/>
-          <p:nvPr/>
-        </p:nvSpPr>
-        <p:spPr>
-          <a:xfrm>
-            <a:off x="1854050" y="792450"/>
-            <a:ext cx="889800" cy="400200"/>
-          </a:xfrm>
-          <a:prstGeom prst="rect">
-            <a:avLst/>
-          </a:prstGeom>
-          <a:noFill/>
-          <a:ln>
-            <a:noFill/>
-          </a:ln>
-        </p:spPr>
-        <p:txBody>
-          <a:bodyPr anchorCtr="0" anchor="t" bIns="91425" lIns="91425" spcFirstLastPara="1" rIns="91425" wrap="square" tIns="91425">
-            <a:spAutoFit/>
-          </a:bodyPr>
-          <a:lstStyle/>
-          <a:p>
-            <a:pPr indent="0" lvl="0" marL="0" rtl="0" algn="l">
-              <a:spcBef>
-                <a:spcPts val="0"/>
-              </a:spcBef>
-              <a:spcAft>
-                <a:spcPts val="0"/>
-              </a:spcAft>
-              <a:buNone/>
-            </a:pPr>
-            <a:r>
-              <a:t/>
-            </a:r>
-            <a:endParaRPr>
-              <a:solidFill>
-                <a:schemeClr val="dk1"/>
-              </a:solidFill>
-              <a:latin typeface="Roboto"/>
-              <a:ea typeface="Roboto"/>
-              <a:cs typeface="Roboto"/>
-              <a:sym typeface="Roboto"/>
-            </a:endParaRPr>
-          </a:p>
-        </p:txBody>
-      </p:sp>
-      <p:sp>
-        <p:nvSpPr>
-          <p:cNvPr id="71" name="Google Shape;71;p14"/>
-          <p:cNvSpPr txBox="1"/>
-          <p:nvPr/>
-        </p:nvSpPr>
-        <p:spPr>
-          <a:xfrm>
-            <a:off x="2840875" y="953288"/>
-            <a:ext cx="3797700" cy="1693200"/>
-          </a:xfrm>
-          <a:prstGeom prst="rect">
-            <a:avLst/>
-          </a:prstGeom>
-          <a:noFill/>
-          <a:ln>
-            <a:noFill/>
-          </a:ln>
-        </p:spPr>
-        <p:txBody>
-          <a:bodyPr anchorCtr="0" anchor="t" bIns="91425" lIns="91425" spcFirstLastPara="1" rIns="91425" wrap="square" tIns="91425">
-            <a:spAutoFit/>
-          </a:bodyPr>
-          <a:lstStyle/>
-          <a:p>
-            <a:pPr indent="0" lvl="0" marL="0" rtl="0" algn="l">
-              <a:spcBef>
-                <a:spcPts val="0"/>
-              </a:spcBef>
-              <a:spcAft>
-                <a:spcPts val="0"/>
-              </a:spcAft>
-              <a:buNone/>
-            </a:pPr>
-            <a:r>
-              <a:rPr lang="en">
-                <a:solidFill>
-                  <a:schemeClr val="dk1"/>
-                </a:solidFill>
-                <a:latin typeface="Roboto"/>
-                <a:ea typeface="Roboto"/>
-                <a:cs typeface="Roboto"/>
-                <a:sym typeface="Roboto"/>
-              </a:rPr>
-              <a:t>Dataset</a:t>
-            </a:r>
-            <a:endParaRPr>
-              <a:solidFill>
-                <a:schemeClr val="dk1"/>
-              </a:solidFill>
-              <a:latin typeface="Roboto"/>
-              <a:ea typeface="Roboto"/>
-              <a:cs typeface="Roboto"/>
-              <a:sym typeface="Roboto"/>
-            </a:endParaRPr>
-          </a:p>
-          <a:p>
-            <a:pPr indent="-317500" lvl="0" marL="457200" marR="0" rtl="0" algn="l">
-              <a:lnSpc>
-                <a:spcPct val="100000"/>
-              </a:lnSpc>
-              <a:spcBef>
-                <a:spcPts val="0"/>
-              </a:spcBef>
-              <a:spcAft>
-                <a:spcPts val="0"/>
-              </a:spcAft>
-              <a:buClr>
-                <a:schemeClr val="dk1"/>
-              </a:buClr>
-              <a:buSzPts val="1400"/>
-              <a:buFont typeface="Roboto"/>
-              <a:buChar char="●"/>
-            </a:pPr>
-            <a:r>
-              <a:rPr lang="en">
-                <a:solidFill>
-                  <a:schemeClr val="dk1"/>
-                </a:solidFill>
-                <a:latin typeface="Roboto"/>
-                <a:ea typeface="Roboto"/>
-                <a:cs typeface="Roboto"/>
-                <a:sym typeface="Roboto"/>
-              </a:rPr>
-              <a:t>wine quality dataset from </a:t>
-            </a:r>
-            <a:r>
-              <a:rPr lang="en" u="sng">
-                <a:solidFill>
-                  <a:schemeClr val="hlink"/>
-                </a:solidFill>
-                <a:latin typeface="Roboto"/>
-                <a:ea typeface="Roboto"/>
-                <a:cs typeface="Roboto"/>
-                <a:sym typeface="Roboto"/>
-                <a:hlinkClick r:id="rId3"/>
-              </a:rPr>
-              <a:t>Kaggle</a:t>
-            </a:r>
-            <a:endParaRPr>
-              <a:solidFill>
-                <a:schemeClr val="dk1"/>
-              </a:solidFill>
-              <a:latin typeface="Roboto"/>
-              <a:ea typeface="Roboto"/>
-              <a:cs typeface="Roboto"/>
-              <a:sym typeface="Roboto"/>
-            </a:endParaRPr>
-          </a:p>
-          <a:p>
-            <a:pPr indent="-317500" lvl="0" marL="457200" marR="0" rtl="0" algn="l">
-              <a:lnSpc>
-                <a:spcPct val="100000"/>
-              </a:lnSpc>
-              <a:spcBef>
-                <a:spcPts val="0"/>
-              </a:spcBef>
-              <a:spcAft>
-                <a:spcPts val="0"/>
-              </a:spcAft>
-              <a:buClr>
-                <a:schemeClr val="dk1"/>
-              </a:buClr>
-              <a:buSzPts val="1400"/>
-              <a:buFont typeface="Roboto"/>
-              <a:buChar char="●"/>
-            </a:pPr>
-            <a:r>
-              <a:rPr lang="en">
-                <a:solidFill>
-                  <a:schemeClr val="dk1"/>
-                </a:solidFill>
-                <a:latin typeface="Roboto"/>
-                <a:ea typeface="Roboto"/>
-                <a:cs typeface="Roboto"/>
-                <a:sym typeface="Roboto"/>
-              </a:rPr>
-              <a:t>Target variable: wine quality (3-8 rank)</a:t>
-            </a:r>
-            <a:endParaRPr>
-              <a:solidFill>
-                <a:schemeClr val="dk1"/>
-              </a:solidFill>
-              <a:latin typeface="Roboto"/>
-              <a:ea typeface="Roboto"/>
-              <a:cs typeface="Roboto"/>
-              <a:sym typeface="Roboto"/>
-            </a:endParaRPr>
-          </a:p>
-          <a:p>
-            <a:pPr indent="-317500" lvl="0" marL="457200" marR="0" rtl="0" algn="l">
-              <a:lnSpc>
-                <a:spcPct val="100000"/>
-              </a:lnSpc>
-              <a:spcBef>
-                <a:spcPts val="0"/>
-              </a:spcBef>
-              <a:spcAft>
-                <a:spcPts val="0"/>
-              </a:spcAft>
-              <a:buClr>
-                <a:schemeClr val="dk1"/>
-              </a:buClr>
-              <a:buSzPts val="1400"/>
-              <a:buFont typeface="Roboto"/>
-              <a:buChar char="●"/>
-            </a:pPr>
-            <a:r>
-              <a:rPr lang="en">
-                <a:solidFill>
-                  <a:schemeClr val="dk1"/>
-                </a:solidFill>
-                <a:latin typeface="Roboto"/>
-                <a:ea typeface="Roboto"/>
-                <a:cs typeface="Roboto"/>
-                <a:sym typeface="Roboto"/>
-              </a:rPr>
-              <a:t>Classifier variables: </a:t>
-            </a:r>
-            <a:endParaRPr>
-              <a:solidFill>
-                <a:schemeClr val="dk1"/>
-              </a:solidFill>
-              <a:latin typeface="Roboto"/>
-              <a:ea typeface="Roboto"/>
-              <a:cs typeface="Roboto"/>
-              <a:sym typeface="Roboto"/>
-            </a:endParaRPr>
-          </a:p>
-          <a:p>
-            <a:pPr indent="0" lvl="0" marL="0" marR="0" rtl="0" algn="l">
-              <a:lnSpc>
-                <a:spcPct val="100000"/>
-              </a:lnSpc>
-              <a:spcBef>
-                <a:spcPts val="0"/>
-              </a:spcBef>
-              <a:spcAft>
-                <a:spcPts val="0"/>
-              </a:spcAft>
-              <a:buNone/>
-            </a:pPr>
-            <a:r>
-              <a:rPr lang="en">
-                <a:solidFill>
-                  <a:schemeClr val="dk1"/>
-                </a:solidFill>
-                <a:latin typeface="Roboto"/>
-                <a:ea typeface="Roboto"/>
-                <a:cs typeface="Roboto"/>
-                <a:sym typeface="Roboto"/>
-              </a:rPr>
-              <a:t>acidity parameters, PH, sulfates, sugar, chlorides &amp; alcohol content</a:t>
-            </a:r>
-            <a:endParaRPr>
-              <a:solidFill>
-                <a:schemeClr val="dk1"/>
-              </a:solidFill>
-              <a:latin typeface="Roboto"/>
-              <a:ea typeface="Roboto"/>
-              <a:cs typeface="Roboto"/>
-              <a:sym typeface="Roboto"/>
-            </a:endParaRPr>
-          </a:p>
-          <a:p>
-            <a:pPr indent="-317500" lvl="0" marL="457200" marR="0" rtl="0" algn="l">
-              <a:lnSpc>
-                <a:spcPct val="100000"/>
-              </a:lnSpc>
-              <a:spcBef>
-                <a:spcPts val="0"/>
-              </a:spcBef>
-              <a:spcAft>
-                <a:spcPts val="0"/>
-              </a:spcAft>
-              <a:buClr>
-                <a:schemeClr val="dk1"/>
-              </a:buClr>
-              <a:buSzPts val="1400"/>
-              <a:buFont typeface="Roboto"/>
-              <a:buChar char="●"/>
-            </a:pPr>
-            <a:r>
-              <a:rPr lang="en">
-                <a:solidFill>
-                  <a:schemeClr val="dk1"/>
-                </a:solidFill>
-                <a:latin typeface="Roboto"/>
-                <a:ea typeface="Roboto"/>
-                <a:cs typeface="Roboto"/>
-                <a:sym typeface="Roboto"/>
-              </a:rPr>
-              <a:t>1599*12</a:t>
-            </a:r>
-            <a:endParaRPr>
-              <a:solidFill>
-                <a:schemeClr val="dk1"/>
-              </a:solidFill>
-              <a:latin typeface="Roboto"/>
-              <a:ea typeface="Roboto"/>
-              <a:cs typeface="Roboto"/>
-              <a:sym typeface="Roboto"/>
-            </a:endParaRPr>
-          </a:p>
-        </p:txBody>
-      </p:sp>
-      <p:sp>
-        <p:nvSpPr>
-          <p:cNvPr id="72" name="Google Shape;72;p14"/>
-          <p:cNvSpPr txBox="1"/>
-          <p:nvPr/>
-        </p:nvSpPr>
-        <p:spPr>
-          <a:xfrm>
-            <a:off x="3027775" y="3080525"/>
-            <a:ext cx="3760500" cy="1046700"/>
-          </a:xfrm>
-          <a:prstGeom prst="rect">
-            <a:avLst/>
-          </a:prstGeom>
-          <a:noFill/>
-          <a:ln>
-            <a:noFill/>
-          </a:ln>
-        </p:spPr>
-        <p:txBody>
-          <a:bodyPr anchorCtr="0" anchor="t" bIns="91425" lIns="91425" spcFirstLastPara="1" rIns="91425" wrap="square" tIns="91425">
-            <a:spAutoFit/>
-          </a:bodyPr>
-          <a:lstStyle/>
-          <a:p>
-            <a:pPr indent="-317500" lvl="0" marL="457200" marR="0" rtl="0" algn="l">
-              <a:lnSpc>
-                <a:spcPct val="100000"/>
-              </a:lnSpc>
-              <a:spcBef>
-                <a:spcPts val="0"/>
-              </a:spcBef>
-              <a:spcAft>
-                <a:spcPts val="0"/>
-              </a:spcAft>
-              <a:buClr>
-                <a:schemeClr val="dk1"/>
-              </a:buClr>
-              <a:buSzPts val="1400"/>
-              <a:buFont typeface="Roboto"/>
-              <a:buChar char="●"/>
-            </a:pPr>
-            <a:r>
-              <a:rPr lang="en">
-                <a:solidFill>
-                  <a:schemeClr val="dk1"/>
-                </a:solidFill>
-                <a:latin typeface="Roboto"/>
-                <a:ea typeface="Roboto"/>
-                <a:cs typeface="Roboto"/>
-                <a:sym typeface="Roboto"/>
-              </a:rPr>
-              <a:t>Significance:</a:t>
-            </a:r>
-            <a:endParaRPr>
-              <a:solidFill>
-                <a:schemeClr val="dk1"/>
-              </a:solidFill>
-              <a:latin typeface="Roboto"/>
-              <a:ea typeface="Roboto"/>
-              <a:cs typeface="Roboto"/>
-              <a:sym typeface="Roboto"/>
-            </a:endParaRPr>
-          </a:p>
-          <a:p>
-            <a:pPr indent="0" lvl="0" marL="0" marR="0" rtl="0" algn="l">
-              <a:lnSpc>
-                <a:spcPct val="100000"/>
-              </a:lnSpc>
-              <a:spcBef>
-                <a:spcPts val="0"/>
-              </a:spcBef>
-              <a:spcAft>
-                <a:spcPts val="0"/>
-              </a:spcAft>
-              <a:buNone/>
-            </a:pPr>
-            <a:r>
-              <a:rPr lang="en">
-                <a:solidFill>
-                  <a:schemeClr val="dk1"/>
-                </a:solidFill>
-                <a:latin typeface="Roboto"/>
-                <a:ea typeface="Roboto"/>
-                <a:cs typeface="Roboto"/>
-                <a:sym typeface="Roboto"/>
-              </a:rPr>
-              <a:t>company can use this analysis to improve its wine products with the best quality, which affects market penetration</a:t>
-            </a:r>
-            <a:endParaRPr>
-              <a:solidFill>
-                <a:schemeClr val="dk1"/>
-              </a:solidFill>
-              <a:latin typeface="Roboto"/>
-              <a:ea typeface="Roboto"/>
-              <a:cs typeface="Roboto"/>
-              <a:sym typeface="Roboto"/>
-            </a:endParaRPr>
-          </a:p>
-        </p:txBody>
-      </p:sp>
-    </p:spTree>
-  </p:cSld>
-  <p:clrMapOvr>
-    <a:masterClrMapping/>
-  </p:clrMapOvr>
-</p:sld>
-</file>
-
-<file path=ppt/slides/slide3.xml><?xml version="1.0" encoding="utf-8"?>
-<p:sld xmlns:a="http://schemas.openxmlformats.org/drawingml/2006/main" xmlns:r="http://schemas.openxmlformats.org/officeDocument/2006/relationships" xmlns:mc="http://schemas.openxmlformats.org/markup-compatibility/2006" xmlns:mv="urn:schemas-microsoft-com:mac:vml" xmlns:p="http://schemas.openxmlformats.org/presentationml/2006/main" xmlns:c="http://schemas.openxmlformats.org/drawingml/2006/chart" xmlns:dgm="http://schemas.openxmlformats.org/drawingml/2006/diagram" xmlns:o="urn:schemas-microsoft-com:office:office" xmlns:v="urn:schemas-microsoft-com:vml" xmlns:pvml="urn:schemas-microsoft-com:office:powerpoint" xmlns:com="http://schemas.openxmlformats.org/drawingml/2006/compatibility" xmlns:p14="http://schemas.microsoft.com/office/powerpoint/2010/main" xmlns:p15="http://schemas.microsoft.com/office/powerpoint/2012/main" xmlns:ahyp="http://schemas.microsoft.com/office/drawing/2018/hyperlinkcolor">
-  <p:cSld>
-    <p:spTree>
-      <p:nvGrpSpPr>
-        <p:cNvPr id="76" name="Shape 76"/>
-        <p:cNvGrpSpPr/>
-        <p:nvPr/>
-      </p:nvGrpSpPr>
-      <p:grpSpPr>
-        <a:xfrm>
-          <a:off x="0" y="0"/>
-          <a:ext cx="0" cy="0"/>
-          <a:chOff x="0" y="0"/>
-          <a:chExt cx="0" cy="0"/>
-        </a:xfrm>
-      </p:grpSpPr>
-      <p:sp>
-        <p:nvSpPr>
-          <p:cNvPr id="77" name="Google Shape;77;p15"/>
-          <p:cNvSpPr txBox="1"/>
-          <p:nvPr/>
-        </p:nvSpPr>
-        <p:spPr>
-          <a:xfrm>
-            <a:off x="3513725" y="471000"/>
-            <a:ext cx="2631600" cy="446400"/>
-          </a:xfrm>
-          <a:prstGeom prst="rect">
-            <a:avLst/>
-          </a:prstGeom>
-          <a:noFill/>
-          <a:ln>
-            <a:noFill/>
-          </a:ln>
-        </p:spPr>
-        <p:txBody>
-          <a:bodyPr anchorCtr="0" anchor="t" bIns="91425" lIns="91425" spcFirstLastPara="1" rIns="91425" wrap="square" tIns="91425">
-            <a:spAutoFit/>
-          </a:bodyPr>
-          <a:lstStyle/>
-          <a:p>
-            <a:pPr indent="0" lvl="0" marL="0" rtl="0" algn="l">
-              <a:spcBef>
-                <a:spcPts val="0"/>
-              </a:spcBef>
-              <a:spcAft>
-                <a:spcPts val="0"/>
-              </a:spcAft>
-              <a:buNone/>
-            </a:pPr>
-            <a:r>
-              <a:rPr lang="en" sz="1700">
-                <a:solidFill>
-                  <a:schemeClr val="dk1"/>
-                </a:solidFill>
-                <a:latin typeface="Roboto"/>
-                <a:ea typeface="Roboto"/>
-                <a:cs typeface="Roboto"/>
-                <a:sym typeface="Roboto"/>
-              </a:rPr>
-              <a:t>Analysis Techniques</a:t>
-            </a:r>
-            <a:endParaRPr sz="1700">
-              <a:solidFill>
-                <a:schemeClr val="dk1"/>
-              </a:solidFill>
-              <a:latin typeface="Roboto"/>
-              <a:ea typeface="Roboto"/>
-              <a:cs typeface="Roboto"/>
-              <a:sym typeface="Roboto"/>
-            </a:endParaRPr>
-          </a:p>
-        </p:txBody>
-      </p:sp>
-      <p:sp>
-        <p:nvSpPr>
-          <p:cNvPr id="78" name="Google Shape;78;p15"/>
-          <p:cNvSpPr txBox="1"/>
-          <p:nvPr/>
-        </p:nvSpPr>
-        <p:spPr>
-          <a:xfrm>
-            <a:off x="1854050" y="792450"/>
-            <a:ext cx="889800" cy="400200"/>
-          </a:xfrm>
-          <a:prstGeom prst="rect">
-            <a:avLst/>
-          </a:prstGeom>
-          <a:noFill/>
-          <a:ln>
-            <a:noFill/>
-          </a:ln>
-        </p:spPr>
-        <p:txBody>
-          <a:bodyPr anchorCtr="0" anchor="t" bIns="91425" lIns="91425" spcFirstLastPara="1" rIns="91425" wrap="square" tIns="91425">
-            <a:spAutoFit/>
-          </a:bodyPr>
-          <a:lstStyle/>
-          <a:p>
-            <a:pPr indent="0" lvl="0" marL="0" rtl="0" algn="l">
-              <a:spcBef>
-                <a:spcPts val="0"/>
-              </a:spcBef>
-              <a:spcAft>
-                <a:spcPts val="0"/>
-              </a:spcAft>
-              <a:buNone/>
-            </a:pPr>
-            <a:r>
-              <a:t/>
-            </a:r>
-            <a:endParaRPr>
-              <a:solidFill>
-                <a:schemeClr val="dk1"/>
-              </a:solidFill>
-              <a:latin typeface="Roboto"/>
-              <a:ea typeface="Roboto"/>
-              <a:cs typeface="Roboto"/>
-              <a:sym typeface="Roboto"/>
-            </a:endParaRPr>
-          </a:p>
-        </p:txBody>
-      </p:sp>
-      <p:sp>
-        <p:nvSpPr>
-          <p:cNvPr id="79" name="Google Shape;79;p15"/>
-          <p:cNvSpPr txBox="1"/>
-          <p:nvPr/>
-        </p:nvSpPr>
-        <p:spPr>
-          <a:xfrm>
-            <a:off x="1898900" y="889650"/>
-            <a:ext cx="4209000" cy="2986200"/>
-          </a:xfrm>
-          <a:prstGeom prst="rect">
-            <a:avLst/>
-          </a:prstGeom>
-          <a:noFill/>
-          <a:ln>
-            <a:noFill/>
-          </a:ln>
-        </p:spPr>
-        <p:txBody>
-          <a:bodyPr anchorCtr="0" anchor="t" bIns="91425" lIns="91425" spcFirstLastPara="1" rIns="91425" wrap="square" tIns="91425">
-            <a:spAutoFit/>
-          </a:bodyPr>
-          <a:lstStyle/>
-          <a:p>
-            <a:pPr indent="-317500" lvl="0" marL="457200" rtl="0" algn="l">
-              <a:spcBef>
-                <a:spcPts val="0"/>
-              </a:spcBef>
-              <a:spcAft>
-                <a:spcPts val="0"/>
-              </a:spcAft>
-              <a:buClr>
-                <a:schemeClr val="dk1"/>
-              </a:buClr>
-              <a:buSzPts val="1400"/>
-              <a:buFont typeface="Roboto"/>
-              <a:buChar char="●"/>
-            </a:pPr>
-            <a:r>
-              <a:rPr lang="en">
-                <a:solidFill>
-                  <a:schemeClr val="dk1"/>
-                </a:solidFill>
-                <a:latin typeface="Roboto"/>
-                <a:ea typeface="Roboto"/>
-                <a:cs typeface="Roboto"/>
-                <a:sym typeface="Roboto"/>
-              </a:rPr>
-              <a:t>Three level of wine quality </a:t>
-            </a:r>
-            <a:r>
-              <a:rPr lang="en">
-                <a:solidFill>
-                  <a:schemeClr val="dk1"/>
-                </a:solidFill>
-                <a:latin typeface="Roboto"/>
-                <a:ea typeface="Roboto"/>
-                <a:cs typeface="Roboto"/>
-                <a:sym typeface="Roboto"/>
-              </a:rPr>
-              <a:t>quality</a:t>
-            </a:r>
-            <a:endParaRPr>
-              <a:solidFill>
-                <a:schemeClr val="dk1"/>
-              </a:solidFill>
-              <a:latin typeface="Roboto"/>
-              <a:ea typeface="Roboto"/>
-              <a:cs typeface="Roboto"/>
-              <a:sym typeface="Roboto"/>
-            </a:endParaRPr>
-          </a:p>
-          <a:p>
-            <a:pPr indent="0" lvl="0" marL="0" rtl="0" algn="l">
-              <a:spcBef>
-                <a:spcPts val="0"/>
-              </a:spcBef>
-              <a:spcAft>
-                <a:spcPts val="0"/>
-              </a:spcAft>
-              <a:buNone/>
-            </a:pPr>
-            <a:r>
-              <a:rPr lang="en">
-                <a:solidFill>
-                  <a:schemeClr val="dk1"/>
-                </a:solidFill>
-                <a:latin typeface="Roboto"/>
-                <a:ea typeface="Roboto"/>
-                <a:cs typeface="Roboto"/>
-                <a:sym typeface="Roboto"/>
-              </a:rPr>
-              <a:t>0- bad (3 &amp; 4 -initial ranking)</a:t>
-            </a:r>
-            <a:endParaRPr>
-              <a:solidFill>
-                <a:schemeClr val="dk1"/>
-              </a:solidFill>
-              <a:latin typeface="Roboto"/>
-              <a:ea typeface="Roboto"/>
-              <a:cs typeface="Roboto"/>
-              <a:sym typeface="Roboto"/>
-            </a:endParaRPr>
-          </a:p>
-          <a:p>
-            <a:pPr indent="0" lvl="0" marL="0" rtl="0" algn="l">
-              <a:spcBef>
-                <a:spcPts val="0"/>
-              </a:spcBef>
-              <a:spcAft>
-                <a:spcPts val="0"/>
-              </a:spcAft>
-              <a:buNone/>
-            </a:pPr>
-            <a:r>
-              <a:rPr lang="en">
-                <a:solidFill>
-                  <a:schemeClr val="dk1"/>
-                </a:solidFill>
-                <a:latin typeface="Roboto"/>
-                <a:ea typeface="Roboto"/>
-                <a:cs typeface="Roboto"/>
-                <a:sym typeface="Roboto"/>
-              </a:rPr>
-              <a:t>1- medium (5 &amp; 6 )</a:t>
-            </a:r>
-            <a:endParaRPr>
-              <a:solidFill>
-                <a:schemeClr val="dk1"/>
-              </a:solidFill>
-              <a:latin typeface="Roboto"/>
-              <a:ea typeface="Roboto"/>
-              <a:cs typeface="Roboto"/>
-              <a:sym typeface="Roboto"/>
-            </a:endParaRPr>
-          </a:p>
-          <a:p>
-            <a:pPr indent="0" lvl="0" marL="0" rtl="0" algn="l">
-              <a:spcBef>
-                <a:spcPts val="0"/>
-              </a:spcBef>
-              <a:spcAft>
-                <a:spcPts val="0"/>
-              </a:spcAft>
-              <a:buNone/>
-            </a:pPr>
-            <a:r>
-              <a:rPr lang="en">
-                <a:solidFill>
-                  <a:schemeClr val="dk1"/>
-                </a:solidFill>
-                <a:latin typeface="Roboto"/>
-                <a:ea typeface="Roboto"/>
-                <a:cs typeface="Roboto"/>
-                <a:sym typeface="Roboto"/>
-              </a:rPr>
-              <a:t>2- high (7 &amp; 8)</a:t>
-            </a:r>
-            <a:endParaRPr>
-              <a:solidFill>
-                <a:schemeClr val="dk1"/>
-              </a:solidFill>
-              <a:latin typeface="Roboto"/>
-              <a:ea typeface="Roboto"/>
-              <a:cs typeface="Roboto"/>
-              <a:sym typeface="Roboto"/>
-            </a:endParaRPr>
-          </a:p>
-          <a:p>
-            <a:pPr indent="0" lvl="0" marL="0" rtl="0" algn="l">
-              <a:spcBef>
-                <a:spcPts val="0"/>
-              </a:spcBef>
-              <a:spcAft>
-                <a:spcPts val="0"/>
-              </a:spcAft>
-              <a:buNone/>
-            </a:pPr>
-            <a:r>
-              <a:t/>
-            </a:r>
-            <a:endParaRPr>
-              <a:solidFill>
-                <a:schemeClr val="dk1"/>
-              </a:solidFill>
-              <a:latin typeface="Roboto"/>
-              <a:ea typeface="Roboto"/>
-              <a:cs typeface="Roboto"/>
-              <a:sym typeface="Roboto"/>
-            </a:endParaRPr>
-          </a:p>
-          <a:p>
-            <a:pPr indent="-317500" lvl="0" marL="457200" rtl="0" algn="l">
-              <a:spcBef>
-                <a:spcPts val="0"/>
-              </a:spcBef>
-              <a:spcAft>
-                <a:spcPts val="0"/>
-              </a:spcAft>
-              <a:buClr>
-                <a:schemeClr val="dk1"/>
-              </a:buClr>
-              <a:buSzPts val="1400"/>
-              <a:buFont typeface="Roboto"/>
-              <a:buChar char="●"/>
-            </a:pPr>
-            <a:r>
-              <a:rPr lang="en">
-                <a:solidFill>
-                  <a:schemeClr val="dk1"/>
-                </a:solidFill>
-                <a:latin typeface="Roboto"/>
-                <a:ea typeface="Roboto"/>
-                <a:cs typeface="Roboto"/>
-                <a:sym typeface="Roboto"/>
-              </a:rPr>
-              <a:t>One hot encoding </a:t>
-            </a:r>
-            <a:r>
-              <a:rPr lang="en">
-                <a:solidFill>
-                  <a:schemeClr val="dk1"/>
-                </a:solidFill>
-                <a:latin typeface="Roboto"/>
-                <a:ea typeface="Roboto"/>
-                <a:cs typeface="Roboto"/>
-                <a:sym typeface="Roboto"/>
-              </a:rPr>
-              <a:t>for</a:t>
-            </a:r>
-            <a:r>
-              <a:rPr lang="en">
-                <a:solidFill>
-                  <a:schemeClr val="dk1"/>
-                </a:solidFill>
-                <a:latin typeface="Roboto"/>
-                <a:ea typeface="Roboto"/>
-                <a:cs typeface="Roboto"/>
-                <a:sym typeface="Roboto"/>
-              </a:rPr>
-              <a:t> quality levels</a:t>
-            </a:r>
-            <a:endParaRPr>
-              <a:solidFill>
-                <a:schemeClr val="dk1"/>
-              </a:solidFill>
-              <a:latin typeface="Roboto"/>
-              <a:ea typeface="Roboto"/>
-              <a:cs typeface="Roboto"/>
-              <a:sym typeface="Roboto"/>
-            </a:endParaRPr>
-          </a:p>
-          <a:p>
-            <a:pPr indent="-317500" lvl="0" marL="457200" rtl="0" algn="l">
-              <a:spcBef>
-                <a:spcPts val="0"/>
-              </a:spcBef>
-              <a:spcAft>
-                <a:spcPts val="0"/>
-              </a:spcAft>
-              <a:buClr>
-                <a:schemeClr val="dk1"/>
-              </a:buClr>
-              <a:buSzPts val="1400"/>
-              <a:buFont typeface="Roboto"/>
-              <a:buChar char="●"/>
-            </a:pPr>
-            <a:r>
-              <a:rPr lang="en">
-                <a:solidFill>
-                  <a:schemeClr val="dk1"/>
-                </a:solidFill>
-                <a:latin typeface="Roboto"/>
-                <a:ea typeface="Roboto"/>
-                <a:cs typeface="Roboto"/>
-                <a:sym typeface="Roboto"/>
-              </a:rPr>
-              <a:t>Dataset split 80%, 20%</a:t>
-            </a:r>
-            <a:endParaRPr>
-              <a:solidFill>
-                <a:schemeClr val="dk1"/>
-              </a:solidFill>
-              <a:latin typeface="Roboto"/>
-              <a:ea typeface="Roboto"/>
-              <a:cs typeface="Roboto"/>
-              <a:sym typeface="Roboto"/>
-            </a:endParaRPr>
-          </a:p>
-          <a:p>
-            <a:pPr indent="0" lvl="0" marL="457200" rtl="0" algn="l">
-              <a:spcBef>
-                <a:spcPts val="0"/>
-              </a:spcBef>
-              <a:spcAft>
-                <a:spcPts val="0"/>
-              </a:spcAft>
-              <a:buNone/>
-            </a:pPr>
-            <a:r>
-              <a:t/>
-            </a:r>
-            <a:endParaRPr>
-              <a:solidFill>
-                <a:schemeClr val="dk1"/>
-              </a:solidFill>
-              <a:latin typeface="Roboto"/>
-              <a:ea typeface="Roboto"/>
-              <a:cs typeface="Roboto"/>
-              <a:sym typeface="Roboto"/>
-            </a:endParaRPr>
-          </a:p>
-          <a:p>
-            <a:pPr indent="0" lvl="0" marL="0" rtl="0" algn="l">
-              <a:spcBef>
-                <a:spcPts val="0"/>
-              </a:spcBef>
-              <a:spcAft>
-                <a:spcPts val="0"/>
-              </a:spcAft>
-              <a:buNone/>
-            </a:pPr>
-            <a:r>
-              <a:t/>
-            </a:r>
-            <a:endParaRPr>
-              <a:solidFill>
-                <a:schemeClr val="dk1"/>
-              </a:solidFill>
-              <a:latin typeface="Roboto"/>
-              <a:ea typeface="Roboto"/>
-              <a:cs typeface="Roboto"/>
-              <a:sym typeface="Roboto"/>
-            </a:endParaRPr>
-          </a:p>
-          <a:p>
-            <a:pPr indent="-317500" lvl="0" marL="457200" rtl="0" algn="l">
-              <a:spcBef>
-                <a:spcPts val="0"/>
-              </a:spcBef>
-              <a:spcAft>
-                <a:spcPts val="0"/>
-              </a:spcAft>
-              <a:buClr>
-                <a:schemeClr val="dk1"/>
-              </a:buClr>
-              <a:buSzPts val="1400"/>
-              <a:buFont typeface="Roboto"/>
-              <a:buAutoNum type="arabicPeriod"/>
-            </a:pPr>
-            <a:r>
-              <a:rPr lang="en">
-                <a:solidFill>
-                  <a:schemeClr val="dk1"/>
-                </a:solidFill>
-                <a:latin typeface="Roboto"/>
-                <a:ea typeface="Roboto"/>
-                <a:cs typeface="Roboto"/>
-                <a:sym typeface="Roboto"/>
-              </a:rPr>
-              <a:t>Logistic Regression</a:t>
-            </a:r>
-            <a:endParaRPr>
-              <a:solidFill>
-                <a:schemeClr val="dk1"/>
-              </a:solidFill>
-              <a:latin typeface="Roboto"/>
-              <a:ea typeface="Roboto"/>
-              <a:cs typeface="Roboto"/>
-              <a:sym typeface="Roboto"/>
-            </a:endParaRPr>
-          </a:p>
-          <a:p>
-            <a:pPr indent="-317500" lvl="0" marL="457200" rtl="0" algn="l">
-              <a:spcBef>
-                <a:spcPts val="0"/>
-              </a:spcBef>
-              <a:spcAft>
-                <a:spcPts val="0"/>
-              </a:spcAft>
-              <a:buClr>
-                <a:schemeClr val="dk1"/>
-              </a:buClr>
-              <a:buSzPts val="1400"/>
-              <a:buFont typeface="Roboto"/>
-              <a:buAutoNum type="arabicPeriod"/>
-            </a:pPr>
-            <a:r>
-              <a:rPr lang="en">
-                <a:solidFill>
-                  <a:schemeClr val="dk1"/>
-                </a:solidFill>
-                <a:latin typeface="Roboto"/>
-                <a:ea typeface="Roboto"/>
-                <a:cs typeface="Roboto"/>
-                <a:sym typeface="Roboto"/>
-              </a:rPr>
-              <a:t>SVM (linear and </a:t>
-            </a:r>
-            <a:r>
-              <a:rPr lang="en">
-                <a:solidFill>
-                  <a:schemeClr val="dk1"/>
-                </a:solidFill>
-                <a:latin typeface="Roboto"/>
-                <a:ea typeface="Roboto"/>
-                <a:cs typeface="Roboto"/>
-                <a:sym typeface="Roboto"/>
-              </a:rPr>
-              <a:t>polynomial</a:t>
-            </a:r>
-            <a:r>
-              <a:rPr lang="en">
-                <a:solidFill>
-                  <a:schemeClr val="dk1"/>
-                </a:solidFill>
-                <a:latin typeface="Roboto"/>
-                <a:ea typeface="Roboto"/>
-                <a:cs typeface="Roboto"/>
-                <a:sym typeface="Roboto"/>
-              </a:rPr>
-              <a:t> classification)</a:t>
-            </a:r>
-            <a:endParaRPr>
-              <a:solidFill>
-                <a:schemeClr val="dk1"/>
-              </a:solidFill>
-              <a:latin typeface="Roboto"/>
-              <a:ea typeface="Roboto"/>
-              <a:cs typeface="Roboto"/>
-              <a:sym typeface="Roboto"/>
-            </a:endParaRPr>
-          </a:p>
-          <a:p>
-            <a:pPr indent="-317500" lvl="0" marL="457200" rtl="0" algn="l">
-              <a:spcBef>
-                <a:spcPts val="0"/>
-              </a:spcBef>
-              <a:spcAft>
-                <a:spcPts val="0"/>
-              </a:spcAft>
-              <a:buClr>
-                <a:schemeClr val="dk1"/>
-              </a:buClr>
-              <a:buSzPts val="1400"/>
-              <a:buFont typeface="Roboto"/>
-              <a:buAutoNum type="arabicPeriod"/>
-            </a:pPr>
-            <a:r>
-              <a:rPr lang="en">
-                <a:solidFill>
-                  <a:schemeClr val="dk1"/>
-                </a:solidFill>
-                <a:latin typeface="Roboto"/>
-                <a:ea typeface="Roboto"/>
-                <a:cs typeface="Roboto"/>
-                <a:sym typeface="Roboto"/>
-              </a:rPr>
-              <a:t>RBF</a:t>
-            </a:r>
-            <a:endParaRPr>
-              <a:solidFill>
-                <a:schemeClr val="dk1"/>
-              </a:solidFill>
-              <a:latin typeface="Roboto"/>
-              <a:ea typeface="Roboto"/>
-              <a:cs typeface="Roboto"/>
-              <a:sym typeface="Roboto"/>
-            </a:endParaRPr>
-          </a:p>
-          <a:p>
-            <a:pPr indent="0" lvl="0" marL="0" rtl="0" algn="l">
-              <a:spcBef>
-                <a:spcPts val="0"/>
-              </a:spcBef>
-              <a:spcAft>
-                <a:spcPts val="0"/>
-              </a:spcAft>
-              <a:buNone/>
-            </a:pPr>
-            <a:r>
-              <a:t/>
-            </a:r>
-            <a:endParaRPr>
-              <a:solidFill>
-                <a:schemeClr val="dk1"/>
-              </a:solidFill>
-              <a:latin typeface="Roboto"/>
-              <a:ea typeface="Roboto"/>
-              <a:cs typeface="Roboto"/>
-              <a:sym typeface="Roboto"/>
-            </a:endParaRPr>
-          </a:p>
-        </p:txBody>
-      </p:sp>
-    </p:spTree>
-  </p:cSld>
-  <p:clrMapOvr>
-    <a:masterClrMapping/>
-  </p:clrMapOvr>
-</p:sld>
-</file>
-
-<file path=ppt/slides/slide4.xml><?xml version="1.0" encoding="utf-8"?>
-<p:sld xmlns:a="http://schemas.openxmlformats.org/drawingml/2006/main" xmlns:r="http://schemas.openxmlformats.org/officeDocument/2006/relationships" xmlns:mc="http://schemas.openxmlformats.org/markup-compatibility/2006" xmlns:mv="urn:schemas-microsoft-com:mac:vml" xmlns:p="http://schemas.openxmlformats.org/presentationml/2006/main" xmlns:c="http://schemas.openxmlformats.org/drawingml/2006/chart" xmlns:dgm="http://schemas.openxmlformats.org/drawingml/2006/diagram" xmlns:o="urn:schemas-microsoft-com:office:office" xmlns:v="urn:schemas-microsoft-com:vml" xmlns:pvml="urn:schemas-microsoft-com:office:powerpoint" xmlns:com="http://schemas.openxmlformats.org/drawingml/2006/compatibility" xmlns:p14="http://schemas.microsoft.com/office/powerpoint/2010/main" xmlns:p15="http://schemas.microsoft.com/office/powerpoint/2012/main" xmlns:ahyp="http://schemas.microsoft.com/office/drawing/2018/hyperlinkcolor">
-  <p:cSld>
-    <p:spTree>
-      <p:nvGrpSpPr>
-        <p:cNvPr id="83" name="Shape 83"/>
-        <p:cNvGrpSpPr/>
-        <p:nvPr/>
-      </p:nvGrpSpPr>
-      <p:grpSpPr>
-        <a:xfrm>
-          <a:off x="0" y="0"/>
-          <a:ext cx="0" cy="0"/>
-          <a:chOff x="0" y="0"/>
-          <a:chExt cx="0" cy="0"/>
-        </a:xfrm>
-      </p:grpSpPr>
-      <p:sp>
-        <p:nvSpPr>
-          <p:cNvPr id="84" name="Google Shape;84;p16"/>
-          <p:cNvSpPr/>
-          <p:nvPr/>
-        </p:nvSpPr>
-        <p:spPr>
-          <a:xfrm>
-            <a:off x="22425" y="134575"/>
-            <a:ext cx="9121500" cy="5008800"/>
-          </a:xfrm>
-          <a:prstGeom prst="roundRect">
-            <a:avLst>
-              <a:gd fmla="val 16667" name="adj"/>
-            </a:avLst>
-          </a:prstGeom>
-          <a:solidFill>
-            <a:schemeClr val="dk1"/>
-          </a:solidFill>
-          <a:ln cap="flat" cmpd="sng" w="9525">
-            <a:solidFill>
-              <a:schemeClr val="dk2"/>
-            </a:solidFill>
-            <a:prstDash val="solid"/>
-            <a:round/>
-            <a:headEnd len="sm" w="sm" type="none"/>
-            <a:tailEnd len="sm" w="sm" type="none"/>
-          </a:ln>
-        </p:spPr>
-        <p:txBody>
-          <a:bodyPr anchorCtr="0" anchor="ctr" bIns="91425" lIns="91425" spcFirstLastPara="1" rIns="91425" wrap="square" tIns="91425">
-            <a:noAutofit/>
-          </a:bodyPr>
-          <a:lstStyle/>
-          <a:p>
-            <a:pPr indent="0" lvl="0" marL="0" rtl="0" algn="l">
-              <a:spcBef>
-                <a:spcPts val="0"/>
-              </a:spcBef>
-              <a:spcAft>
-                <a:spcPts val="0"/>
-              </a:spcAft>
-              <a:buNone/>
-            </a:pPr>
-            <a:r>
-              <a:t/>
-            </a:r>
-            <a:endParaRPr/>
-          </a:p>
-        </p:txBody>
-      </p:sp>
-      <p:sp>
-        <p:nvSpPr>
-          <p:cNvPr id="85" name="Google Shape;85;p16"/>
-          <p:cNvSpPr txBox="1"/>
-          <p:nvPr/>
-        </p:nvSpPr>
-        <p:spPr>
-          <a:xfrm>
-            <a:off x="4463200" y="69450"/>
-            <a:ext cx="2631600" cy="446400"/>
-          </a:xfrm>
-          <a:prstGeom prst="rect">
-            <a:avLst/>
-          </a:prstGeom>
-          <a:noFill/>
-          <a:ln>
-            <a:noFill/>
-          </a:ln>
-        </p:spPr>
-        <p:txBody>
-          <a:bodyPr anchorCtr="0" anchor="t" bIns="91425" lIns="91425" spcFirstLastPara="1" rIns="91425" wrap="square" tIns="91425">
-            <a:spAutoFit/>
-          </a:bodyPr>
-          <a:lstStyle/>
-          <a:p>
-            <a:pPr indent="0" lvl="0" marL="0" rtl="0" algn="l">
-              <a:spcBef>
-                <a:spcPts val="0"/>
-              </a:spcBef>
-              <a:spcAft>
-                <a:spcPts val="0"/>
-              </a:spcAft>
-              <a:buNone/>
-            </a:pPr>
-            <a:r>
-              <a:rPr b="1" lang="en" sz="1700">
-                <a:latin typeface="Roboto"/>
-                <a:ea typeface="Roboto"/>
-                <a:cs typeface="Roboto"/>
-                <a:sym typeface="Roboto"/>
-              </a:rPr>
-              <a:t>Results</a:t>
-            </a:r>
-            <a:endParaRPr b="1" sz="1700">
-              <a:latin typeface="Roboto"/>
-              <a:ea typeface="Roboto"/>
-              <a:cs typeface="Roboto"/>
-              <a:sym typeface="Roboto"/>
-            </a:endParaRPr>
-          </a:p>
-        </p:txBody>
-      </p:sp>
-      <p:sp>
-        <p:nvSpPr>
-          <p:cNvPr id="86" name="Google Shape;86;p16"/>
-          <p:cNvSpPr txBox="1"/>
-          <p:nvPr/>
-        </p:nvSpPr>
-        <p:spPr>
-          <a:xfrm>
-            <a:off x="1854050" y="792450"/>
-            <a:ext cx="889800" cy="400200"/>
-          </a:xfrm>
-          <a:prstGeom prst="rect">
-            <a:avLst/>
-          </a:prstGeom>
-          <a:noFill/>
-          <a:ln>
-            <a:noFill/>
-          </a:ln>
-        </p:spPr>
-        <p:txBody>
-          <a:bodyPr anchorCtr="0" anchor="t" bIns="91425" lIns="91425" spcFirstLastPara="1" rIns="91425" wrap="square" tIns="91425">
-            <a:spAutoFit/>
-          </a:bodyPr>
-          <a:lstStyle/>
-          <a:p>
-            <a:pPr indent="0" lvl="0" marL="0" rtl="0" algn="l">
-              <a:spcBef>
-                <a:spcPts val="0"/>
-              </a:spcBef>
-              <a:spcAft>
-                <a:spcPts val="0"/>
-              </a:spcAft>
-              <a:buNone/>
-            </a:pPr>
-            <a:r>
-              <a:t/>
-            </a:r>
-            <a:endParaRPr>
-              <a:solidFill>
-                <a:schemeClr val="dk1"/>
-              </a:solidFill>
-              <a:latin typeface="Roboto"/>
-              <a:ea typeface="Roboto"/>
-              <a:cs typeface="Roboto"/>
-              <a:sym typeface="Roboto"/>
-            </a:endParaRPr>
-          </a:p>
-        </p:txBody>
-      </p:sp>
-      <p:pic>
-        <p:nvPicPr>
-          <p:cNvPr id="87" name="Google Shape;87;p16"/>
-          <p:cNvPicPr preferRelativeResize="0"/>
-          <p:nvPr/>
-        </p:nvPicPr>
-        <p:blipFill>
-          <a:blip r:embed="rId3">
-            <a:alphaModFix/>
-          </a:blip>
-          <a:stretch>
-            <a:fillRect/>
-          </a:stretch>
-        </p:blipFill>
-        <p:spPr>
-          <a:xfrm>
-            <a:off x="0" y="411925"/>
-            <a:ext cx="5062712" cy="3921300"/>
-          </a:xfrm>
-          <a:prstGeom prst="rect">
-            <a:avLst/>
-          </a:prstGeom>
-          <a:noFill/>
-          <a:ln>
-            <a:noFill/>
-          </a:ln>
-        </p:spPr>
-      </p:pic>
-      <p:pic>
-        <p:nvPicPr>
-          <p:cNvPr id="88" name="Google Shape;88;p16"/>
-          <p:cNvPicPr preferRelativeResize="0"/>
-          <p:nvPr/>
-        </p:nvPicPr>
-        <p:blipFill>
-          <a:blip r:embed="rId4">
-            <a:alphaModFix/>
-          </a:blip>
-          <a:stretch>
-            <a:fillRect/>
-          </a:stretch>
-        </p:blipFill>
-        <p:spPr>
-          <a:xfrm>
-            <a:off x="5207636" y="1353900"/>
-            <a:ext cx="3776489" cy="3594394"/>
-          </a:xfrm>
-          <a:prstGeom prst="rect">
-            <a:avLst/>
-          </a:prstGeom>
-          <a:noFill/>
-          <a:ln>
-            <a:noFill/>
-          </a:ln>
-        </p:spPr>
-      </p:pic>
-      <p:sp>
-        <p:nvSpPr>
-          <p:cNvPr id="89" name="Google Shape;89;p16"/>
-          <p:cNvSpPr txBox="1"/>
-          <p:nvPr/>
-        </p:nvSpPr>
-        <p:spPr>
-          <a:xfrm>
-            <a:off x="8036725" y="515850"/>
-            <a:ext cx="1107300" cy="738900"/>
-          </a:xfrm>
-          <a:prstGeom prst="rect">
-            <a:avLst/>
-          </a:prstGeom>
-          <a:noFill/>
-          <a:ln>
-            <a:noFill/>
-          </a:ln>
-        </p:spPr>
-        <p:txBody>
-          <a:bodyPr anchorCtr="0" anchor="t" bIns="91425" lIns="91425" spcFirstLastPara="1" rIns="91425" wrap="square" tIns="91425">
-            <a:spAutoFit/>
-          </a:bodyPr>
-          <a:lstStyle/>
-          <a:p>
-            <a:pPr indent="0" lvl="0" marL="0" rtl="0" algn="l">
-              <a:spcBef>
-                <a:spcPts val="0"/>
-              </a:spcBef>
-              <a:spcAft>
-                <a:spcPts val="0"/>
-              </a:spcAft>
-              <a:buNone/>
-            </a:pPr>
-            <a:r>
-              <a:rPr lang="en" sz="1200">
-                <a:latin typeface="Roboto"/>
-                <a:ea typeface="Roboto"/>
-                <a:cs typeface="Roboto"/>
-                <a:sym typeface="Roboto"/>
-              </a:rPr>
-              <a:t>0- bad quality</a:t>
-            </a:r>
-            <a:endParaRPr sz="1200">
-              <a:latin typeface="Roboto"/>
-              <a:ea typeface="Roboto"/>
-              <a:cs typeface="Roboto"/>
-              <a:sym typeface="Roboto"/>
-            </a:endParaRPr>
-          </a:p>
-          <a:p>
-            <a:pPr indent="0" lvl="0" marL="0" rtl="0" algn="l">
-              <a:spcBef>
-                <a:spcPts val="0"/>
-              </a:spcBef>
-              <a:spcAft>
-                <a:spcPts val="0"/>
-              </a:spcAft>
-              <a:buNone/>
-            </a:pPr>
-            <a:r>
-              <a:rPr lang="en" sz="1200">
-                <a:latin typeface="Roboto"/>
-                <a:ea typeface="Roboto"/>
-                <a:cs typeface="Roboto"/>
-                <a:sym typeface="Roboto"/>
-              </a:rPr>
-              <a:t>1- </a:t>
-            </a:r>
-            <a:r>
-              <a:rPr lang="en" sz="1200">
-                <a:latin typeface="Roboto"/>
-                <a:ea typeface="Roboto"/>
-                <a:cs typeface="Roboto"/>
-                <a:sym typeface="Roboto"/>
-              </a:rPr>
-              <a:t>medium</a:t>
-            </a:r>
-            <a:endParaRPr sz="1200">
-              <a:latin typeface="Roboto"/>
-              <a:ea typeface="Roboto"/>
-              <a:cs typeface="Roboto"/>
-              <a:sym typeface="Roboto"/>
-            </a:endParaRPr>
-          </a:p>
-          <a:p>
-            <a:pPr indent="0" lvl="0" marL="0" rtl="0" algn="l">
-              <a:spcBef>
-                <a:spcPts val="0"/>
-              </a:spcBef>
-              <a:spcAft>
-                <a:spcPts val="0"/>
-              </a:spcAft>
-              <a:buNone/>
-            </a:pPr>
-            <a:r>
-              <a:rPr lang="en" sz="1200">
-                <a:latin typeface="Roboto"/>
-                <a:ea typeface="Roboto"/>
-                <a:cs typeface="Roboto"/>
-                <a:sym typeface="Roboto"/>
-              </a:rPr>
-              <a:t>2- high</a:t>
-            </a:r>
-            <a:endParaRPr sz="1200">
-              <a:latin typeface="Roboto"/>
-              <a:ea typeface="Roboto"/>
-              <a:cs typeface="Roboto"/>
-              <a:sym typeface="Roboto"/>
-            </a:endParaRPr>
-          </a:p>
-        </p:txBody>
-      </p:sp>
-      <p:sp>
-        <p:nvSpPr>
-          <p:cNvPr id="90" name="Google Shape;90;p16"/>
-          <p:cNvSpPr txBox="1"/>
-          <p:nvPr/>
-        </p:nvSpPr>
-        <p:spPr>
-          <a:xfrm>
-            <a:off x="882175" y="4545425"/>
-            <a:ext cx="3409200" cy="400200"/>
-          </a:xfrm>
-          <a:prstGeom prst="rect">
-            <a:avLst/>
-          </a:prstGeom>
-          <a:noFill/>
-          <a:ln>
-            <a:noFill/>
-          </a:ln>
-        </p:spPr>
-        <p:txBody>
-          <a:bodyPr anchorCtr="0" anchor="t" bIns="91425" lIns="91425" spcFirstLastPara="1" rIns="91425" wrap="square" tIns="91425">
-            <a:spAutoFit/>
-          </a:bodyPr>
-          <a:lstStyle/>
-          <a:p>
-            <a:pPr indent="0" lvl="0" marL="0" rtl="0" algn="l">
-              <a:spcBef>
-                <a:spcPts val="0"/>
-              </a:spcBef>
-              <a:spcAft>
-                <a:spcPts val="0"/>
-              </a:spcAft>
-              <a:buNone/>
-            </a:pPr>
-            <a:r>
-              <a:rPr lang="en">
-                <a:latin typeface="Roboto"/>
-                <a:ea typeface="Roboto"/>
-                <a:cs typeface="Roboto"/>
-                <a:sym typeface="Roboto"/>
-              </a:rPr>
-              <a:t>Correlation between different variables</a:t>
-            </a:r>
-            <a:endParaRPr>
-              <a:latin typeface="Roboto"/>
-              <a:ea typeface="Roboto"/>
-              <a:cs typeface="Roboto"/>
-              <a:sym typeface="Roboto"/>
-            </a:endParaRPr>
-          </a:p>
-        </p:txBody>
-      </p:sp>
-    </p:spTree>
-  </p:cSld>
-  <p:clrMapOvr>
-    <a:masterClrMapping/>
-  </p:clrMapOvr>
-</p:sld>
-</file>
-
-<file path=ppt/slides/slide5.xml><?xml version="1.0" encoding="utf-8"?>
-<p:sld xmlns:a="http://schemas.openxmlformats.org/drawingml/2006/main" xmlns:r="http://schemas.openxmlformats.org/officeDocument/2006/relationships" xmlns:mc="http://schemas.openxmlformats.org/markup-compatibility/2006" xmlns:mv="urn:schemas-microsoft-com:mac:vml" xmlns:p="http://schemas.openxmlformats.org/presentationml/2006/main" xmlns:c="http://schemas.openxmlformats.org/drawingml/2006/chart" xmlns:dgm="http://schemas.openxmlformats.org/drawingml/2006/diagram" xmlns:o="urn:schemas-microsoft-com:office:office" xmlns:v="urn:schemas-microsoft-com:vml" xmlns:pvml="urn:schemas-microsoft-com:office:powerpoint" xmlns:com="http://schemas.openxmlformats.org/drawingml/2006/compatibility" xmlns:p14="http://schemas.microsoft.com/office/powerpoint/2010/main" xmlns:p15="http://schemas.microsoft.com/office/powerpoint/2012/main" xmlns:ahyp="http://schemas.microsoft.com/office/drawing/2018/hyperlinkcolor">
-  <p:cSld>
-    <p:spTree>
-      <p:nvGrpSpPr>
-        <p:cNvPr id="94" name="Shape 94"/>
-        <p:cNvGrpSpPr/>
-        <p:nvPr/>
-      </p:nvGrpSpPr>
-      <p:grpSpPr>
-        <a:xfrm>
-          <a:off x="0" y="0"/>
-          <a:ext cx="0" cy="0"/>
-          <a:chOff x="0" y="0"/>
-          <a:chExt cx="0" cy="0"/>
-        </a:xfrm>
-      </p:grpSpPr>
-      <p:sp>
-        <p:nvSpPr>
-          <p:cNvPr id="95" name="Google Shape;95;p17"/>
-          <p:cNvSpPr/>
-          <p:nvPr/>
-        </p:nvSpPr>
-        <p:spPr>
-          <a:xfrm>
-            <a:off x="216800" y="59800"/>
-            <a:ext cx="8927100" cy="5031300"/>
-          </a:xfrm>
-          <a:prstGeom prst="roundRect">
-            <a:avLst>
-              <a:gd fmla="val 16667" name="adj"/>
-            </a:avLst>
-          </a:prstGeom>
-          <a:solidFill>
-            <a:schemeClr val="dk1"/>
-          </a:solidFill>
-          <a:ln cap="flat" cmpd="sng" w="9525">
-            <a:solidFill>
-              <a:schemeClr val="dk2"/>
-            </a:solidFill>
-            <a:prstDash val="solid"/>
-            <a:round/>
-            <a:headEnd len="sm" w="sm" type="none"/>
-            <a:tailEnd len="sm" w="sm" type="none"/>
-          </a:ln>
-        </p:spPr>
-        <p:txBody>
-          <a:bodyPr anchorCtr="0" anchor="ctr" bIns="91425" lIns="91425" spcFirstLastPara="1" rIns="91425" wrap="square" tIns="91425">
-            <a:noAutofit/>
-          </a:bodyPr>
-          <a:lstStyle/>
-          <a:p>
-            <a:pPr indent="0" lvl="0" marL="0" rtl="0" algn="l">
-              <a:spcBef>
-                <a:spcPts val="0"/>
-              </a:spcBef>
-              <a:spcAft>
-                <a:spcPts val="0"/>
-              </a:spcAft>
-              <a:buNone/>
-            </a:pPr>
-            <a:r>
-              <a:t/>
-            </a:r>
-            <a:endParaRPr/>
-          </a:p>
-        </p:txBody>
-      </p:sp>
-      <p:sp>
-        <p:nvSpPr>
-          <p:cNvPr id="96" name="Google Shape;96;p17"/>
-          <p:cNvSpPr txBox="1"/>
-          <p:nvPr/>
-        </p:nvSpPr>
-        <p:spPr>
-          <a:xfrm>
-            <a:off x="3513725" y="90000"/>
-            <a:ext cx="2631600" cy="446400"/>
-          </a:xfrm>
-          <a:prstGeom prst="rect">
-            <a:avLst/>
-          </a:prstGeom>
-          <a:noFill/>
-          <a:ln>
-            <a:noFill/>
-          </a:ln>
-        </p:spPr>
-        <p:txBody>
-          <a:bodyPr anchorCtr="0" anchor="t" bIns="91425" lIns="91425" spcFirstLastPara="1" rIns="91425" wrap="square" tIns="91425">
-            <a:spAutoFit/>
-          </a:bodyPr>
-          <a:lstStyle/>
-          <a:p>
-            <a:pPr indent="0" lvl="0" marL="0" rtl="0" algn="l">
-              <a:spcBef>
-                <a:spcPts val="0"/>
-              </a:spcBef>
-              <a:spcAft>
-                <a:spcPts val="0"/>
-              </a:spcAft>
-              <a:buNone/>
-            </a:pPr>
-            <a:r>
-              <a:rPr lang="en" sz="1700">
-                <a:solidFill>
-                  <a:schemeClr val="dk1"/>
-                </a:solidFill>
-                <a:latin typeface="Roboto"/>
-                <a:ea typeface="Roboto"/>
-                <a:cs typeface="Roboto"/>
-                <a:sym typeface="Roboto"/>
-              </a:rPr>
-              <a:t>Results</a:t>
-            </a:r>
-            <a:endParaRPr sz="1700">
-              <a:solidFill>
-                <a:schemeClr val="dk1"/>
-              </a:solidFill>
-              <a:latin typeface="Roboto"/>
-              <a:ea typeface="Roboto"/>
-              <a:cs typeface="Roboto"/>
-              <a:sym typeface="Roboto"/>
-            </a:endParaRPr>
-          </a:p>
-        </p:txBody>
-      </p:sp>
-      <p:sp>
-        <p:nvSpPr>
-          <p:cNvPr id="97" name="Google Shape;97;p17"/>
-          <p:cNvSpPr txBox="1"/>
-          <p:nvPr/>
-        </p:nvSpPr>
-        <p:spPr>
-          <a:xfrm>
-            <a:off x="1854050" y="792450"/>
-            <a:ext cx="889800" cy="400200"/>
-          </a:xfrm>
-          <a:prstGeom prst="rect">
-            <a:avLst/>
-          </a:prstGeom>
-          <a:noFill/>
-          <a:ln>
-            <a:noFill/>
-          </a:ln>
-        </p:spPr>
-        <p:txBody>
-          <a:bodyPr anchorCtr="0" anchor="t" bIns="91425" lIns="91425" spcFirstLastPara="1" rIns="91425" wrap="square" tIns="91425">
-            <a:spAutoFit/>
-          </a:bodyPr>
-          <a:lstStyle/>
-          <a:p>
-            <a:pPr indent="0" lvl="0" marL="0" rtl="0" algn="l">
-              <a:spcBef>
-                <a:spcPts val="0"/>
-              </a:spcBef>
-              <a:spcAft>
-                <a:spcPts val="0"/>
-              </a:spcAft>
-              <a:buNone/>
-            </a:pPr>
-            <a:r>
-              <a:t/>
-            </a:r>
-            <a:endParaRPr>
-              <a:solidFill>
-                <a:schemeClr val="dk1"/>
-              </a:solidFill>
-              <a:latin typeface="Roboto"/>
-              <a:ea typeface="Roboto"/>
-              <a:cs typeface="Roboto"/>
-              <a:sym typeface="Roboto"/>
-            </a:endParaRPr>
-          </a:p>
-        </p:txBody>
-      </p:sp>
-      <p:pic>
-        <p:nvPicPr>
-          <p:cNvPr id="98" name="Google Shape;98;p17"/>
-          <p:cNvPicPr preferRelativeResize="0"/>
-          <p:nvPr/>
-        </p:nvPicPr>
-        <p:blipFill>
-          <a:blip r:embed="rId3">
-            <a:alphaModFix/>
-          </a:blip>
-          <a:stretch>
-            <a:fillRect/>
-          </a:stretch>
-        </p:blipFill>
-        <p:spPr>
-          <a:xfrm>
-            <a:off x="239225" y="420600"/>
-            <a:ext cx="3064338" cy="4302300"/>
-          </a:xfrm>
-          <a:prstGeom prst="rect">
-            <a:avLst/>
-          </a:prstGeom>
-          <a:noFill/>
-          <a:ln>
-            <a:noFill/>
-          </a:ln>
-        </p:spPr>
-      </p:pic>
-      <p:pic>
-        <p:nvPicPr>
-          <p:cNvPr id="99" name="Google Shape;99;p17"/>
-          <p:cNvPicPr preferRelativeResize="0"/>
-          <p:nvPr/>
-        </p:nvPicPr>
-        <p:blipFill>
-          <a:blip r:embed="rId4">
-            <a:alphaModFix/>
-          </a:blip>
-          <a:stretch>
-            <a:fillRect/>
-          </a:stretch>
-        </p:blipFill>
-        <p:spPr>
-          <a:xfrm>
-            <a:off x="4016663" y="0"/>
-            <a:ext cx="3686175" cy="2505075"/>
-          </a:xfrm>
-          <a:prstGeom prst="rect">
-            <a:avLst/>
-          </a:prstGeom>
-          <a:noFill/>
-          <a:ln>
-            <a:noFill/>
-          </a:ln>
-        </p:spPr>
-      </p:pic>
-      <p:pic>
-        <p:nvPicPr>
-          <p:cNvPr id="100" name="Google Shape;100;p17"/>
-          <p:cNvPicPr preferRelativeResize="0"/>
-          <p:nvPr/>
-        </p:nvPicPr>
-        <p:blipFill>
-          <a:blip r:embed="rId5">
-            <a:alphaModFix/>
-          </a:blip>
-          <a:stretch>
-            <a:fillRect/>
-          </a:stretch>
-        </p:blipFill>
-        <p:spPr>
-          <a:xfrm>
-            <a:off x="4016688" y="2571750"/>
-            <a:ext cx="3686160" cy="2505075"/>
-          </a:xfrm>
-          <a:prstGeom prst="rect">
-            <a:avLst/>
-          </a:prstGeom>
-          <a:noFill/>
-          <a:ln>
-            <a:noFill/>
-          </a:ln>
-        </p:spPr>
-      </p:pic>
-      <p:sp>
-        <p:nvSpPr>
-          <p:cNvPr id="101" name="Google Shape;101;p17"/>
-          <p:cNvSpPr txBox="1"/>
-          <p:nvPr/>
-        </p:nvSpPr>
-        <p:spPr>
-          <a:xfrm>
-            <a:off x="7636175" y="406575"/>
-            <a:ext cx="1831500" cy="738900"/>
-          </a:xfrm>
-          <a:prstGeom prst="rect">
-            <a:avLst/>
-          </a:prstGeom>
-          <a:noFill/>
-          <a:ln>
-            <a:noFill/>
-          </a:ln>
-        </p:spPr>
-        <p:txBody>
-          <a:bodyPr anchorCtr="0" anchor="t" bIns="91425" lIns="91425" spcFirstLastPara="1" rIns="91425" wrap="square" tIns="91425">
-            <a:spAutoFit/>
-          </a:bodyPr>
-          <a:lstStyle/>
-          <a:p>
-            <a:pPr indent="0" lvl="0" marL="0" rtl="0" algn="l">
-              <a:spcBef>
-                <a:spcPts val="0"/>
-              </a:spcBef>
-              <a:spcAft>
-                <a:spcPts val="0"/>
-              </a:spcAft>
-              <a:buNone/>
-            </a:pPr>
-            <a:r>
-              <a:rPr lang="en" sz="1200">
-                <a:latin typeface="Roboto"/>
-                <a:ea typeface="Roboto"/>
-                <a:cs typeface="Roboto"/>
-                <a:sym typeface="Roboto"/>
-              </a:rPr>
-              <a:t>Logistic regression, weight 0.15</a:t>
-            </a:r>
-            <a:endParaRPr sz="1200">
-              <a:latin typeface="Roboto"/>
-              <a:ea typeface="Roboto"/>
-              <a:cs typeface="Roboto"/>
-              <a:sym typeface="Roboto"/>
-            </a:endParaRPr>
-          </a:p>
-          <a:p>
-            <a:pPr indent="0" lvl="0" marL="0" rtl="0" algn="l">
-              <a:spcBef>
-                <a:spcPts val="0"/>
-              </a:spcBef>
-              <a:spcAft>
-                <a:spcPts val="0"/>
-              </a:spcAft>
-              <a:buNone/>
-            </a:pPr>
-            <a:r>
-              <a:rPr lang="en" sz="1200">
-                <a:latin typeface="Roboto"/>
-                <a:ea typeface="Roboto"/>
-                <a:cs typeface="Roboto"/>
-                <a:sym typeface="Roboto"/>
-              </a:rPr>
-              <a:t>F-score [0.82,0.39]</a:t>
-            </a:r>
-            <a:endParaRPr sz="1200">
-              <a:latin typeface="Roboto"/>
-              <a:ea typeface="Roboto"/>
-              <a:cs typeface="Roboto"/>
-              <a:sym typeface="Roboto"/>
-            </a:endParaRPr>
-          </a:p>
-        </p:txBody>
-      </p:sp>
-      <p:sp>
-        <p:nvSpPr>
-          <p:cNvPr id="102" name="Google Shape;102;p17"/>
-          <p:cNvSpPr txBox="1"/>
-          <p:nvPr/>
-        </p:nvSpPr>
-        <p:spPr>
-          <a:xfrm>
-            <a:off x="7712375" y="3073575"/>
-            <a:ext cx="1431600" cy="738900"/>
-          </a:xfrm>
-          <a:prstGeom prst="rect">
-            <a:avLst/>
-          </a:prstGeom>
-          <a:noFill/>
-          <a:ln>
-            <a:noFill/>
-          </a:ln>
-        </p:spPr>
-        <p:txBody>
-          <a:bodyPr anchorCtr="0" anchor="t" bIns="91425" lIns="91425" spcFirstLastPara="1" rIns="91425" wrap="square" tIns="91425">
-            <a:spAutoFit/>
-          </a:bodyPr>
-          <a:lstStyle/>
-          <a:p>
-            <a:pPr indent="0" lvl="0" marL="0" rtl="0" algn="l">
-              <a:spcBef>
-                <a:spcPts val="0"/>
-              </a:spcBef>
-              <a:spcAft>
-                <a:spcPts val="0"/>
-              </a:spcAft>
-              <a:buNone/>
-            </a:pPr>
-            <a:r>
-              <a:rPr lang="en" sz="1200">
-                <a:latin typeface="Roboto"/>
-                <a:ea typeface="Roboto"/>
-                <a:cs typeface="Roboto"/>
-                <a:sym typeface="Roboto"/>
-              </a:rPr>
-              <a:t>Linear SVM</a:t>
-            </a:r>
-            <a:r>
-              <a:rPr lang="en" sz="1200">
-                <a:latin typeface="Roboto"/>
-                <a:ea typeface="Roboto"/>
-                <a:cs typeface="Roboto"/>
-                <a:sym typeface="Roboto"/>
-              </a:rPr>
-              <a:t>, weight 0:1, 1:4</a:t>
-            </a:r>
-            <a:endParaRPr sz="1200">
-              <a:latin typeface="Roboto"/>
-              <a:ea typeface="Roboto"/>
-              <a:cs typeface="Roboto"/>
-              <a:sym typeface="Roboto"/>
-            </a:endParaRPr>
-          </a:p>
-          <a:p>
-            <a:pPr indent="0" lvl="0" marL="0" rtl="0" algn="l">
-              <a:spcBef>
-                <a:spcPts val="0"/>
-              </a:spcBef>
-              <a:spcAft>
-                <a:spcPts val="0"/>
-              </a:spcAft>
-              <a:buNone/>
-            </a:pPr>
-            <a:r>
-              <a:rPr lang="en" sz="1200">
-                <a:latin typeface="Roboto"/>
-                <a:ea typeface="Roboto"/>
-                <a:cs typeface="Roboto"/>
-                <a:sym typeface="Roboto"/>
-              </a:rPr>
-              <a:t>F-score [0.84,0.42]</a:t>
-            </a:r>
-            <a:endParaRPr sz="1200">
-              <a:latin typeface="Roboto"/>
-              <a:ea typeface="Roboto"/>
-              <a:cs typeface="Roboto"/>
-              <a:sym typeface="Roboto"/>
-            </a:endParaRPr>
-          </a:p>
-        </p:txBody>
-      </p:sp>
-      <p:sp>
-        <p:nvSpPr>
-          <p:cNvPr id="103" name="Google Shape;103;p17"/>
-          <p:cNvSpPr txBox="1"/>
-          <p:nvPr/>
-        </p:nvSpPr>
-        <p:spPr>
-          <a:xfrm>
-            <a:off x="2101000" y="-6750"/>
-            <a:ext cx="2631600" cy="446400"/>
-          </a:xfrm>
-          <a:prstGeom prst="rect">
-            <a:avLst/>
-          </a:prstGeom>
-          <a:noFill/>
-          <a:ln>
-            <a:noFill/>
-          </a:ln>
-        </p:spPr>
-        <p:txBody>
-          <a:bodyPr anchorCtr="0" anchor="t" bIns="91425" lIns="91425" spcFirstLastPara="1" rIns="91425" wrap="square" tIns="91425">
-            <a:spAutoFit/>
-          </a:bodyPr>
-          <a:lstStyle/>
-          <a:p>
-            <a:pPr indent="0" lvl="0" marL="0" rtl="0" algn="l">
-              <a:spcBef>
-                <a:spcPts val="0"/>
-              </a:spcBef>
-              <a:spcAft>
-                <a:spcPts val="0"/>
-              </a:spcAft>
-              <a:buNone/>
-            </a:pPr>
-            <a:r>
-              <a:rPr b="1" lang="en" sz="1700">
-                <a:latin typeface="Roboto"/>
-                <a:ea typeface="Roboto"/>
-                <a:cs typeface="Roboto"/>
-                <a:sym typeface="Roboto"/>
-              </a:rPr>
-              <a:t>Results</a:t>
-            </a:r>
-            <a:endParaRPr b="1" sz="1700">
-              <a:latin typeface="Roboto"/>
-              <a:ea typeface="Roboto"/>
-              <a:cs typeface="Roboto"/>
-              <a:sym typeface="Roboto"/>
-            </a:endParaRPr>
-          </a:p>
-        </p:txBody>
-      </p:sp>
-      <p:sp>
-        <p:nvSpPr>
-          <p:cNvPr id="104" name="Google Shape;104;p17"/>
-          <p:cNvSpPr txBox="1"/>
-          <p:nvPr/>
-        </p:nvSpPr>
-        <p:spPr>
-          <a:xfrm>
-            <a:off x="732600" y="4637475"/>
-            <a:ext cx="3839400" cy="384900"/>
-          </a:xfrm>
-          <a:prstGeom prst="rect">
-            <a:avLst/>
-          </a:prstGeom>
-          <a:noFill/>
-          <a:ln>
-            <a:noFill/>
-          </a:ln>
-        </p:spPr>
-        <p:txBody>
-          <a:bodyPr anchorCtr="0" anchor="t" bIns="91425" lIns="91425" spcFirstLastPara="1" rIns="91425" wrap="square" tIns="91425">
-            <a:spAutoFit/>
-          </a:bodyPr>
-          <a:lstStyle/>
-          <a:p>
-            <a:pPr indent="0" lvl="0" marL="0" rtl="0" algn="l">
-              <a:spcBef>
-                <a:spcPts val="0"/>
-              </a:spcBef>
-              <a:spcAft>
-                <a:spcPts val="0"/>
-              </a:spcAft>
-              <a:buNone/>
-            </a:pPr>
-            <a:r>
-              <a:rPr lang="en" sz="1300">
-                <a:latin typeface="Roboto"/>
-                <a:ea typeface="Roboto"/>
-                <a:cs typeface="Roboto"/>
-                <a:sym typeface="Roboto"/>
-              </a:rPr>
-              <a:t>Scatter plots for different independent variables</a:t>
-            </a:r>
-            <a:endParaRPr sz="1300">
-              <a:latin typeface="Roboto"/>
-              <a:ea typeface="Roboto"/>
-              <a:cs typeface="Roboto"/>
-              <a:sym typeface="Roboto"/>
-            </a:endParaRPr>
-          </a:p>
-        </p:txBody>
-      </p:sp>
-    </p:spTree>
-  </p:cSld>
-  <p:clrMapOvr>
-    <a:masterClrMapping/>
-  </p:clrMapOvr>
-</p:sld>
-</file>
-
-<file path=ppt/slides/slide6.xml><?xml version="1.0" encoding="utf-8"?>
-<p:sld xmlns:a="http://schemas.openxmlformats.org/drawingml/2006/main" xmlns:r="http://schemas.openxmlformats.org/officeDocument/2006/relationships" xmlns:mc="http://schemas.openxmlformats.org/markup-compatibility/2006" xmlns:mv="urn:schemas-microsoft-com:mac:vml" xmlns:p="http://schemas.openxmlformats.org/presentationml/2006/main" xmlns:c="http://schemas.openxmlformats.org/drawingml/2006/chart" xmlns:dgm="http://schemas.openxmlformats.org/drawingml/2006/diagram" xmlns:o="urn:schemas-microsoft-com:office:office" xmlns:v="urn:schemas-microsoft-com:vml" xmlns:pvml="urn:schemas-microsoft-com:office:powerpoint" xmlns:com="http://schemas.openxmlformats.org/drawingml/2006/compatibility" xmlns:p14="http://schemas.microsoft.com/office/powerpoint/2010/main" xmlns:p15="http://schemas.microsoft.com/office/powerpoint/2012/main" xmlns:ahyp="http://schemas.microsoft.com/office/drawing/2018/hyperlinkcolor">
-  <p:cSld>
-    <p:spTree>
-      <p:nvGrpSpPr>
-        <p:cNvPr id="108" name="Shape 108"/>
-        <p:cNvGrpSpPr/>
-        <p:nvPr/>
-      </p:nvGrpSpPr>
-      <p:grpSpPr>
-        <a:xfrm>
-          <a:off x="0" y="0"/>
-          <a:ext cx="0" cy="0"/>
-          <a:chOff x="0" y="0"/>
-          <a:chExt cx="0" cy="0"/>
-        </a:xfrm>
-      </p:grpSpPr>
-      <p:sp>
-        <p:nvSpPr>
-          <p:cNvPr id="109" name="Google Shape;109;p18"/>
-          <p:cNvSpPr/>
-          <p:nvPr/>
-        </p:nvSpPr>
-        <p:spPr>
-          <a:xfrm>
-            <a:off x="2704228" y="1182400"/>
-            <a:ext cx="4345800" cy="1936200"/>
-          </a:xfrm>
-          <a:prstGeom prst="roundRect">
-            <a:avLst>
-              <a:gd fmla="val 16667" name="adj"/>
-            </a:avLst>
-          </a:prstGeom>
-          <a:solidFill>
-            <a:schemeClr val="dk1"/>
-          </a:solidFill>
-          <a:ln cap="flat" cmpd="sng" w="9525">
-            <a:solidFill>
-              <a:schemeClr val="dk2"/>
-            </a:solidFill>
-            <a:prstDash val="solid"/>
-            <a:round/>
-            <a:headEnd len="sm" w="sm" type="none"/>
-            <a:tailEnd len="sm" w="sm" type="none"/>
-          </a:ln>
-        </p:spPr>
-        <p:txBody>
-          <a:bodyPr anchorCtr="0" anchor="ctr" bIns="91425" lIns="91425" spcFirstLastPara="1" rIns="91425" wrap="square" tIns="91425">
-            <a:noAutofit/>
-          </a:bodyPr>
-          <a:lstStyle/>
-          <a:p>
-            <a:pPr indent="0" lvl="0" marL="0" rtl="0" algn="l">
-              <a:spcBef>
-                <a:spcPts val="0"/>
-              </a:spcBef>
-              <a:spcAft>
-                <a:spcPts val="0"/>
-              </a:spcAft>
-              <a:buNone/>
-            </a:pPr>
-            <a:r>
-              <a:t/>
-            </a:r>
-            <a:endParaRPr/>
-          </a:p>
-        </p:txBody>
-      </p:sp>
-      <p:sp>
-        <p:nvSpPr>
-          <p:cNvPr id="110" name="Google Shape;110;p18"/>
-          <p:cNvSpPr txBox="1"/>
-          <p:nvPr/>
-        </p:nvSpPr>
-        <p:spPr>
-          <a:xfrm>
-            <a:off x="1854050" y="792450"/>
-            <a:ext cx="889800" cy="400200"/>
-          </a:xfrm>
-          <a:prstGeom prst="rect">
-            <a:avLst/>
-          </a:prstGeom>
-          <a:noFill/>
-          <a:ln>
-            <a:noFill/>
-          </a:ln>
-        </p:spPr>
-        <p:txBody>
-          <a:bodyPr anchorCtr="0" anchor="t" bIns="91425" lIns="91425" spcFirstLastPara="1" rIns="91425" wrap="square" tIns="91425">
-            <a:spAutoFit/>
-          </a:bodyPr>
-          <a:lstStyle/>
-          <a:p>
-            <a:pPr indent="0" lvl="0" marL="0" rtl="0" algn="l">
-              <a:spcBef>
-                <a:spcPts val="0"/>
-              </a:spcBef>
-              <a:spcAft>
-                <a:spcPts val="0"/>
-              </a:spcAft>
-              <a:buNone/>
-            </a:pPr>
-            <a:r>
-              <a:t/>
-            </a:r>
-            <a:endParaRPr>
-              <a:solidFill>
-                <a:schemeClr val="dk1"/>
-              </a:solidFill>
-              <a:latin typeface="Roboto"/>
-              <a:ea typeface="Roboto"/>
-              <a:cs typeface="Roboto"/>
-              <a:sym typeface="Roboto"/>
-            </a:endParaRPr>
-          </a:p>
-        </p:txBody>
-      </p:sp>
-      <p:graphicFrame>
-        <p:nvGraphicFramePr>
-          <p:cNvPr id="111" name="Google Shape;111;p18"/>
-          <p:cNvGraphicFramePr/>
-          <p:nvPr/>
-        </p:nvGraphicFramePr>
-        <p:xfrm>
-          <a:off x="2859200" y="1318650"/>
-          <a:ext cx="3000000" cy="3000000"/>
-        </p:xfrm>
-        <a:graphic>
-          <a:graphicData uri="http://schemas.openxmlformats.org/drawingml/2006/table">
-            <a:tbl>
-              <a:tblPr>
-                <a:noFill/>
-                <a:tableStyleId>{D80482C0-9F0F-453C-9C92-3DE88B0EB8A3}</a:tableStyleId>
-              </a:tblPr>
-              <a:tblGrid>
-                <a:gridCol w="485150"/>
-                <a:gridCol w="1410000"/>
-                <a:gridCol w="889225"/>
-                <a:gridCol w="1297950"/>
-              </a:tblGrid>
-              <a:tr h="12700">
-                <a:tc>
-                  <a:txBody>
-                    <a:bodyPr/>
-                    <a:lstStyle/>
-                    <a:p>
-                      <a:pPr indent="0" lvl="0" marL="0" rtl="0" algn="l">
-                        <a:spcBef>
-                          <a:spcPts val="0"/>
-                        </a:spcBef>
-                        <a:spcAft>
-                          <a:spcPts val="0"/>
-                        </a:spcAft>
-                        <a:buNone/>
-                      </a:pPr>
-                      <a:r>
-                        <a:rPr b="1" lang="en" sz="1100"/>
-                        <a:t>SN</a:t>
-                      </a:r>
-                      <a:endParaRPr b="1" sz="1100"/>
-                    </a:p>
-                  </a:txBody>
-                  <a:tcPr marT="63500" marB="63500" marR="63500" marL="63500"/>
-                </a:tc>
-                <a:tc>
-                  <a:txBody>
-                    <a:bodyPr/>
-                    <a:lstStyle/>
-                    <a:p>
-                      <a:pPr indent="0" lvl="0" marL="0" rtl="0" algn="l">
-                        <a:spcBef>
-                          <a:spcPts val="0"/>
-                        </a:spcBef>
-                        <a:spcAft>
-                          <a:spcPts val="0"/>
-                        </a:spcAft>
-                        <a:buNone/>
-                      </a:pPr>
-                      <a:r>
-                        <a:rPr b="1" lang="en" sz="1100"/>
-                        <a:t>Analysis</a:t>
-                      </a:r>
-                      <a:endParaRPr b="1" sz="1100"/>
-                    </a:p>
-                  </a:txBody>
-                  <a:tcPr marT="63500" marB="63500" marR="63500" marL="63500"/>
-                </a:tc>
-                <a:tc>
-                  <a:txBody>
-                    <a:bodyPr/>
-                    <a:lstStyle/>
-                    <a:p>
-                      <a:pPr indent="0" lvl="0" marL="0" rtl="0" algn="l">
-                        <a:spcBef>
-                          <a:spcPts val="0"/>
-                        </a:spcBef>
-                        <a:spcAft>
-                          <a:spcPts val="0"/>
-                        </a:spcAft>
-                        <a:buNone/>
-                      </a:pPr>
-                      <a:r>
-                        <a:rPr b="1" lang="en" sz="1100"/>
-                        <a:t>f-score</a:t>
-                      </a:r>
-                      <a:endParaRPr b="1" sz="1100"/>
-                    </a:p>
-                  </a:txBody>
-                  <a:tcPr marT="63500" marB="63500" marR="63500" marL="63500"/>
-                </a:tc>
-                <a:tc>
-                  <a:txBody>
-                    <a:bodyPr/>
-                    <a:lstStyle/>
-                    <a:p>
-                      <a:pPr indent="0" lvl="0" marL="0" rtl="0" algn="l">
-                        <a:spcBef>
-                          <a:spcPts val="0"/>
-                        </a:spcBef>
-                        <a:spcAft>
-                          <a:spcPts val="0"/>
-                        </a:spcAft>
-                        <a:buNone/>
-                      </a:pPr>
-                      <a:r>
-                        <a:rPr b="1" lang="en" sz="1100"/>
-                        <a:t>remarks</a:t>
-                      </a:r>
-                      <a:endParaRPr b="1" sz="1100"/>
-                    </a:p>
-                  </a:txBody>
-                  <a:tcPr marT="63500" marB="63500" marR="63500" marL="63500"/>
-                </a:tc>
-              </a:tr>
-              <a:tr h="12700">
-                <a:tc>
-                  <a:txBody>
-                    <a:bodyPr/>
-                    <a:lstStyle/>
-                    <a:p>
-                      <a:pPr indent="0" lvl="0" marL="0" rtl="0" algn="l">
-                        <a:spcBef>
-                          <a:spcPts val="0"/>
-                        </a:spcBef>
-                        <a:spcAft>
-                          <a:spcPts val="0"/>
-                        </a:spcAft>
-                        <a:buNone/>
-                      </a:pPr>
-                      <a:r>
-                        <a:rPr lang="en" sz="1100"/>
-                        <a:t>1</a:t>
-                      </a:r>
-                      <a:endParaRPr sz="1100"/>
-                    </a:p>
-                  </a:txBody>
-                  <a:tcPr marT="63500" marB="63500" marR="63500" marL="63500"/>
-                </a:tc>
-                <a:tc>
-                  <a:txBody>
-                    <a:bodyPr/>
-                    <a:lstStyle/>
-                    <a:p>
-                      <a:pPr indent="0" lvl="0" marL="0" rtl="0" algn="l">
-                        <a:spcBef>
-                          <a:spcPts val="0"/>
-                        </a:spcBef>
-                        <a:spcAft>
-                          <a:spcPts val="0"/>
-                        </a:spcAft>
-                        <a:buNone/>
-                      </a:pPr>
-                      <a:r>
-                        <a:rPr lang="en" sz="1100"/>
-                        <a:t>Logistic reg</a:t>
-                      </a:r>
-                      <a:endParaRPr sz="1100"/>
-                    </a:p>
-                  </a:txBody>
-                  <a:tcPr marT="63500" marB="63500" marR="63500" marL="63500"/>
-                </a:tc>
-                <a:tc>
-                  <a:txBody>
-                    <a:bodyPr/>
-                    <a:lstStyle/>
-                    <a:p>
-                      <a:pPr indent="0" lvl="0" marL="0" rtl="0" algn="l">
-                        <a:spcBef>
-                          <a:spcPts val="0"/>
-                        </a:spcBef>
-                        <a:spcAft>
-                          <a:spcPts val="0"/>
-                        </a:spcAft>
-                        <a:buNone/>
-                      </a:pPr>
-                      <a:r>
-                        <a:rPr lang="en" sz="1100"/>
-                        <a:t>[0.82,0.39]</a:t>
-                      </a:r>
-                      <a:endParaRPr sz="1100"/>
-                    </a:p>
-                  </a:txBody>
-                  <a:tcPr marT="63500" marB="63500" marR="63500" marL="63500"/>
-                </a:tc>
-                <a:tc>
-                  <a:txBody>
-                    <a:bodyPr/>
-                    <a:lstStyle/>
-                    <a:p>
-                      <a:pPr indent="0" lvl="0" marL="0" rtl="0" algn="l">
-                        <a:spcBef>
-                          <a:spcPts val="0"/>
-                        </a:spcBef>
-                        <a:spcAft>
-                          <a:spcPts val="0"/>
-                        </a:spcAft>
-                        <a:buNone/>
-                      </a:pPr>
-                      <a:r>
-                        <a:rPr lang="en" sz="1100"/>
-                        <a:t>weight 0.15</a:t>
-                      </a:r>
-                      <a:endParaRPr sz="1100"/>
-                    </a:p>
-                  </a:txBody>
-                  <a:tcPr marT="63500" marB="63500" marR="63500" marL="63500"/>
-                </a:tc>
-              </a:tr>
-              <a:tr h="12700">
-                <a:tc>
-                  <a:txBody>
-                    <a:bodyPr/>
-                    <a:lstStyle/>
-                    <a:p>
-                      <a:pPr indent="0" lvl="0" marL="0" rtl="0" algn="l">
-                        <a:spcBef>
-                          <a:spcPts val="0"/>
-                        </a:spcBef>
-                        <a:spcAft>
-                          <a:spcPts val="0"/>
-                        </a:spcAft>
-                        <a:buNone/>
-                      </a:pPr>
-                      <a:r>
-                        <a:rPr lang="en" sz="1100"/>
-                        <a:t>2</a:t>
-                      </a:r>
-                      <a:endParaRPr sz="1100"/>
-                    </a:p>
-                  </a:txBody>
-                  <a:tcPr marT="63500" marB="63500" marR="63500" marL="63500"/>
-                </a:tc>
-                <a:tc>
-                  <a:txBody>
-                    <a:bodyPr/>
-                    <a:lstStyle/>
-                    <a:p>
-                      <a:pPr indent="0" lvl="0" marL="0" rtl="0" algn="l">
-                        <a:spcBef>
-                          <a:spcPts val="0"/>
-                        </a:spcBef>
-                        <a:spcAft>
-                          <a:spcPts val="0"/>
-                        </a:spcAft>
-                        <a:buNone/>
-                      </a:pPr>
-                      <a:r>
-                        <a:rPr lang="en" sz="1100"/>
-                        <a:t>Linear SVM</a:t>
-                      </a:r>
-                      <a:endParaRPr sz="1100"/>
-                    </a:p>
-                  </a:txBody>
-                  <a:tcPr marT="63500" marB="63500" marR="63500" marL="63500"/>
-                </a:tc>
-                <a:tc>
-                  <a:txBody>
-                    <a:bodyPr/>
-                    <a:lstStyle/>
-                    <a:p>
-                      <a:pPr indent="0" lvl="0" marL="0" rtl="0" algn="l">
-                        <a:spcBef>
-                          <a:spcPts val="0"/>
-                        </a:spcBef>
-                        <a:spcAft>
-                          <a:spcPts val="0"/>
-                        </a:spcAft>
-                        <a:buNone/>
-                      </a:pPr>
-                      <a:r>
-                        <a:rPr lang="en" sz="1100"/>
-                        <a:t>[0.84,0.42]</a:t>
-                      </a:r>
-                      <a:endParaRPr sz="1100"/>
-                    </a:p>
-                  </a:txBody>
-                  <a:tcPr marT="63500" marB="63500" marR="63500" marL="63500"/>
-                </a:tc>
-                <a:tc>
-                  <a:txBody>
-                    <a:bodyPr/>
-                    <a:lstStyle/>
-                    <a:p>
-                      <a:pPr indent="0" lvl="0" marL="0" rtl="0" algn="l">
-                        <a:spcBef>
-                          <a:spcPts val="0"/>
-                        </a:spcBef>
-                        <a:spcAft>
-                          <a:spcPts val="0"/>
-                        </a:spcAft>
-                        <a:buNone/>
-                      </a:pPr>
-                      <a:r>
-                        <a:rPr lang="en" sz="1100"/>
-                        <a:t>(0:1,1:4)</a:t>
-                      </a:r>
-                      <a:endParaRPr sz="1100"/>
-                    </a:p>
-                  </a:txBody>
-                  <a:tcPr marT="63500" marB="63500" marR="63500" marL="63500"/>
-                </a:tc>
-              </a:tr>
-              <a:tr h="12700">
-                <a:tc>
-                  <a:txBody>
-                    <a:bodyPr/>
-                    <a:lstStyle/>
-                    <a:p>
-                      <a:pPr indent="0" lvl="0" marL="0" rtl="0" algn="l">
-                        <a:spcBef>
-                          <a:spcPts val="0"/>
-                        </a:spcBef>
-                        <a:spcAft>
-                          <a:spcPts val="0"/>
-                        </a:spcAft>
-                        <a:buNone/>
-                      </a:pPr>
-                      <a:r>
-                        <a:rPr lang="en" sz="1100"/>
-                        <a:t>3</a:t>
-                      </a:r>
-                      <a:endParaRPr sz="1100"/>
-                    </a:p>
-                  </a:txBody>
-                  <a:tcPr marT="63500" marB="63500" marR="63500" marL="63500"/>
-                </a:tc>
-                <a:tc>
-                  <a:txBody>
-                    <a:bodyPr/>
-                    <a:lstStyle/>
-                    <a:p>
-                      <a:pPr indent="0" lvl="0" marL="0" rtl="0" algn="l">
-                        <a:spcBef>
-                          <a:spcPts val="0"/>
-                        </a:spcBef>
-                        <a:spcAft>
-                          <a:spcPts val="0"/>
-                        </a:spcAft>
-                        <a:buNone/>
-                      </a:pPr>
-                      <a:r>
-                        <a:rPr lang="en" sz="1100"/>
-                        <a:t>Polynomial</a:t>
-                      </a:r>
-                      <a:r>
-                        <a:rPr lang="en" sz="1100"/>
-                        <a:t> SVM</a:t>
-                      </a:r>
-                      <a:endParaRPr sz="1100"/>
-                    </a:p>
-                  </a:txBody>
-                  <a:tcPr marT="63500" marB="63500" marR="63500" marL="63500"/>
-                </a:tc>
-                <a:tc>
-                  <a:txBody>
-                    <a:bodyPr/>
-                    <a:lstStyle/>
-                    <a:p>
-                      <a:pPr indent="0" lvl="0" marL="0" rtl="0" algn="l">
-                        <a:spcBef>
-                          <a:spcPts val="0"/>
-                        </a:spcBef>
-                        <a:spcAft>
-                          <a:spcPts val="0"/>
-                        </a:spcAft>
-                        <a:buNone/>
-                      </a:pPr>
-                      <a:r>
-                        <a:rPr lang="en" sz="1100"/>
-                        <a:t>[0.90,0.16]</a:t>
-                      </a:r>
-                      <a:endParaRPr sz="1100"/>
-                    </a:p>
-                  </a:txBody>
-                  <a:tcPr marT="63500" marB="63500" marR="63500" marL="63500"/>
-                </a:tc>
-                <a:tc>
-                  <a:txBody>
-                    <a:bodyPr/>
-                    <a:lstStyle/>
-                    <a:p>
-                      <a:pPr indent="0" lvl="0" marL="0" rtl="0" algn="l">
-                        <a:spcBef>
-                          <a:spcPts val="0"/>
-                        </a:spcBef>
-                        <a:spcAft>
-                          <a:spcPts val="0"/>
-                        </a:spcAft>
-                        <a:buNone/>
-                      </a:pPr>
-                      <a:r>
-                        <a:rPr lang="en" sz="1100"/>
-                        <a:t>(0:1,1:4) deg-5</a:t>
-                      </a:r>
-                      <a:endParaRPr sz="1100"/>
-                    </a:p>
-                  </a:txBody>
-                  <a:tcPr marT="63500" marB="63500" marR="63500" marL="63500"/>
-                </a:tc>
-              </a:tr>
-              <a:tr h="12700">
-                <a:tc>
-                  <a:txBody>
-                    <a:bodyPr/>
-                    <a:lstStyle/>
-                    <a:p>
-                      <a:pPr indent="0" lvl="0" marL="0" rtl="0" algn="l">
-                        <a:spcBef>
-                          <a:spcPts val="0"/>
-                        </a:spcBef>
-                        <a:spcAft>
-                          <a:spcPts val="0"/>
-                        </a:spcAft>
-                        <a:buNone/>
-                      </a:pPr>
-                      <a:r>
-                        <a:rPr lang="en" sz="1100"/>
-                        <a:t>4</a:t>
-                      </a:r>
-                      <a:endParaRPr sz="1100"/>
-                    </a:p>
-                  </a:txBody>
-                  <a:tcPr marT="63500" marB="63500" marR="63500" marL="63500"/>
-                </a:tc>
-                <a:tc>
-                  <a:txBody>
-                    <a:bodyPr/>
-                    <a:lstStyle/>
-                    <a:p>
-                      <a:pPr indent="0" lvl="0" marL="0" rtl="0" algn="l">
-                        <a:spcBef>
-                          <a:spcPts val="0"/>
-                        </a:spcBef>
-                        <a:spcAft>
-                          <a:spcPts val="0"/>
-                        </a:spcAft>
-                        <a:buNone/>
-                      </a:pPr>
-                      <a:r>
-                        <a:rPr lang="en" sz="1100"/>
-                        <a:t>RBF</a:t>
-                      </a:r>
-                      <a:endParaRPr sz="1100"/>
-                    </a:p>
-                  </a:txBody>
-                  <a:tcPr marT="63500" marB="63500" marR="63500" marL="63500"/>
-                </a:tc>
-                <a:tc>
-                  <a:txBody>
-                    <a:bodyPr/>
-                    <a:lstStyle/>
-                    <a:p>
-                      <a:pPr indent="0" lvl="0" marL="0" rtl="0" algn="l">
-                        <a:spcBef>
-                          <a:spcPts val="0"/>
-                        </a:spcBef>
-                        <a:spcAft>
-                          <a:spcPts val="0"/>
-                        </a:spcAft>
-                        <a:buNone/>
-                      </a:pPr>
-                      <a:r>
-                        <a:rPr lang="en" sz="1100"/>
-                        <a:t>[0.87,0.33]</a:t>
-                      </a:r>
-                      <a:endParaRPr sz="1100"/>
-                    </a:p>
-                  </a:txBody>
-                  <a:tcPr marT="63500" marB="63500" marR="63500" marL="63500"/>
-                </a:tc>
-                <a:tc>
-                  <a:txBody>
-                    <a:bodyPr/>
-                    <a:lstStyle/>
-                    <a:p>
-                      <a:pPr indent="0" lvl="0" marL="0" rtl="0" algn="l">
-                        <a:spcBef>
-                          <a:spcPts val="0"/>
-                        </a:spcBef>
-                        <a:spcAft>
-                          <a:spcPts val="0"/>
-                        </a:spcAft>
-                        <a:buNone/>
-                      </a:pPr>
-                      <a:r>
-                        <a:rPr lang="en" sz="1100"/>
-                        <a:t>(0:1,1:4)</a:t>
-                      </a:r>
-                      <a:endParaRPr sz="1100"/>
-                    </a:p>
-                  </a:txBody>
-                  <a:tcPr marT="63500" marB="63500" marR="63500" marL="63500"/>
-                </a:tc>
-              </a:tr>
-            </a:tbl>
-          </a:graphicData>
-        </a:graphic>
-      </p:graphicFrame>
-      <p:sp>
-        <p:nvSpPr>
-          <p:cNvPr id="112" name="Google Shape;112;p18"/>
-          <p:cNvSpPr txBox="1"/>
-          <p:nvPr/>
-        </p:nvSpPr>
-        <p:spPr>
-          <a:xfrm>
-            <a:off x="3416550" y="769350"/>
-            <a:ext cx="2631600" cy="446400"/>
-          </a:xfrm>
-          <a:prstGeom prst="rect">
-            <a:avLst/>
-          </a:prstGeom>
-          <a:noFill/>
-          <a:ln>
-            <a:noFill/>
-          </a:ln>
-        </p:spPr>
-        <p:txBody>
-          <a:bodyPr anchorCtr="0" anchor="t" bIns="91425" lIns="91425" spcFirstLastPara="1" rIns="91425" wrap="square" tIns="91425">
-            <a:spAutoFit/>
-          </a:bodyPr>
-          <a:lstStyle/>
-          <a:p>
-            <a:pPr indent="0" lvl="0" marL="0" rtl="0" algn="l">
-              <a:spcBef>
-                <a:spcPts val="0"/>
-              </a:spcBef>
-              <a:spcAft>
-                <a:spcPts val="0"/>
-              </a:spcAft>
-              <a:buNone/>
-            </a:pPr>
-            <a:r>
-              <a:rPr b="1" lang="en" sz="1700">
-                <a:solidFill>
-                  <a:schemeClr val="dk1"/>
-                </a:solidFill>
-                <a:latin typeface="Roboto"/>
-                <a:ea typeface="Roboto"/>
-                <a:cs typeface="Roboto"/>
-                <a:sym typeface="Roboto"/>
-              </a:rPr>
-              <a:t>Results</a:t>
-            </a:r>
-            <a:endParaRPr b="1" sz="1700">
-              <a:solidFill>
-                <a:schemeClr val="dk1"/>
-              </a:solidFill>
-              <a:latin typeface="Roboto"/>
-              <a:ea typeface="Roboto"/>
-              <a:cs typeface="Roboto"/>
-              <a:sym typeface="Roboto"/>
-            </a:endParaRPr>
-          </a:p>
-        </p:txBody>
-      </p:sp>
-      <p:sp>
-        <p:nvSpPr>
-          <p:cNvPr id="113" name="Google Shape;113;p18"/>
-          <p:cNvSpPr txBox="1"/>
-          <p:nvPr/>
-        </p:nvSpPr>
-        <p:spPr>
-          <a:xfrm>
-            <a:off x="1338200" y="3118600"/>
-            <a:ext cx="5203200" cy="1785600"/>
-          </a:xfrm>
-          <a:prstGeom prst="rect">
-            <a:avLst/>
-          </a:prstGeom>
-          <a:noFill/>
-          <a:ln>
-            <a:noFill/>
-          </a:ln>
-        </p:spPr>
-        <p:txBody>
-          <a:bodyPr anchorCtr="0" anchor="t" bIns="91425" lIns="91425" spcFirstLastPara="1" rIns="91425" wrap="square" tIns="91425">
-            <a:spAutoFit/>
-          </a:bodyPr>
-          <a:lstStyle/>
-          <a:p>
-            <a:pPr indent="-311150" lvl="0" marL="457200" rtl="0" algn="l">
-              <a:spcBef>
-                <a:spcPts val="0"/>
-              </a:spcBef>
-              <a:spcAft>
-                <a:spcPts val="0"/>
-              </a:spcAft>
-              <a:buClr>
-                <a:schemeClr val="dk1"/>
-              </a:buClr>
-              <a:buSzPts val="1300"/>
-              <a:buFont typeface="Roboto"/>
-              <a:buChar char="●"/>
-            </a:pPr>
-            <a:r>
-              <a:rPr lang="en" sz="1300">
-                <a:solidFill>
-                  <a:schemeClr val="dk1"/>
-                </a:solidFill>
-                <a:latin typeface="Roboto"/>
-                <a:ea typeface="Roboto"/>
-                <a:cs typeface="Roboto"/>
-                <a:sym typeface="Roboto"/>
-              </a:rPr>
-              <a:t>SVM is good for this dataset</a:t>
-            </a:r>
-            <a:endParaRPr sz="1300">
-              <a:solidFill>
-                <a:schemeClr val="dk1"/>
-              </a:solidFill>
-              <a:latin typeface="Roboto"/>
-              <a:ea typeface="Roboto"/>
-              <a:cs typeface="Roboto"/>
-              <a:sym typeface="Roboto"/>
-            </a:endParaRPr>
-          </a:p>
-          <a:p>
-            <a:pPr indent="0" lvl="0" marL="457200" rtl="0" algn="l">
-              <a:spcBef>
-                <a:spcPts val="0"/>
-              </a:spcBef>
-              <a:spcAft>
-                <a:spcPts val="0"/>
-              </a:spcAft>
-              <a:buNone/>
-            </a:pPr>
-            <a:r>
-              <a:t/>
-            </a:r>
-            <a:endParaRPr sz="1300">
-              <a:solidFill>
-                <a:schemeClr val="dk1"/>
-              </a:solidFill>
-              <a:latin typeface="Roboto"/>
-              <a:ea typeface="Roboto"/>
-              <a:cs typeface="Roboto"/>
-              <a:sym typeface="Roboto"/>
-            </a:endParaRPr>
-          </a:p>
-          <a:p>
-            <a:pPr indent="-311150" lvl="0" marL="457200" rtl="0" algn="l">
-              <a:spcBef>
-                <a:spcPts val="0"/>
-              </a:spcBef>
-              <a:spcAft>
-                <a:spcPts val="0"/>
-              </a:spcAft>
-              <a:buClr>
-                <a:schemeClr val="dk1"/>
-              </a:buClr>
-              <a:buSzPts val="1300"/>
-              <a:buFont typeface="Roboto"/>
-              <a:buChar char="●"/>
-            </a:pPr>
-            <a:r>
-              <a:rPr lang="en" sz="1300">
-                <a:solidFill>
-                  <a:schemeClr val="dk1"/>
-                </a:solidFill>
-                <a:latin typeface="Roboto"/>
-                <a:ea typeface="Roboto"/>
-                <a:cs typeface="Roboto"/>
-                <a:sym typeface="Roboto"/>
-              </a:rPr>
-              <a:t>Polynomial kernel worked best</a:t>
-            </a:r>
-            <a:endParaRPr sz="1300">
-              <a:solidFill>
-                <a:schemeClr val="dk1"/>
-              </a:solidFill>
-              <a:latin typeface="Roboto"/>
-              <a:ea typeface="Roboto"/>
-              <a:cs typeface="Roboto"/>
-              <a:sym typeface="Roboto"/>
-            </a:endParaRPr>
-          </a:p>
-          <a:p>
-            <a:pPr indent="0" lvl="0" marL="457200" rtl="0" algn="l">
-              <a:spcBef>
-                <a:spcPts val="0"/>
-              </a:spcBef>
-              <a:spcAft>
-                <a:spcPts val="0"/>
-              </a:spcAft>
-              <a:buNone/>
-            </a:pPr>
-            <a:r>
-              <a:t/>
-            </a:r>
-            <a:endParaRPr sz="1300">
-              <a:solidFill>
-                <a:schemeClr val="dk1"/>
-              </a:solidFill>
-              <a:latin typeface="Roboto"/>
-              <a:ea typeface="Roboto"/>
-              <a:cs typeface="Roboto"/>
-              <a:sym typeface="Roboto"/>
-            </a:endParaRPr>
-          </a:p>
-          <a:p>
-            <a:pPr indent="-311150" lvl="0" marL="457200" rtl="0" algn="l">
-              <a:spcBef>
-                <a:spcPts val="0"/>
-              </a:spcBef>
-              <a:spcAft>
-                <a:spcPts val="0"/>
-              </a:spcAft>
-              <a:buClr>
-                <a:schemeClr val="dk1"/>
-              </a:buClr>
-              <a:buSzPts val="1300"/>
-              <a:buFont typeface="Roboto"/>
-              <a:buChar char="●"/>
-            </a:pPr>
-            <a:r>
-              <a:rPr lang="en" sz="1300">
-                <a:solidFill>
-                  <a:schemeClr val="dk1"/>
-                </a:solidFill>
-                <a:latin typeface="Roboto"/>
-                <a:ea typeface="Roboto"/>
-                <a:cs typeface="Roboto"/>
-                <a:sym typeface="Roboto"/>
-              </a:rPr>
-              <a:t>Class weight has changed the results</a:t>
-            </a:r>
-            <a:endParaRPr sz="1300">
-              <a:solidFill>
-                <a:schemeClr val="dk1"/>
-              </a:solidFill>
-              <a:latin typeface="Roboto"/>
-              <a:ea typeface="Roboto"/>
-              <a:cs typeface="Roboto"/>
-              <a:sym typeface="Roboto"/>
-            </a:endParaRPr>
-          </a:p>
-          <a:p>
-            <a:pPr indent="0" lvl="0" marL="457200" rtl="0" algn="l">
-              <a:spcBef>
-                <a:spcPts val="0"/>
-              </a:spcBef>
-              <a:spcAft>
-                <a:spcPts val="0"/>
-              </a:spcAft>
-              <a:buNone/>
-            </a:pPr>
-            <a:r>
-              <a:t/>
-            </a:r>
-            <a:endParaRPr sz="1300">
-              <a:solidFill>
-                <a:schemeClr val="dk1"/>
-              </a:solidFill>
-              <a:latin typeface="Roboto"/>
-              <a:ea typeface="Roboto"/>
-              <a:cs typeface="Roboto"/>
-              <a:sym typeface="Roboto"/>
-            </a:endParaRPr>
-          </a:p>
-          <a:p>
-            <a:pPr indent="-311150" lvl="0" marL="457200" rtl="0" algn="l">
-              <a:spcBef>
-                <a:spcPts val="0"/>
-              </a:spcBef>
-              <a:spcAft>
-                <a:spcPts val="0"/>
-              </a:spcAft>
-              <a:buClr>
-                <a:schemeClr val="dk1"/>
-              </a:buClr>
-              <a:buSzPts val="1300"/>
-              <a:buFont typeface="Roboto"/>
-              <a:buChar char="●"/>
-            </a:pPr>
-            <a:r>
-              <a:rPr lang="en" sz="1300">
-                <a:solidFill>
-                  <a:schemeClr val="dk1"/>
-                </a:solidFill>
-                <a:latin typeface="Roboto"/>
-                <a:ea typeface="Roboto"/>
-                <a:cs typeface="Roboto"/>
-                <a:sym typeface="Roboto"/>
-              </a:rPr>
-              <a:t>Model is seemed </a:t>
-            </a:r>
-            <a:r>
-              <a:rPr lang="en" sz="1300">
-                <a:solidFill>
-                  <a:schemeClr val="dk1"/>
-                </a:solidFill>
-                <a:latin typeface="Roboto"/>
-                <a:ea typeface="Roboto"/>
-                <a:cs typeface="Roboto"/>
-                <a:sym typeface="Roboto"/>
-              </a:rPr>
-              <a:t>struggling</a:t>
-            </a:r>
-            <a:r>
-              <a:rPr lang="en" sz="1300">
-                <a:solidFill>
-                  <a:schemeClr val="dk1"/>
-                </a:solidFill>
-                <a:latin typeface="Roboto"/>
-                <a:ea typeface="Roboto"/>
-                <a:cs typeface="Roboto"/>
-                <a:sym typeface="Roboto"/>
-              </a:rPr>
-              <a:t> to classify the positive values, could be because of the less data</a:t>
-            </a:r>
-            <a:endParaRPr sz="1300">
-              <a:solidFill>
-                <a:schemeClr val="dk1"/>
-              </a:solidFill>
-              <a:latin typeface="Roboto"/>
-              <a:ea typeface="Roboto"/>
-              <a:cs typeface="Roboto"/>
-              <a:sym typeface="Roboto"/>
-            </a:endParaRPr>
-          </a:p>
-        </p:txBody>
-      </p:sp>
-    </p:spTree>
-  </p:cSld>
-  <p:clrMapOvr>
-    <a:masterClrMapping/>
-  </p:clrMapOvr>
-</p:sld>
-</file>
-
-<file path=ppt/slides/slide7.xml><?xml version="1.0" encoding="utf-8"?>
-<p:sld xmlns:a="http://schemas.openxmlformats.org/drawingml/2006/main" xmlns:r="http://schemas.openxmlformats.org/officeDocument/2006/relationships" xmlns:mc="http://schemas.openxmlformats.org/markup-compatibility/2006" xmlns:mv="urn:schemas-microsoft-com:mac:vml" xmlns:p="http://schemas.openxmlformats.org/presentationml/2006/main" xmlns:c="http://schemas.openxmlformats.org/drawingml/2006/chart" xmlns:dgm="http://schemas.openxmlformats.org/drawingml/2006/diagram" xmlns:o="urn:schemas-microsoft-com:office:office" xmlns:v="urn:schemas-microsoft-com:vml" xmlns:pvml="urn:schemas-microsoft-com:office:powerpoint" xmlns:com="http://schemas.openxmlformats.org/drawingml/2006/compatibility" xmlns:p14="http://schemas.microsoft.com/office/powerpoint/2010/main" xmlns:p15="http://schemas.microsoft.com/office/powerpoint/2012/main" xmlns:ahyp="http://schemas.microsoft.com/office/drawing/2018/hyperlinkcolor">
-  <p:cSld>
-    <p:spTree>
-      <p:nvGrpSpPr>
-        <p:cNvPr id="117" name="Shape 117"/>
-        <p:cNvGrpSpPr/>
-        <p:nvPr/>
-      </p:nvGrpSpPr>
-      <p:grpSpPr>
-        <a:xfrm>
-          <a:off x="0" y="0"/>
-          <a:ext cx="0" cy="0"/>
-          <a:chOff x="0" y="0"/>
-          <a:chExt cx="0" cy="0"/>
-        </a:xfrm>
-      </p:grpSpPr>
-      <p:sp>
-        <p:nvSpPr>
-          <p:cNvPr id="118" name="Google Shape;118;p19"/>
-          <p:cNvSpPr txBox="1"/>
-          <p:nvPr/>
-        </p:nvSpPr>
-        <p:spPr>
-          <a:xfrm>
-            <a:off x="3513725" y="471000"/>
-            <a:ext cx="2631600" cy="446400"/>
-          </a:xfrm>
-          <a:prstGeom prst="rect">
-            <a:avLst/>
-          </a:prstGeom>
-          <a:noFill/>
-          <a:ln>
-            <a:noFill/>
-          </a:ln>
-        </p:spPr>
-        <p:txBody>
-          <a:bodyPr anchorCtr="0" anchor="t" bIns="91425" lIns="91425" spcFirstLastPara="1" rIns="91425" wrap="square" tIns="91425">
-            <a:spAutoFit/>
-          </a:bodyPr>
-          <a:lstStyle/>
-          <a:p>
-            <a:pPr indent="0" lvl="0" marL="0" rtl="0" algn="l">
-              <a:spcBef>
-                <a:spcPts val="0"/>
-              </a:spcBef>
-              <a:spcAft>
-                <a:spcPts val="0"/>
-              </a:spcAft>
-              <a:buNone/>
-            </a:pPr>
-            <a:r>
-              <a:rPr lang="en" sz="1700">
-                <a:solidFill>
-                  <a:schemeClr val="dk1"/>
-                </a:solidFill>
-                <a:latin typeface="Roboto"/>
-                <a:ea typeface="Roboto"/>
-                <a:cs typeface="Roboto"/>
-                <a:sym typeface="Roboto"/>
-              </a:rPr>
-              <a:t>Analysis 2</a:t>
-            </a:r>
-            <a:endParaRPr sz="1700">
-              <a:solidFill>
-                <a:schemeClr val="dk1"/>
-              </a:solidFill>
-              <a:latin typeface="Roboto"/>
-              <a:ea typeface="Roboto"/>
-              <a:cs typeface="Roboto"/>
-              <a:sym typeface="Roboto"/>
-            </a:endParaRPr>
-          </a:p>
-        </p:txBody>
-      </p:sp>
-      <p:sp>
-        <p:nvSpPr>
-          <p:cNvPr id="119" name="Google Shape;119;p19"/>
-          <p:cNvSpPr txBox="1"/>
-          <p:nvPr/>
-        </p:nvSpPr>
-        <p:spPr>
-          <a:xfrm>
-            <a:off x="2840875" y="953288"/>
-            <a:ext cx="3797700" cy="1262100"/>
-          </a:xfrm>
-          <a:prstGeom prst="rect">
-            <a:avLst/>
-          </a:prstGeom>
-          <a:noFill/>
-          <a:ln>
-            <a:noFill/>
-          </a:ln>
-        </p:spPr>
-        <p:txBody>
-          <a:bodyPr anchorCtr="0" anchor="t" bIns="91425" lIns="91425" spcFirstLastPara="1" rIns="91425" wrap="square" tIns="91425">
-            <a:spAutoFit/>
-          </a:bodyPr>
-          <a:lstStyle/>
-          <a:p>
-            <a:pPr indent="0" lvl="0" marL="0" rtl="0" algn="l">
-              <a:spcBef>
-                <a:spcPts val="0"/>
-              </a:spcBef>
-              <a:spcAft>
-                <a:spcPts val="0"/>
-              </a:spcAft>
-              <a:buNone/>
-            </a:pPr>
-            <a:r>
-              <a:rPr lang="en">
-                <a:solidFill>
-                  <a:schemeClr val="dk1"/>
-                </a:solidFill>
-                <a:latin typeface="Roboto"/>
-                <a:ea typeface="Roboto"/>
-                <a:cs typeface="Roboto"/>
-                <a:sym typeface="Roboto"/>
-              </a:rPr>
-              <a:t>Dataset</a:t>
-            </a:r>
-            <a:endParaRPr>
-              <a:solidFill>
-                <a:schemeClr val="dk1"/>
-              </a:solidFill>
-              <a:latin typeface="Roboto"/>
-              <a:ea typeface="Roboto"/>
-              <a:cs typeface="Roboto"/>
-              <a:sym typeface="Roboto"/>
-            </a:endParaRPr>
-          </a:p>
-          <a:p>
-            <a:pPr indent="-317500" lvl="0" marL="457200" marR="0" rtl="0" algn="l">
-              <a:lnSpc>
-                <a:spcPct val="100000"/>
-              </a:lnSpc>
-              <a:spcBef>
-                <a:spcPts val="0"/>
-              </a:spcBef>
-              <a:spcAft>
-                <a:spcPts val="0"/>
-              </a:spcAft>
-              <a:buClr>
-                <a:schemeClr val="dk1"/>
-              </a:buClr>
-              <a:buSzPts val="1400"/>
-              <a:buFont typeface="Roboto"/>
-              <a:buChar char="●"/>
-            </a:pPr>
-            <a:r>
-              <a:rPr lang="en">
-                <a:solidFill>
-                  <a:schemeClr val="dk1"/>
-                </a:solidFill>
-                <a:latin typeface="Roboto"/>
-                <a:ea typeface="Roboto"/>
-                <a:cs typeface="Roboto"/>
-                <a:sym typeface="Roboto"/>
-              </a:rPr>
-              <a:t>Social networking ads from </a:t>
-            </a:r>
-            <a:r>
-              <a:rPr lang="en" u="sng">
-                <a:solidFill>
-                  <a:schemeClr val="hlink"/>
-                </a:solidFill>
-                <a:latin typeface="Roboto"/>
-                <a:ea typeface="Roboto"/>
-                <a:cs typeface="Roboto"/>
-                <a:sym typeface="Roboto"/>
-                <a:hlinkClick r:id="rId3"/>
-              </a:rPr>
-              <a:t>Kaggle</a:t>
-            </a:r>
-            <a:endParaRPr>
-              <a:solidFill>
-                <a:schemeClr val="dk1"/>
-              </a:solidFill>
-              <a:latin typeface="Roboto"/>
-              <a:ea typeface="Roboto"/>
-              <a:cs typeface="Roboto"/>
-              <a:sym typeface="Roboto"/>
-            </a:endParaRPr>
-          </a:p>
-          <a:p>
-            <a:pPr indent="-317500" lvl="0" marL="457200" marR="0" rtl="0" algn="l">
-              <a:lnSpc>
-                <a:spcPct val="100000"/>
-              </a:lnSpc>
-              <a:spcBef>
-                <a:spcPts val="0"/>
-              </a:spcBef>
-              <a:spcAft>
-                <a:spcPts val="0"/>
-              </a:spcAft>
-              <a:buClr>
-                <a:schemeClr val="dk1"/>
-              </a:buClr>
-              <a:buSzPts val="1400"/>
-              <a:buFont typeface="Roboto"/>
-              <a:buChar char="●"/>
-            </a:pPr>
-            <a:r>
-              <a:rPr lang="en">
-                <a:solidFill>
-                  <a:schemeClr val="dk1"/>
-                </a:solidFill>
-                <a:latin typeface="Roboto"/>
-                <a:ea typeface="Roboto"/>
-                <a:cs typeface="Roboto"/>
-                <a:sym typeface="Roboto"/>
-              </a:rPr>
-              <a:t>Target variable: purchased</a:t>
-            </a:r>
-            <a:endParaRPr>
-              <a:solidFill>
-                <a:schemeClr val="dk1"/>
-              </a:solidFill>
-              <a:latin typeface="Roboto"/>
-              <a:ea typeface="Roboto"/>
-              <a:cs typeface="Roboto"/>
-              <a:sym typeface="Roboto"/>
-            </a:endParaRPr>
-          </a:p>
-          <a:p>
-            <a:pPr indent="-317500" lvl="0" marL="457200" marR="0" rtl="0" algn="l">
-              <a:lnSpc>
-                <a:spcPct val="100000"/>
-              </a:lnSpc>
-              <a:spcBef>
-                <a:spcPts val="0"/>
-              </a:spcBef>
-              <a:spcAft>
-                <a:spcPts val="0"/>
-              </a:spcAft>
-              <a:buClr>
-                <a:schemeClr val="dk1"/>
-              </a:buClr>
-              <a:buSzPts val="1400"/>
-              <a:buFont typeface="Roboto"/>
-              <a:buChar char="●"/>
-            </a:pPr>
-            <a:r>
-              <a:rPr lang="en">
-                <a:solidFill>
-                  <a:schemeClr val="dk1"/>
-                </a:solidFill>
-                <a:latin typeface="Roboto"/>
-                <a:ea typeface="Roboto"/>
-                <a:cs typeface="Roboto"/>
-                <a:sym typeface="Roboto"/>
-              </a:rPr>
-              <a:t>Classifier variables: </a:t>
-            </a:r>
-            <a:endParaRPr>
-              <a:solidFill>
-                <a:schemeClr val="dk1"/>
-              </a:solidFill>
-              <a:latin typeface="Roboto"/>
-              <a:ea typeface="Roboto"/>
-              <a:cs typeface="Roboto"/>
-              <a:sym typeface="Roboto"/>
-            </a:endParaRPr>
-          </a:p>
-          <a:p>
-            <a:pPr indent="0" lvl="0" marL="0" marR="0" rtl="0" algn="l">
-              <a:lnSpc>
-                <a:spcPct val="100000"/>
-              </a:lnSpc>
-              <a:spcBef>
-                <a:spcPts val="0"/>
-              </a:spcBef>
-              <a:spcAft>
-                <a:spcPts val="0"/>
-              </a:spcAft>
-              <a:buNone/>
-            </a:pPr>
-            <a:r>
-              <a:rPr lang="en">
-                <a:solidFill>
-                  <a:schemeClr val="dk1"/>
-                </a:solidFill>
-                <a:latin typeface="Roboto"/>
-                <a:ea typeface="Roboto"/>
-                <a:cs typeface="Roboto"/>
-                <a:sym typeface="Roboto"/>
-              </a:rPr>
-              <a:t>Age, gender, estimated salary</a:t>
-            </a:r>
-            <a:endParaRPr>
-              <a:solidFill>
-                <a:schemeClr val="dk1"/>
-              </a:solidFill>
-              <a:latin typeface="Roboto"/>
-              <a:ea typeface="Roboto"/>
-              <a:cs typeface="Roboto"/>
-              <a:sym typeface="Roboto"/>
-            </a:endParaRPr>
-          </a:p>
-        </p:txBody>
-      </p:sp>
-      <p:sp>
-        <p:nvSpPr>
-          <p:cNvPr id="120" name="Google Shape;120;p19"/>
-          <p:cNvSpPr txBox="1"/>
-          <p:nvPr/>
-        </p:nvSpPr>
-        <p:spPr>
-          <a:xfrm>
-            <a:off x="3027775" y="3100800"/>
-            <a:ext cx="3093900" cy="831300"/>
-          </a:xfrm>
-          <a:prstGeom prst="rect">
-            <a:avLst/>
-          </a:prstGeom>
-          <a:noFill/>
-          <a:ln>
-            <a:noFill/>
-          </a:ln>
-        </p:spPr>
-        <p:txBody>
-          <a:bodyPr anchorCtr="0" anchor="t" bIns="91425" lIns="91425" spcFirstLastPara="1" rIns="91425" wrap="square" tIns="91425">
-            <a:spAutoFit/>
-          </a:bodyPr>
-          <a:lstStyle/>
-          <a:p>
-            <a:pPr indent="-317500" lvl="0" marL="457200" marR="0" rtl="0" algn="l">
-              <a:lnSpc>
-                <a:spcPct val="100000"/>
-              </a:lnSpc>
-              <a:spcBef>
-                <a:spcPts val="0"/>
-              </a:spcBef>
-              <a:spcAft>
-                <a:spcPts val="0"/>
-              </a:spcAft>
-              <a:buClr>
-                <a:schemeClr val="dk1"/>
-              </a:buClr>
-              <a:buSzPts val="1400"/>
-              <a:buFont typeface="Roboto"/>
-              <a:buChar char="●"/>
-            </a:pPr>
-            <a:r>
-              <a:rPr lang="en">
-                <a:solidFill>
-                  <a:schemeClr val="dk1"/>
-                </a:solidFill>
-                <a:latin typeface="Roboto"/>
-                <a:ea typeface="Roboto"/>
-                <a:cs typeface="Roboto"/>
-                <a:sym typeface="Roboto"/>
-              </a:rPr>
-              <a:t>Significance:</a:t>
-            </a:r>
-            <a:br>
-              <a:rPr lang="en">
-                <a:solidFill>
-                  <a:schemeClr val="dk1"/>
-                </a:solidFill>
-                <a:latin typeface="Roboto"/>
-                <a:ea typeface="Roboto"/>
-                <a:cs typeface="Roboto"/>
-                <a:sym typeface="Roboto"/>
-              </a:rPr>
-            </a:br>
-            <a:r>
-              <a:rPr lang="en">
-                <a:solidFill>
-                  <a:schemeClr val="dk1"/>
-                </a:solidFill>
-                <a:latin typeface="Roboto"/>
-                <a:ea typeface="Roboto"/>
-                <a:cs typeface="Roboto"/>
-                <a:sym typeface="Roboto"/>
-              </a:rPr>
-              <a:t>Age, gender, estimated salary</a:t>
-            </a:r>
-            <a:endParaRPr>
-              <a:solidFill>
-                <a:schemeClr val="dk1"/>
-              </a:solidFill>
-              <a:latin typeface="Roboto"/>
-              <a:ea typeface="Roboto"/>
-              <a:cs typeface="Roboto"/>
-              <a:sym typeface="Roboto"/>
-            </a:endParaRPr>
-          </a:p>
-          <a:p>
-            <a:pPr indent="0" lvl="0" marL="0" marR="0" rtl="0" algn="l">
-              <a:lnSpc>
-                <a:spcPct val="100000"/>
-              </a:lnSpc>
-              <a:spcBef>
-                <a:spcPts val="0"/>
-              </a:spcBef>
-              <a:spcAft>
-                <a:spcPts val="0"/>
-              </a:spcAft>
-              <a:buNone/>
-            </a:pPr>
-            <a:r>
-              <a:t/>
-            </a:r>
-            <a:endParaRPr>
-              <a:solidFill>
-                <a:schemeClr val="dk1"/>
-              </a:solidFill>
-              <a:latin typeface="Roboto"/>
-              <a:ea typeface="Roboto"/>
-              <a:cs typeface="Roboto"/>
-              <a:sym typeface="Roboto"/>
-            </a:endParaRPr>
-          </a:p>
-        </p:txBody>
-      </p:sp>
-    </p:spTree>
-  </p:cSld>
-  <p:clrMapOvr>
-    <a:masterClrMapping/>
-  </p:clrMapOvr>
-</p:sld>
-</file>
-
-<file path=ppt/slides/slide8.xml><?xml version="1.0" encoding="utf-8"?>
-<p:sld xmlns:a="http://schemas.openxmlformats.org/drawingml/2006/main" xmlns:r="http://schemas.openxmlformats.org/officeDocument/2006/relationships" xmlns:mc="http://schemas.openxmlformats.org/markup-compatibility/2006" xmlns:mv="urn:schemas-microsoft-com:mac:vml" xmlns:p="http://schemas.openxmlformats.org/presentationml/2006/main" xmlns:c="http://schemas.openxmlformats.org/drawingml/2006/chart" xmlns:dgm="http://schemas.openxmlformats.org/drawingml/2006/diagram" xmlns:o="urn:schemas-microsoft-com:office:office" xmlns:v="urn:schemas-microsoft-com:vml" xmlns:pvml="urn:schemas-microsoft-com:office:powerpoint" xmlns:com="http://schemas.openxmlformats.org/drawingml/2006/compatibility" xmlns:p14="http://schemas.microsoft.com/office/powerpoint/2010/main" xmlns:p15="http://schemas.microsoft.com/office/powerpoint/2012/main" xmlns:ahyp="http://schemas.microsoft.com/office/drawing/2018/hyperlinkcolor">
-  <p:cSld>
-    <p:spTree>
-      <p:nvGrpSpPr>
-        <p:cNvPr id="124" name="Shape 124"/>
-        <p:cNvGrpSpPr/>
-        <p:nvPr/>
-      </p:nvGrpSpPr>
-      <p:grpSpPr>
-        <a:xfrm>
-          <a:off x="0" y="0"/>
-          <a:ext cx="0" cy="0"/>
-          <a:chOff x="0" y="0"/>
-          <a:chExt cx="0" cy="0"/>
-        </a:xfrm>
-      </p:grpSpPr>
-      <p:sp>
-        <p:nvSpPr>
-          <p:cNvPr id="125" name="Google Shape;125;p20"/>
-          <p:cNvSpPr txBox="1"/>
-          <p:nvPr/>
-        </p:nvSpPr>
-        <p:spPr>
-          <a:xfrm>
-            <a:off x="3513725" y="471000"/>
-            <a:ext cx="2631600" cy="446400"/>
-          </a:xfrm>
-          <a:prstGeom prst="rect">
-            <a:avLst/>
-          </a:prstGeom>
-          <a:noFill/>
-          <a:ln>
-            <a:noFill/>
-          </a:ln>
-        </p:spPr>
-        <p:txBody>
-          <a:bodyPr anchorCtr="0" anchor="t" bIns="91425" lIns="91425" spcFirstLastPara="1" rIns="91425" wrap="square" tIns="91425">
-            <a:spAutoFit/>
-          </a:bodyPr>
-          <a:lstStyle/>
-          <a:p>
-            <a:pPr indent="0" lvl="0" marL="0" rtl="0" algn="l">
-              <a:spcBef>
-                <a:spcPts val="0"/>
-              </a:spcBef>
-              <a:spcAft>
-                <a:spcPts val="0"/>
-              </a:spcAft>
-              <a:buNone/>
-            </a:pPr>
-            <a:r>
-              <a:rPr lang="en" sz="1700">
-                <a:solidFill>
-                  <a:schemeClr val="dk1"/>
-                </a:solidFill>
-                <a:latin typeface="Roboto"/>
-                <a:ea typeface="Roboto"/>
-                <a:cs typeface="Roboto"/>
-                <a:sym typeface="Roboto"/>
-              </a:rPr>
-              <a:t>Analysis Techniques</a:t>
-            </a:r>
-            <a:endParaRPr sz="1700">
-              <a:solidFill>
-                <a:schemeClr val="dk1"/>
-              </a:solidFill>
-              <a:latin typeface="Roboto"/>
-              <a:ea typeface="Roboto"/>
-              <a:cs typeface="Roboto"/>
-              <a:sym typeface="Roboto"/>
-            </a:endParaRPr>
-          </a:p>
-        </p:txBody>
-      </p:sp>
-      <p:sp>
-        <p:nvSpPr>
-          <p:cNvPr id="126" name="Google Shape;126;p20"/>
-          <p:cNvSpPr txBox="1"/>
-          <p:nvPr/>
-        </p:nvSpPr>
-        <p:spPr>
-          <a:xfrm>
-            <a:off x="1898900" y="889650"/>
-            <a:ext cx="4209000" cy="2124000"/>
-          </a:xfrm>
-          <a:prstGeom prst="rect">
-            <a:avLst/>
-          </a:prstGeom>
-          <a:noFill/>
-          <a:ln>
-            <a:noFill/>
-          </a:ln>
-        </p:spPr>
-        <p:txBody>
-          <a:bodyPr anchorCtr="0" anchor="t" bIns="91425" lIns="91425" spcFirstLastPara="1" rIns="91425" wrap="square" tIns="91425">
-            <a:spAutoFit/>
-          </a:bodyPr>
-          <a:lstStyle/>
-          <a:p>
-            <a:pPr indent="0" lvl="0" marL="0" rtl="0" algn="l">
-              <a:spcBef>
-                <a:spcPts val="0"/>
-              </a:spcBef>
-              <a:spcAft>
-                <a:spcPts val="0"/>
-              </a:spcAft>
-              <a:buNone/>
-            </a:pPr>
-            <a:r>
-              <a:t/>
-            </a:r>
-            <a:endParaRPr>
-              <a:solidFill>
-                <a:schemeClr val="dk1"/>
-              </a:solidFill>
-              <a:latin typeface="Roboto"/>
-              <a:ea typeface="Roboto"/>
-              <a:cs typeface="Roboto"/>
-              <a:sym typeface="Roboto"/>
-            </a:endParaRPr>
-          </a:p>
-          <a:p>
-            <a:pPr indent="-317500" lvl="0" marL="457200" rtl="0" algn="l">
-              <a:spcBef>
-                <a:spcPts val="0"/>
-              </a:spcBef>
-              <a:spcAft>
-                <a:spcPts val="0"/>
-              </a:spcAft>
-              <a:buClr>
-                <a:schemeClr val="dk1"/>
-              </a:buClr>
-              <a:buSzPts val="1400"/>
-              <a:buFont typeface="Roboto"/>
-              <a:buChar char="●"/>
-            </a:pPr>
-            <a:r>
-              <a:rPr lang="en">
-                <a:solidFill>
-                  <a:schemeClr val="dk1"/>
-                </a:solidFill>
-                <a:latin typeface="Roboto"/>
-                <a:ea typeface="Roboto"/>
-                <a:cs typeface="Roboto"/>
-                <a:sym typeface="Roboto"/>
-              </a:rPr>
-              <a:t>Standardization</a:t>
-            </a:r>
-            <a:endParaRPr>
-              <a:solidFill>
-                <a:schemeClr val="dk1"/>
-              </a:solidFill>
-              <a:latin typeface="Roboto"/>
-              <a:ea typeface="Roboto"/>
-              <a:cs typeface="Roboto"/>
-              <a:sym typeface="Roboto"/>
-            </a:endParaRPr>
-          </a:p>
-          <a:p>
-            <a:pPr indent="-317500" lvl="0" marL="457200" rtl="0" algn="l">
-              <a:spcBef>
-                <a:spcPts val="0"/>
-              </a:spcBef>
-              <a:spcAft>
-                <a:spcPts val="0"/>
-              </a:spcAft>
-              <a:buClr>
-                <a:schemeClr val="dk1"/>
-              </a:buClr>
-              <a:buSzPts val="1400"/>
-              <a:buFont typeface="Roboto"/>
-              <a:buChar char="●"/>
-            </a:pPr>
-            <a:r>
-              <a:rPr lang="en">
-                <a:solidFill>
-                  <a:schemeClr val="dk1"/>
-                </a:solidFill>
-                <a:latin typeface="Roboto"/>
-                <a:ea typeface="Roboto"/>
-                <a:cs typeface="Roboto"/>
-                <a:sym typeface="Roboto"/>
-              </a:rPr>
-              <a:t>Dataset split 75%, 25%</a:t>
-            </a:r>
-            <a:endParaRPr>
-              <a:solidFill>
-                <a:schemeClr val="dk1"/>
-              </a:solidFill>
-              <a:latin typeface="Roboto"/>
-              <a:ea typeface="Roboto"/>
-              <a:cs typeface="Roboto"/>
-              <a:sym typeface="Roboto"/>
-            </a:endParaRPr>
-          </a:p>
-          <a:p>
-            <a:pPr indent="0" lvl="0" marL="457200" rtl="0" algn="l">
-              <a:spcBef>
-                <a:spcPts val="0"/>
-              </a:spcBef>
-              <a:spcAft>
-                <a:spcPts val="0"/>
-              </a:spcAft>
-              <a:buNone/>
-            </a:pPr>
-            <a:r>
-              <a:t/>
-            </a:r>
-            <a:endParaRPr>
-              <a:solidFill>
-                <a:schemeClr val="dk1"/>
-              </a:solidFill>
-              <a:latin typeface="Roboto"/>
-              <a:ea typeface="Roboto"/>
-              <a:cs typeface="Roboto"/>
-              <a:sym typeface="Roboto"/>
-            </a:endParaRPr>
-          </a:p>
-          <a:p>
-            <a:pPr indent="0" lvl="0" marL="0" rtl="0" algn="l">
-              <a:spcBef>
-                <a:spcPts val="0"/>
-              </a:spcBef>
-              <a:spcAft>
-                <a:spcPts val="0"/>
-              </a:spcAft>
-              <a:buNone/>
-            </a:pPr>
-            <a:r>
-              <a:t/>
-            </a:r>
-            <a:endParaRPr>
-              <a:solidFill>
-                <a:schemeClr val="dk1"/>
-              </a:solidFill>
-              <a:latin typeface="Roboto"/>
-              <a:ea typeface="Roboto"/>
-              <a:cs typeface="Roboto"/>
-              <a:sym typeface="Roboto"/>
-            </a:endParaRPr>
-          </a:p>
-          <a:p>
-            <a:pPr indent="-317500" lvl="0" marL="457200" rtl="0" algn="l">
-              <a:spcBef>
-                <a:spcPts val="0"/>
-              </a:spcBef>
-              <a:spcAft>
-                <a:spcPts val="0"/>
-              </a:spcAft>
-              <a:buClr>
-                <a:schemeClr val="dk1"/>
-              </a:buClr>
-              <a:buSzPts val="1400"/>
-              <a:buFont typeface="Roboto"/>
-              <a:buAutoNum type="arabicPeriod"/>
-            </a:pPr>
-            <a:r>
-              <a:rPr lang="en">
-                <a:solidFill>
-                  <a:schemeClr val="dk1"/>
-                </a:solidFill>
-                <a:latin typeface="Roboto"/>
-                <a:ea typeface="Roboto"/>
-                <a:cs typeface="Roboto"/>
-                <a:sym typeface="Roboto"/>
-              </a:rPr>
-              <a:t>Logistic Regression</a:t>
-            </a:r>
-            <a:endParaRPr>
-              <a:solidFill>
-                <a:schemeClr val="dk1"/>
-              </a:solidFill>
-              <a:latin typeface="Roboto"/>
-              <a:ea typeface="Roboto"/>
-              <a:cs typeface="Roboto"/>
-              <a:sym typeface="Roboto"/>
-            </a:endParaRPr>
-          </a:p>
-          <a:p>
-            <a:pPr indent="-317500" lvl="0" marL="457200" rtl="0" algn="l">
-              <a:spcBef>
-                <a:spcPts val="0"/>
-              </a:spcBef>
-              <a:spcAft>
-                <a:spcPts val="0"/>
-              </a:spcAft>
-              <a:buClr>
-                <a:schemeClr val="dk1"/>
-              </a:buClr>
-              <a:buSzPts val="1400"/>
-              <a:buFont typeface="Roboto"/>
-              <a:buAutoNum type="arabicPeriod"/>
-            </a:pPr>
-            <a:r>
-              <a:rPr lang="en">
-                <a:solidFill>
-                  <a:schemeClr val="dk1"/>
-                </a:solidFill>
-                <a:latin typeface="Roboto"/>
-                <a:ea typeface="Roboto"/>
-                <a:cs typeface="Roboto"/>
-                <a:sym typeface="Roboto"/>
-              </a:rPr>
-              <a:t>SVM (linear and polynomial classification)</a:t>
-            </a:r>
-            <a:endParaRPr>
-              <a:solidFill>
-                <a:schemeClr val="dk1"/>
-              </a:solidFill>
-              <a:latin typeface="Roboto"/>
-              <a:ea typeface="Roboto"/>
-              <a:cs typeface="Roboto"/>
-              <a:sym typeface="Roboto"/>
-            </a:endParaRPr>
-          </a:p>
-          <a:p>
-            <a:pPr indent="-317500" lvl="0" marL="457200" rtl="0" algn="l">
-              <a:spcBef>
-                <a:spcPts val="0"/>
-              </a:spcBef>
-              <a:spcAft>
-                <a:spcPts val="0"/>
-              </a:spcAft>
-              <a:buClr>
-                <a:schemeClr val="dk1"/>
-              </a:buClr>
-              <a:buSzPts val="1400"/>
-              <a:buFont typeface="Roboto"/>
-              <a:buAutoNum type="arabicPeriod"/>
-            </a:pPr>
-            <a:r>
-              <a:rPr lang="en">
-                <a:solidFill>
-                  <a:schemeClr val="dk1"/>
-                </a:solidFill>
-                <a:latin typeface="Roboto"/>
-                <a:ea typeface="Roboto"/>
-                <a:cs typeface="Roboto"/>
-                <a:sym typeface="Roboto"/>
-              </a:rPr>
-              <a:t>RBF</a:t>
-            </a:r>
-            <a:endParaRPr>
-              <a:solidFill>
-                <a:schemeClr val="dk1"/>
-              </a:solidFill>
-              <a:latin typeface="Roboto"/>
-              <a:ea typeface="Roboto"/>
-              <a:cs typeface="Roboto"/>
-              <a:sym typeface="Roboto"/>
-            </a:endParaRPr>
-          </a:p>
-          <a:p>
-            <a:pPr indent="0" lvl="0" marL="0" rtl="0" algn="l">
-              <a:spcBef>
-                <a:spcPts val="0"/>
-              </a:spcBef>
-              <a:spcAft>
-                <a:spcPts val="0"/>
-              </a:spcAft>
-              <a:buNone/>
-            </a:pPr>
-            <a:r>
-              <a:t/>
-            </a:r>
-            <a:endParaRPr>
-              <a:solidFill>
-                <a:schemeClr val="dk1"/>
-              </a:solidFill>
-              <a:latin typeface="Roboto"/>
-              <a:ea typeface="Roboto"/>
-              <a:cs typeface="Roboto"/>
-              <a:sym typeface="Roboto"/>
-            </a:endParaRPr>
-          </a:p>
-        </p:txBody>
-      </p:sp>
-    </p:spTree>
-  </p:cSld>
-  <p:clrMapOvr>
-    <a:masterClrMapping/>
-  </p:clrMapOvr>
-</p:sld>
-</file>
-
-<file path=ppt/slides/slide9.xml><?xml version="1.0" encoding="utf-8"?>
-<p:sld xmlns:a="http://schemas.openxmlformats.org/drawingml/2006/main" xmlns:r="http://schemas.openxmlformats.org/officeDocument/2006/relationships" xmlns:mc="http://schemas.openxmlformats.org/markup-compatibility/2006" xmlns:mv="urn:schemas-microsoft-com:mac:vml" xmlns:p="http://schemas.openxmlformats.org/presentationml/2006/main" xmlns:c="http://schemas.openxmlformats.org/drawingml/2006/chart" xmlns:dgm="http://schemas.openxmlformats.org/drawingml/2006/diagram" xmlns:o="urn:schemas-microsoft-com:office:office" xmlns:v="urn:schemas-microsoft-com:vml" xmlns:pvml="urn:schemas-microsoft-com:office:powerpoint" xmlns:com="http://schemas.openxmlformats.org/drawingml/2006/compatibility" xmlns:p14="http://schemas.microsoft.com/office/powerpoint/2010/main" xmlns:p15="http://schemas.microsoft.com/office/powerpoint/2012/main" xmlns:ahyp="http://schemas.microsoft.com/office/drawing/2018/hyperlinkcolor">
-  <p:cSld>
-    <p:spTree>
-      <p:nvGrpSpPr>
-        <p:cNvPr id="130" name="Shape 130"/>
-        <p:cNvGrpSpPr/>
-        <p:nvPr/>
-      </p:nvGrpSpPr>
-      <p:grpSpPr>
-        <a:xfrm>
-          <a:off x="0" y="0"/>
-          <a:ext cx="0" cy="0"/>
-          <a:chOff x="0" y="0"/>
-          <a:chExt cx="0" cy="0"/>
-        </a:xfrm>
-      </p:grpSpPr>
-      <p:sp>
-        <p:nvSpPr>
-          <p:cNvPr id="131" name="Google Shape;131;p21"/>
+          <p:cNvPr id="135" name="Google Shape;135;p22"/>
           <p:cNvSpPr txBox="1"/>
           <p:nvPr/>
         </p:nvSpPr>
@@ -11359,7 +7289,7 @@
       </p:sp>
       <p:graphicFrame>
         <p:nvGraphicFramePr>
-          <p:cNvPr id="132" name="Google Shape;132;p21"/>
+          <p:cNvPr id="136" name="Google Shape;136;p22"/>
           <p:cNvGraphicFramePr/>
           <p:nvPr/>
         </p:nvGraphicFramePr>
@@ -11372,7 +7302,7 @@
             <a:tbl>
               <a:tblPr>
                 <a:noFill/>
-                <a:tableStyleId>{D80482C0-9F0F-453C-9C92-3DE88B0EB8A3}</a:tableStyleId>
+                <a:tableStyleId>{1F53ED7C-12BB-417E-A5D5-D89BF7851ED0}</a:tableStyleId>
               </a:tblPr>
               <a:tblGrid>
                 <a:gridCol w="339025"/>
@@ -13119,7 +9049,7 @@
       </p:graphicFrame>
       <p:sp>
         <p:nvSpPr>
-          <p:cNvPr id="133" name="Google Shape;133;p21"/>
+          <p:cNvPr id="137" name="Google Shape;137;p22"/>
           <p:cNvSpPr txBox="1"/>
           <p:nvPr/>
         </p:nvSpPr>
@@ -13209,7 +9139,4339 @@
 </p:sld>
 </file>
 
+<file path=ppt/slides/slide11.xml><?xml version="1.0" encoding="utf-8"?>
+<p:sld xmlns:a="http://schemas.openxmlformats.org/drawingml/2006/main" xmlns:r="http://schemas.openxmlformats.org/officeDocument/2006/relationships" xmlns:mc="http://schemas.openxmlformats.org/markup-compatibility/2006" xmlns:mv="urn:schemas-microsoft-com:mac:vml" xmlns:p="http://schemas.openxmlformats.org/presentationml/2006/main" xmlns:c="http://schemas.openxmlformats.org/drawingml/2006/chart" xmlns:dgm="http://schemas.openxmlformats.org/drawingml/2006/diagram" xmlns:o="urn:schemas-microsoft-com:office:office" xmlns:v="urn:schemas-microsoft-com:vml" xmlns:pvml="urn:schemas-microsoft-com:office:powerpoint" xmlns:com="http://schemas.openxmlformats.org/drawingml/2006/compatibility" xmlns:p14="http://schemas.microsoft.com/office/powerpoint/2010/main" xmlns:p15="http://schemas.microsoft.com/office/powerpoint/2012/main" xmlns:ahyp="http://schemas.microsoft.com/office/drawing/2018/hyperlinkcolor">
+  <p:cSld>
+    <p:spTree>
+      <p:nvGrpSpPr>
+        <p:cNvPr id="141" name="Shape 141"/>
+        <p:cNvGrpSpPr/>
+        <p:nvPr/>
+      </p:nvGrpSpPr>
+      <p:grpSpPr>
+        <a:xfrm>
+          <a:off x="0" y="0"/>
+          <a:ext cx="0" cy="0"/>
+          <a:chOff x="0" y="0"/>
+          <a:chExt cx="0" cy="0"/>
+        </a:xfrm>
+      </p:grpSpPr>
+      <p:sp>
+        <p:nvSpPr>
+          <p:cNvPr id="142" name="Google Shape;142;p23"/>
+          <p:cNvSpPr/>
+          <p:nvPr/>
+        </p:nvSpPr>
+        <p:spPr>
+          <a:xfrm>
+            <a:off x="4650075" y="1674625"/>
+            <a:ext cx="3259500" cy="3110100"/>
+          </a:xfrm>
+          <a:prstGeom prst="roundRect">
+            <a:avLst>
+              <a:gd fmla="val 16667" name="adj"/>
+            </a:avLst>
+          </a:prstGeom>
+          <a:solidFill>
+            <a:schemeClr val="dk1"/>
+          </a:solidFill>
+          <a:ln cap="flat" cmpd="sng" w="9525">
+            <a:solidFill>
+              <a:schemeClr val="dk2"/>
+            </a:solidFill>
+            <a:prstDash val="solid"/>
+            <a:round/>
+            <a:headEnd len="sm" w="sm" type="none"/>
+            <a:tailEnd len="sm" w="sm" type="none"/>
+          </a:ln>
+        </p:spPr>
+        <p:txBody>
+          <a:bodyPr anchorCtr="0" anchor="ctr" bIns="91425" lIns="91425" spcFirstLastPara="1" rIns="91425" wrap="square" tIns="91425">
+            <a:noAutofit/>
+          </a:bodyPr>
+          <a:lstStyle/>
+          <a:p>
+            <a:pPr indent="0" lvl="0" marL="0" rtl="0" algn="l">
+              <a:spcBef>
+                <a:spcPts val="0"/>
+              </a:spcBef>
+              <a:spcAft>
+                <a:spcPts val="0"/>
+              </a:spcAft>
+              <a:buNone/>
+            </a:pPr>
+            <a:r>
+              <a:t/>
+            </a:r>
+            <a:endParaRPr/>
+          </a:p>
+        </p:txBody>
+      </p:sp>
+      <p:sp>
+        <p:nvSpPr>
+          <p:cNvPr id="143" name="Google Shape;143;p23"/>
+          <p:cNvSpPr/>
+          <p:nvPr/>
+        </p:nvSpPr>
+        <p:spPr>
+          <a:xfrm>
+            <a:off x="67275" y="3850"/>
+            <a:ext cx="3962400" cy="3110100"/>
+          </a:xfrm>
+          <a:prstGeom prst="roundRect">
+            <a:avLst>
+              <a:gd fmla="val 16667" name="adj"/>
+            </a:avLst>
+          </a:prstGeom>
+          <a:solidFill>
+            <a:schemeClr val="dk1"/>
+          </a:solidFill>
+          <a:ln cap="flat" cmpd="sng" w="9525">
+            <a:solidFill>
+              <a:schemeClr val="dk2"/>
+            </a:solidFill>
+            <a:prstDash val="solid"/>
+            <a:round/>
+            <a:headEnd len="sm" w="sm" type="none"/>
+            <a:tailEnd len="sm" w="sm" type="none"/>
+          </a:ln>
+        </p:spPr>
+        <p:txBody>
+          <a:bodyPr anchorCtr="0" anchor="ctr" bIns="91425" lIns="91425" spcFirstLastPara="1" rIns="91425" wrap="square" tIns="91425">
+            <a:noAutofit/>
+          </a:bodyPr>
+          <a:lstStyle/>
+          <a:p>
+            <a:pPr indent="0" lvl="0" marL="0" rtl="0" algn="l">
+              <a:spcBef>
+                <a:spcPts val="0"/>
+              </a:spcBef>
+              <a:spcAft>
+                <a:spcPts val="0"/>
+              </a:spcAft>
+              <a:buNone/>
+            </a:pPr>
+            <a:r>
+              <a:t/>
+            </a:r>
+            <a:endParaRPr/>
+          </a:p>
+        </p:txBody>
+      </p:sp>
+      <p:pic>
+        <p:nvPicPr>
+          <p:cNvPr id="144" name="Google Shape;144;p23"/>
+          <p:cNvPicPr preferRelativeResize="0"/>
+          <p:nvPr/>
+        </p:nvPicPr>
+        <p:blipFill>
+          <a:blip r:embed="rId3">
+            <a:alphaModFix/>
+          </a:blip>
+          <a:stretch>
+            <a:fillRect/>
+          </a:stretch>
+        </p:blipFill>
+        <p:spPr>
+          <a:xfrm>
+            <a:off x="152400" y="152400"/>
+            <a:ext cx="3657600" cy="2495550"/>
+          </a:xfrm>
+          <a:prstGeom prst="rect">
+            <a:avLst/>
+          </a:prstGeom>
+          <a:noFill/>
+          <a:ln>
+            <a:noFill/>
+          </a:ln>
+        </p:spPr>
+      </p:pic>
+      <p:sp>
+        <p:nvSpPr>
+          <p:cNvPr id="145" name="Google Shape;145;p23"/>
+          <p:cNvSpPr txBox="1"/>
+          <p:nvPr/>
+        </p:nvSpPr>
+        <p:spPr>
+          <a:xfrm>
+            <a:off x="1151400" y="2713775"/>
+            <a:ext cx="1659600" cy="400200"/>
+          </a:xfrm>
+          <a:prstGeom prst="rect">
+            <a:avLst/>
+          </a:prstGeom>
+          <a:noFill/>
+          <a:ln>
+            <a:noFill/>
+          </a:ln>
+        </p:spPr>
+        <p:txBody>
+          <a:bodyPr anchorCtr="0" anchor="t" bIns="91425" lIns="91425" spcFirstLastPara="1" rIns="91425" wrap="square" tIns="91425">
+            <a:spAutoFit/>
+          </a:bodyPr>
+          <a:lstStyle/>
+          <a:p>
+            <a:pPr indent="0" lvl="0" marL="0" rtl="0" algn="l">
+              <a:spcBef>
+                <a:spcPts val="0"/>
+              </a:spcBef>
+              <a:spcAft>
+                <a:spcPts val="0"/>
+              </a:spcAft>
+              <a:buNone/>
+            </a:pPr>
+            <a:r>
+              <a:rPr lang="en">
+                <a:latin typeface="Roboto"/>
+                <a:ea typeface="Roboto"/>
+                <a:cs typeface="Roboto"/>
+                <a:sym typeface="Roboto"/>
+              </a:rPr>
+              <a:t>Log Reg</a:t>
+            </a:r>
+            <a:endParaRPr>
+              <a:latin typeface="Roboto"/>
+              <a:ea typeface="Roboto"/>
+              <a:cs typeface="Roboto"/>
+              <a:sym typeface="Roboto"/>
+            </a:endParaRPr>
+          </a:p>
+        </p:txBody>
+      </p:sp>
+      <p:pic>
+        <p:nvPicPr>
+          <p:cNvPr id="146" name="Google Shape;146;p23"/>
+          <p:cNvPicPr preferRelativeResize="0"/>
+          <p:nvPr/>
+        </p:nvPicPr>
+        <p:blipFill>
+          <a:blip r:embed="rId4">
+            <a:alphaModFix/>
+          </a:blip>
+          <a:stretch>
+            <a:fillRect/>
+          </a:stretch>
+        </p:blipFill>
+        <p:spPr>
+          <a:xfrm>
+            <a:off x="4769800" y="1789650"/>
+            <a:ext cx="2789502" cy="2613725"/>
+          </a:xfrm>
+          <a:prstGeom prst="rect">
+            <a:avLst/>
+          </a:prstGeom>
+          <a:noFill/>
+          <a:ln>
+            <a:noFill/>
+          </a:ln>
+        </p:spPr>
+      </p:pic>
+      <p:sp>
+        <p:nvSpPr>
+          <p:cNvPr id="147" name="Google Shape;147;p23"/>
+          <p:cNvSpPr txBox="1"/>
+          <p:nvPr/>
+        </p:nvSpPr>
+        <p:spPr>
+          <a:xfrm>
+            <a:off x="4877250" y="4346450"/>
+            <a:ext cx="1659600" cy="400200"/>
+          </a:xfrm>
+          <a:prstGeom prst="rect">
+            <a:avLst/>
+          </a:prstGeom>
+          <a:noFill/>
+          <a:ln>
+            <a:noFill/>
+          </a:ln>
+        </p:spPr>
+        <p:txBody>
+          <a:bodyPr anchorCtr="0" anchor="t" bIns="91425" lIns="91425" spcFirstLastPara="1" rIns="91425" wrap="square" tIns="91425">
+            <a:spAutoFit/>
+          </a:bodyPr>
+          <a:lstStyle/>
+          <a:p>
+            <a:pPr indent="0" lvl="0" marL="0" rtl="0" algn="l">
+              <a:spcBef>
+                <a:spcPts val="0"/>
+              </a:spcBef>
+              <a:spcAft>
+                <a:spcPts val="0"/>
+              </a:spcAft>
+              <a:buNone/>
+            </a:pPr>
+            <a:r>
+              <a:rPr lang="en">
+                <a:latin typeface="Roboto"/>
+                <a:ea typeface="Roboto"/>
+                <a:cs typeface="Roboto"/>
+                <a:sym typeface="Roboto"/>
+              </a:rPr>
+              <a:t>Confusion matrix</a:t>
+            </a:r>
+            <a:endParaRPr>
+              <a:latin typeface="Roboto"/>
+              <a:ea typeface="Roboto"/>
+              <a:cs typeface="Roboto"/>
+              <a:sym typeface="Roboto"/>
+            </a:endParaRPr>
+          </a:p>
+        </p:txBody>
+      </p:sp>
+      <p:sp>
+        <p:nvSpPr>
+          <p:cNvPr id="148" name="Google Shape;148;p23"/>
+          <p:cNvSpPr txBox="1"/>
+          <p:nvPr/>
+        </p:nvSpPr>
+        <p:spPr>
+          <a:xfrm>
+            <a:off x="2493900" y="293975"/>
+            <a:ext cx="1316100" cy="323100"/>
+          </a:xfrm>
+          <a:prstGeom prst="rect">
+            <a:avLst/>
+          </a:prstGeom>
+          <a:noFill/>
+          <a:ln>
+            <a:noFill/>
+          </a:ln>
+        </p:spPr>
+        <p:txBody>
+          <a:bodyPr anchorCtr="0" anchor="t" bIns="91425" lIns="91425" spcFirstLastPara="1" rIns="91425" wrap="square" tIns="91425">
+            <a:spAutoFit/>
+          </a:bodyPr>
+          <a:lstStyle/>
+          <a:p>
+            <a:pPr indent="0" lvl="0" marL="0" rtl="0" algn="l">
+              <a:spcBef>
+                <a:spcPts val="0"/>
+              </a:spcBef>
+              <a:spcAft>
+                <a:spcPts val="0"/>
+              </a:spcAft>
+              <a:buNone/>
+            </a:pPr>
+            <a:r>
+              <a:rPr lang="en" sz="900">
+                <a:latin typeface="Roboto"/>
+                <a:ea typeface="Roboto"/>
+                <a:cs typeface="Roboto"/>
+                <a:sym typeface="Roboto"/>
+              </a:rPr>
+              <a:t>G</a:t>
+            </a:r>
+            <a:r>
+              <a:rPr lang="en" sz="900">
+                <a:latin typeface="Roboto"/>
+                <a:ea typeface="Roboto"/>
+                <a:cs typeface="Roboto"/>
+                <a:sym typeface="Roboto"/>
+              </a:rPr>
+              <a:t>reen for purchase=1</a:t>
+            </a:r>
+            <a:endParaRPr sz="900">
+              <a:latin typeface="Roboto"/>
+              <a:ea typeface="Roboto"/>
+              <a:cs typeface="Roboto"/>
+              <a:sym typeface="Roboto"/>
+            </a:endParaRPr>
+          </a:p>
+        </p:txBody>
+      </p:sp>
+    </p:spTree>
+  </p:cSld>
+  <p:clrMapOvr>
+    <a:masterClrMapping/>
+  </p:clrMapOvr>
+</p:sld>
+</file>
+
+<file path=ppt/slides/slide2.xml><?xml version="1.0" encoding="utf-8"?>
+<p:sld xmlns:a="http://schemas.openxmlformats.org/drawingml/2006/main" xmlns:r="http://schemas.openxmlformats.org/officeDocument/2006/relationships" xmlns:mc="http://schemas.openxmlformats.org/markup-compatibility/2006" xmlns:mv="urn:schemas-microsoft-com:mac:vml" xmlns:p="http://schemas.openxmlformats.org/presentationml/2006/main" xmlns:c="http://schemas.openxmlformats.org/drawingml/2006/chart" xmlns:dgm="http://schemas.openxmlformats.org/drawingml/2006/diagram" xmlns:o="urn:schemas-microsoft-com:office:office" xmlns:v="urn:schemas-microsoft-com:vml" xmlns:pvml="urn:schemas-microsoft-com:office:powerpoint" xmlns:com="http://schemas.openxmlformats.org/drawingml/2006/compatibility" xmlns:p14="http://schemas.microsoft.com/office/powerpoint/2010/main" xmlns:p15="http://schemas.microsoft.com/office/powerpoint/2012/main" xmlns:ahyp="http://schemas.microsoft.com/office/drawing/2018/hyperlinkcolor">
+  <p:cSld>
+    <p:spTree>
+      <p:nvGrpSpPr>
+        <p:cNvPr id="68" name="Shape 68"/>
+        <p:cNvGrpSpPr/>
+        <p:nvPr/>
+      </p:nvGrpSpPr>
+      <p:grpSpPr>
+        <a:xfrm>
+          <a:off x="0" y="0"/>
+          <a:ext cx="0" cy="0"/>
+          <a:chOff x="0" y="0"/>
+          <a:chExt cx="0" cy="0"/>
+        </a:xfrm>
+      </p:grpSpPr>
+      <p:sp>
+        <p:nvSpPr>
+          <p:cNvPr id="69" name="Google Shape;69;p14"/>
+          <p:cNvSpPr txBox="1"/>
+          <p:nvPr/>
+        </p:nvSpPr>
+        <p:spPr>
+          <a:xfrm>
+            <a:off x="3513725" y="471000"/>
+            <a:ext cx="2631600" cy="446400"/>
+          </a:xfrm>
+          <a:prstGeom prst="rect">
+            <a:avLst/>
+          </a:prstGeom>
+          <a:noFill/>
+          <a:ln>
+            <a:noFill/>
+          </a:ln>
+        </p:spPr>
+        <p:txBody>
+          <a:bodyPr anchorCtr="0" anchor="t" bIns="91425" lIns="91425" spcFirstLastPara="1" rIns="91425" wrap="square" tIns="91425">
+            <a:spAutoFit/>
+          </a:bodyPr>
+          <a:lstStyle/>
+          <a:p>
+            <a:pPr indent="0" lvl="0" marL="0" rtl="0" algn="l">
+              <a:spcBef>
+                <a:spcPts val="0"/>
+              </a:spcBef>
+              <a:spcAft>
+                <a:spcPts val="0"/>
+              </a:spcAft>
+              <a:buNone/>
+            </a:pPr>
+            <a:r>
+              <a:rPr lang="en" sz="1700">
+                <a:solidFill>
+                  <a:schemeClr val="dk1"/>
+                </a:solidFill>
+                <a:latin typeface="Roboto"/>
+                <a:ea typeface="Roboto"/>
+                <a:cs typeface="Roboto"/>
+                <a:sym typeface="Roboto"/>
+              </a:rPr>
+              <a:t>Analysis 1</a:t>
+            </a:r>
+            <a:endParaRPr sz="1700">
+              <a:solidFill>
+                <a:schemeClr val="dk1"/>
+              </a:solidFill>
+              <a:latin typeface="Roboto"/>
+              <a:ea typeface="Roboto"/>
+              <a:cs typeface="Roboto"/>
+              <a:sym typeface="Roboto"/>
+            </a:endParaRPr>
+          </a:p>
+        </p:txBody>
+      </p:sp>
+      <p:sp>
+        <p:nvSpPr>
+          <p:cNvPr id="70" name="Google Shape;70;p14"/>
+          <p:cNvSpPr txBox="1"/>
+          <p:nvPr/>
+        </p:nvSpPr>
+        <p:spPr>
+          <a:xfrm>
+            <a:off x="1854050" y="792450"/>
+            <a:ext cx="889800" cy="400200"/>
+          </a:xfrm>
+          <a:prstGeom prst="rect">
+            <a:avLst/>
+          </a:prstGeom>
+          <a:noFill/>
+          <a:ln>
+            <a:noFill/>
+          </a:ln>
+        </p:spPr>
+        <p:txBody>
+          <a:bodyPr anchorCtr="0" anchor="t" bIns="91425" lIns="91425" spcFirstLastPara="1" rIns="91425" wrap="square" tIns="91425">
+            <a:spAutoFit/>
+          </a:bodyPr>
+          <a:lstStyle/>
+          <a:p>
+            <a:pPr indent="0" lvl="0" marL="0" rtl="0" algn="l">
+              <a:spcBef>
+                <a:spcPts val="0"/>
+              </a:spcBef>
+              <a:spcAft>
+                <a:spcPts val="0"/>
+              </a:spcAft>
+              <a:buNone/>
+            </a:pPr>
+            <a:r>
+              <a:t/>
+            </a:r>
+            <a:endParaRPr>
+              <a:solidFill>
+                <a:schemeClr val="dk1"/>
+              </a:solidFill>
+              <a:latin typeface="Roboto"/>
+              <a:ea typeface="Roboto"/>
+              <a:cs typeface="Roboto"/>
+              <a:sym typeface="Roboto"/>
+            </a:endParaRPr>
+          </a:p>
+        </p:txBody>
+      </p:sp>
+      <p:sp>
+        <p:nvSpPr>
+          <p:cNvPr id="71" name="Google Shape;71;p14"/>
+          <p:cNvSpPr txBox="1"/>
+          <p:nvPr/>
+        </p:nvSpPr>
+        <p:spPr>
+          <a:xfrm>
+            <a:off x="2840875" y="953288"/>
+            <a:ext cx="3797700" cy="1693200"/>
+          </a:xfrm>
+          <a:prstGeom prst="rect">
+            <a:avLst/>
+          </a:prstGeom>
+          <a:noFill/>
+          <a:ln>
+            <a:noFill/>
+          </a:ln>
+        </p:spPr>
+        <p:txBody>
+          <a:bodyPr anchorCtr="0" anchor="t" bIns="91425" lIns="91425" spcFirstLastPara="1" rIns="91425" wrap="square" tIns="91425">
+            <a:spAutoFit/>
+          </a:bodyPr>
+          <a:lstStyle/>
+          <a:p>
+            <a:pPr indent="0" lvl="0" marL="0" rtl="0" algn="l">
+              <a:spcBef>
+                <a:spcPts val="0"/>
+              </a:spcBef>
+              <a:spcAft>
+                <a:spcPts val="0"/>
+              </a:spcAft>
+              <a:buNone/>
+            </a:pPr>
+            <a:r>
+              <a:rPr lang="en">
+                <a:solidFill>
+                  <a:schemeClr val="dk1"/>
+                </a:solidFill>
+                <a:latin typeface="Roboto"/>
+                <a:ea typeface="Roboto"/>
+                <a:cs typeface="Roboto"/>
+                <a:sym typeface="Roboto"/>
+              </a:rPr>
+              <a:t>Dataset</a:t>
+            </a:r>
+            <a:endParaRPr>
+              <a:solidFill>
+                <a:schemeClr val="dk1"/>
+              </a:solidFill>
+              <a:latin typeface="Roboto"/>
+              <a:ea typeface="Roboto"/>
+              <a:cs typeface="Roboto"/>
+              <a:sym typeface="Roboto"/>
+            </a:endParaRPr>
+          </a:p>
+          <a:p>
+            <a:pPr indent="-317500" lvl="0" marL="457200" marR="0" rtl="0" algn="l">
+              <a:lnSpc>
+                <a:spcPct val="100000"/>
+              </a:lnSpc>
+              <a:spcBef>
+                <a:spcPts val="0"/>
+              </a:spcBef>
+              <a:spcAft>
+                <a:spcPts val="0"/>
+              </a:spcAft>
+              <a:buClr>
+                <a:schemeClr val="dk1"/>
+              </a:buClr>
+              <a:buSzPts val="1400"/>
+              <a:buFont typeface="Roboto"/>
+              <a:buChar char="●"/>
+            </a:pPr>
+            <a:r>
+              <a:rPr lang="en">
+                <a:solidFill>
+                  <a:schemeClr val="dk1"/>
+                </a:solidFill>
+                <a:latin typeface="Roboto"/>
+                <a:ea typeface="Roboto"/>
+                <a:cs typeface="Roboto"/>
+                <a:sym typeface="Roboto"/>
+              </a:rPr>
+              <a:t>wine quality dataset from </a:t>
+            </a:r>
+            <a:r>
+              <a:rPr lang="en" u="sng">
+                <a:solidFill>
+                  <a:schemeClr val="hlink"/>
+                </a:solidFill>
+                <a:latin typeface="Roboto"/>
+                <a:ea typeface="Roboto"/>
+                <a:cs typeface="Roboto"/>
+                <a:sym typeface="Roboto"/>
+                <a:hlinkClick r:id="rId3"/>
+              </a:rPr>
+              <a:t>Kaggle</a:t>
+            </a:r>
+            <a:endParaRPr>
+              <a:solidFill>
+                <a:schemeClr val="dk1"/>
+              </a:solidFill>
+              <a:latin typeface="Roboto"/>
+              <a:ea typeface="Roboto"/>
+              <a:cs typeface="Roboto"/>
+              <a:sym typeface="Roboto"/>
+            </a:endParaRPr>
+          </a:p>
+          <a:p>
+            <a:pPr indent="-317500" lvl="0" marL="457200" marR="0" rtl="0" algn="l">
+              <a:lnSpc>
+                <a:spcPct val="100000"/>
+              </a:lnSpc>
+              <a:spcBef>
+                <a:spcPts val="0"/>
+              </a:spcBef>
+              <a:spcAft>
+                <a:spcPts val="0"/>
+              </a:spcAft>
+              <a:buClr>
+                <a:schemeClr val="dk1"/>
+              </a:buClr>
+              <a:buSzPts val="1400"/>
+              <a:buFont typeface="Roboto"/>
+              <a:buChar char="●"/>
+            </a:pPr>
+            <a:r>
+              <a:rPr lang="en">
+                <a:solidFill>
+                  <a:schemeClr val="dk1"/>
+                </a:solidFill>
+                <a:latin typeface="Roboto"/>
+                <a:ea typeface="Roboto"/>
+                <a:cs typeface="Roboto"/>
+                <a:sym typeface="Roboto"/>
+              </a:rPr>
+              <a:t>Target variable: wine quality (3-8 rank)</a:t>
+            </a:r>
+            <a:endParaRPr>
+              <a:solidFill>
+                <a:schemeClr val="dk1"/>
+              </a:solidFill>
+              <a:latin typeface="Roboto"/>
+              <a:ea typeface="Roboto"/>
+              <a:cs typeface="Roboto"/>
+              <a:sym typeface="Roboto"/>
+            </a:endParaRPr>
+          </a:p>
+          <a:p>
+            <a:pPr indent="-317500" lvl="0" marL="457200" marR="0" rtl="0" algn="l">
+              <a:lnSpc>
+                <a:spcPct val="100000"/>
+              </a:lnSpc>
+              <a:spcBef>
+                <a:spcPts val="0"/>
+              </a:spcBef>
+              <a:spcAft>
+                <a:spcPts val="0"/>
+              </a:spcAft>
+              <a:buClr>
+                <a:schemeClr val="dk1"/>
+              </a:buClr>
+              <a:buSzPts val="1400"/>
+              <a:buFont typeface="Roboto"/>
+              <a:buChar char="●"/>
+            </a:pPr>
+            <a:r>
+              <a:rPr lang="en">
+                <a:solidFill>
+                  <a:schemeClr val="dk1"/>
+                </a:solidFill>
+                <a:latin typeface="Roboto"/>
+                <a:ea typeface="Roboto"/>
+                <a:cs typeface="Roboto"/>
+                <a:sym typeface="Roboto"/>
+              </a:rPr>
+              <a:t>Classifier variables: </a:t>
+            </a:r>
+            <a:endParaRPr>
+              <a:solidFill>
+                <a:schemeClr val="dk1"/>
+              </a:solidFill>
+              <a:latin typeface="Roboto"/>
+              <a:ea typeface="Roboto"/>
+              <a:cs typeface="Roboto"/>
+              <a:sym typeface="Roboto"/>
+            </a:endParaRPr>
+          </a:p>
+          <a:p>
+            <a:pPr indent="0" lvl="0" marL="0" marR="0" rtl="0" algn="l">
+              <a:lnSpc>
+                <a:spcPct val="100000"/>
+              </a:lnSpc>
+              <a:spcBef>
+                <a:spcPts val="0"/>
+              </a:spcBef>
+              <a:spcAft>
+                <a:spcPts val="0"/>
+              </a:spcAft>
+              <a:buNone/>
+            </a:pPr>
+            <a:r>
+              <a:rPr lang="en">
+                <a:solidFill>
+                  <a:schemeClr val="dk1"/>
+                </a:solidFill>
+                <a:latin typeface="Roboto"/>
+                <a:ea typeface="Roboto"/>
+                <a:cs typeface="Roboto"/>
+                <a:sym typeface="Roboto"/>
+              </a:rPr>
+              <a:t>acidity parameters, PH, sulfates, sugar, chlorides &amp; alcohol content</a:t>
+            </a:r>
+            <a:endParaRPr>
+              <a:solidFill>
+                <a:schemeClr val="dk1"/>
+              </a:solidFill>
+              <a:latin typeface="Roboto"/>
+              <a:ea typeface="Roboto"/>
+              <a:cs typeface="Roboto"/>
+              <a:sym typeface="Roboto"/>
+            </a:endParaRPr>
+          </a:p>
+          <a:p>
+            <a:pPr indent="-317500" lvl="0" marL="457200" marR="0" rtl="0" algn="l">
+              <a:lnSpc>
+                <a:spcPct val="100000"/>
+              </a:lnSpc>
+              <a:spcBef>
+                <a:spcPts val="0"/>
+              </a:spcBef>
+              <a:spcAft>
+                <a:spcPts val="0"/>
+              </a:spcAft>
+              <a:buClr>
+                <a:schemeClr val="dk1"/>
+              </a:buClr>
+              <a:buSzPts val="1400"/>
+              <a:buFont typeface="Roboto"/>
+              <a:buChar char="●"/>
+            </a:pPr>
+            <a:r>
+              <a:rPr lang="en">
+                <a:solidFill>
+                  <a:schemeClr val="dk1"/>
+                </a:solidFill>
+                <a:latin typeface="Roboto"/>
+                <a:ea typeface="Roboto"/>
+                <a:cs typeface="Roboto"/>
+                <a:sym typeface="Roboto"/>
+              </a:rPr>
+              <a:t>1599*12</a:t>
+            </a:r>
+            <a:endParaRPr>
+              <a:solidFill>
+                <a:schemeClr val="dk1"/>
+              </a:solidFill>
+              <a:latin typeface="Roboto"/>
+              <a:ea typeface="Roboto"/>
+              <a:cs typeface="Roboto"/>
+              <a:sym typeface="Roboto"/>
+            </a:endParaRPr>
+          </a:p>
+        </p:txBody>
+      </p:sp>
+      <p:sp>
+        <p:nvSpPr>
+          <p:cNvPr id="72" name="Google Shape;72;p14"/>
+          <p:cNvSpPr txBox="1"/>
+          <p:nvPr/>
+        </p:nvSpPr>
+        <p:spPr>
+          <a:xfrm>
+            <a:off x="3027775" y="3080525"/>
+            <a:ext cx="3760500" cy="1046700"/>
+          </a:xfrm>
+          <a:prstGeom prst="rect">
+            <a:avLst/>
+          </a:prstGeom>
+          <a:noFill/>
+          <a:ln>
+            <a:noFill/>
+          </a:ln>
+        </p:spPr>
+        <p:txBody>
+          <a:bodyPr anchorCtr="0" anchor="t" bIns="91425" lIns="91425" spcFirstLastPara="1" rIns="91425" wrap="square" tIns="91425">
+            <a:spAutoFit/>
+          </a:bodyPr>
+          <a:lstStyle/>
+          <a:p>
+            <a:pPr indent="-317500" lvl="0" marL="457200" marR="0" rtl="0" algn="l">
+              <a:lnSpc>
+                <a:spcPct val="100000"/>
+              </a:lnSpc>
+              <a:spcBef>
+                <a:spcPts val="0"/>
+              </a:spcBef>
+              <a:spcAft>
+                <a:spcPts val="0"/>
+              </a:spcAft>
+              <a:buClr>
+                <a:schemeClr val="dk1"/>
+              </a:buClr>
+              <a:buSzPts val="1400"/>
+              <a:buFont typeface="Roboto"/>
+              <a:buChar char="●"/>
+            </a:pPr>
+            <a:r>
+              <a:rPr lang="en">
+                <a:solidFill>
+                  <a:schemeClr val="dk1"/>
+                </a:solidFill>
+                <a:latin typeface="Roboto"/>
+                <a:ea typeface="Roboto"/>
+                <a:cs typeface="Roboto"/>
+                <a:sym typeface="Roboto"/>
+              </a:rPr>
+              <a:t>Significance:</a:t>
+            </a:r>
+            <a:endParaRPr>
+              <a:solidFill>
+                <a:schemeClr val="dk1"/>
+              </a:solidFill>
+              <a:latin typeface="Roboto"/>
+              <a:ea typeface="Roboto"/>
+              <a:cs typeface="Roboto"/>
+              <a:sym typeface="Roboto"/>
+            </a:endParaRPr>
+          </a:p>
+          <a:p>
+            <a:pPr indent="0" lvl="0" marL="0" marR="0" rtl="0" algn="l">
+              <a:lnSpc>
+                <a:spcPct val="100000"/>
+              </a:lnSpc>
+              <a:spcBef>
+                <a:spcPts val="0"/>
+              </a:spcBef>
+              <a:spcAft>
+                <a:spcPts val="0"/>
+              </a:spcAft>
+              <a:buNone/>
+            </a:pPr>
+            <a:r>
+              <a:rPr lang="en">
+                <a:solidFill>
+                  <a:schemeClr val="dk1"/>
+                </a:solidFill>
+                <a:latin typeface="Roboto"/>
+                <a:ea typeface="Roboto"/>
+                <a:cs typeface="Roboto"/>
+                <a:sym typeface="Roboto"/>
+              </a:rPr>
+              <a:t>company can use this analysis to improve its wine products with the best quality, which affects market penetration</a:t>
+            </a:r>
+            <a:endParaRPr>
+              <a:solidFill>
+                <a:schemeClr val="dk1"/>
+              </a:solidFill>
+              <a:latin typeface="Roboto"/>
+              <a:ea typeface="Roboto"/>
+              <a:cs typeface="Roboto"/>
+              <a:sym typeface="Roboto"/>
+            </a:endParaRPr>
+          </a:p>
+        </p:txBody>
+      </p:sp>
+    </p:spTree>
+  </p:cSld>
+  <p:clrMapOvr>
+    <a:masterClrMapping/>
+  </p:clrMapOvr>
+</p:sld>
+</file>
+
+<file path=ppt/slides/slide3.xml><?xml version="1.0" encoding="utf-8"?>
+<p:sld xmlns:a="http://schemas.openxmlformats.org/drawingml/2006/main" xmlns:r="http://schemas.openxmlformats.org/officeDocument/2006/relationships" xmlns:mc="http://schemas.openxmlformats.org/markup-compatibility/2006" xmlns:mv="urn:schemas-microsoft-com:mac:vml" xmlns:p="http://schemas.openxmlformats.org/presentationml/2006/main" xmlns:c="http://schemas.openxmlformats.org/drawingml/2006/chart" xmlns:dgm="http://schemas.openxmlformats.org/drawingml/2006/diagram" xmlns:o="urn:schemas-microsoft-com:office:office" xmlns:v="urn:schemas-microsoft-com:vml" xmlns:pvml="urn:schemas-microsoft-com:office:powerpoint" xmlns:com="http://schemas.openxmlformats.org/drawingml/2006/compatibility" xmlns:p14="http://schemas.microsoft.com/office/powerpoint/2010/main" xmlns:p15="http://schemas.microsoft.com/office/powerpoint/2012/main" xmlns:ahyp="http://schemas.microsoft.com/office/drawing/2018/hyperlinkcolor">
+  <p:cSld>
+    <p:spTree>
+      <p:nvGrpSpPr>
+        <p:cNvPr id="76" name="Shape 76"/>
+        <p:cNvGrpSpPr/>
+        <p:nvPr/>
+      </p:nvGrpSpPr>
+      <p:grpSpPr>
+        <a:xfrm>
+          <a:off x="0" y="0"/>
+          <a:ext cx="0" cy="0"/>
+          <a:chOff x="0" y="0"/>
+          <a:chExt cx="0" cy="0"/>
+        </a:xfrm>
+      </p:grpSpPr>
+      <p:sp>
+        <p:nvSpPr>
+          <p:cNvPr id="77" name="Google Shape;77;p15"/>
+          <p:cNvSpPr txBox="1"/>
+          <p:nvPr/>
+        </p:nvSpPr>
+        <p:spPr>
+          <a:xfrm>
+            <a:off x="3513725" y="471000"/>
+            <a:ext cx="2631600" cy="446400"/>
+          </a:xfrm>
+          <a:prstGeom prst="rect">
+            <a:avLst/>
+          </a:prstGeom>
+          <a:noFill/>
+          <a:ln>
+            <a:noFill/>
+          </a:ln>
+        </p:spPr>
+        <p:txBody>
+          <a:bodyPr anchorCtr="0" anchor="t" bIns="91425" lIns="91425" spcFirstLastPara="1" rIns="91425" wrap="square" tIns="91425">
+            <a:spAutoFit/>
+          </a:bodyPr>
+          <a:lstStyle/>
+          <a:p>
+            <a:pPr indent="0" lvl="0" marL="0" rtl="0" algn="l">
+              <a:spcBef>
+                <a:spcPts val="0"/>
+              </a:spcBef>
+              <a:spcAft>
+                <a:spcPts val="0"/>
+              </a:spcAft>
+              <a:buNone/>
+            </a:pPr>
+            <a:r>
+              <a:rPr lang="en" sz="1700">
+                <a:solidFill>
+                  <a:schemeClr val="dk1"/>
+                </a:solidFill>
+                <a:latin typeface="Roboto"/>
+                <a:ea typeface="Roboto"/>
+                <a:cs typeface="Roboto"/>
+                <a:sym typeface="Roboto"/>
+              </a:rPr>
+              <a:t>Analysis Techniques</a:t>
+            </a:r>
+            <a:endParaRPr sz="1700">
+              <a:solidFill>
+                <a:schemeClr val="dk1"/>
+              </a:solidFill>
+              <a:latin typeface="Roboto"/>
+              <a:ea typeface="Roboto"/>
+              <a:cs typeface="Roboto"/>
+              <a:sym typeface="Roboto"/>
+            </a:endParaRPr>
+          </a:p>
+        </p:txBody>
+      </p:sp>
+      <p:sp>
+        <p:nvSpPr>
+          <p:cNvPr id="78" name="Google Shape;78;p15"/>
+          <p:cNvSpPr txBox="1"/>
+          <p:nvPr/>
+        </p:nvSpPr>
+        <p:spPr>
+          <a:xfrm>
+            <a:off x="1854050" y="792450"/>
+            <a:ext cx="889800" cy="400200"/>
+          </a:xfrm>
+          <a:prstGeom prst="rect">
+            <a:avLst/>
+          </a:prstGeom>
+          <a:noFill/>
+          <a:ln>
+            <a:noFill/>
+          </a:ln>
+        </p:spPr>
+        <p:txBody>
+          <a:bodyPr anchorCtr="0" anchor="t" bIns="91425" lIns="91425" spcFirstLastPara="1" rIns="91425" wrap="square" tIns="91425">
+            <a:spAutoFit/>
+          </a:bodyPr>
+          <a:lstStyle/>
+          <a:p>
+            <a:pPr indent="0" lvl="0" marL="0" rtl="0" algn="l">
+              <a:spcBef>
+                <a:spcPts val="0"/>
+              </a:spcBef>
+              <a:spcAft>
+                <a:spcPts val="0"/>
+              </a:spcAft>
+              <a:buNone/>
+            </a:pPr>
+            <a:r>
+              <a:t/>
+            </a:r>
+            <a:endParaRPr>
+              <a:solidFill>
+                <a:schemeClr val="dk1"/>
+              </a:solidFill>
+              <a:latin typeface="Roboto"/>
+              <a:ea typeface="Roboto"/>
+              <a:cs typeface="Roboto"/>
+              <a:sym typeface="Roboto"/>
+            </a:endParaRPr>
+          </a:p>
+        </p:txBody>
+      </p:sp>
+      <p:sp>
+        <p:nvSpPr>
+          <p:cNvPr id="79" name="Google Shape;79;p15"/>
+          <p:cNvSpPr txBox="1"/>
+          <p:nvPr/>
+        </p:nvSpPr>
+        <p:spPr>
+          <a:xfrm>
+            <a:off x="1898900" y="889650"/>
+            <a:ext cx="4209000" cy="2986200"/>
+          </a:xfrm>
+          <a:prstGeom prst="rect">
+            <a:avLst/>
+          </a:prstGeom>
+          <a:noFill/>
+          <a:ln>
+            <a:noFill/>
+          </a:ln>
+        </p:spPr>
+        <p:txBody>
+          <a:bodyPr anchorCtr="0" anchor="t" bIns="91425" lIns="91425" spcFirstLastPara="1" rIns="91425" wrap="square" tIns="91425">
+            <a:spAutoFit/>
+          </a:bodyPr>
+          <a:lstStyle/>
+          <a:p>
+            <a:pPr indent="-317500" lvl="0" marL="457200" rtl="0" algn="l">
+              <a:spcBef>
+                <a:spcPts val="0"/>
+              </a:spcBef>
+              <a:spcAft>
+                <a:spcPts val="0"/>
+              </a:spcAft>
+              <a:buClr>
+                <a:schemeClr val="dk1"/>
+              </a:buClr>
+              <a:buSzPts val="1400"/>
+              <a:buFont typeface="Roboto"/>
+              <a:buChar char="●"/>
+            </a:pPr>
+            <a:r>
+              <a:rPr lang="en">
+                <a:solidFill>
+                  <a:schemeClr val="dk1"/>
+                </a:solidFill>
+                <a:latin typeface="Roboto"/>
+                <a:ea typeface="Roboto"/>
+                <a:cs typeface="Roboto"/>
+                <a:sym typeface="Roboto"/>
+              </a:rPr>
+              <a:t>Three level of wine quality </a:t>
+            </a:r>
+            <a:r>
+              <a:rPr lang="en">
+                <a:solidFill>
+                  <a:schemeClr val="dk1"/>
+                </a:solidFill>
+                <a:latin typeface="Roboto"/>
+                <a:ea typeface="Roboto"/>
+                <a:cs typeface="Roboto"/>
+                <a:sym typeface="Roboto"/>
+              </a:rPr>
+              <a:t>quality</a:t>
+            </a:r>
+            <a:endParaRPr>
+              <a:solidFill>
+                <a:schemeClr val="dk1"/>
+              </a:solidFill>
+              <a:latin typeface="Roboto"/>
+              <a:ea typeface="Roboto"/>
+              <a:cs typeface="Roboto"/>
+              <a:sym typeface="Roboto"/>
+            </a:endParaRPr>
+          </a:p>
+          <a:p>
+            <a:pPr indent="0" lvl="0" marL="0" rtl="0" algn="l">
+              <a:spcBef>
+                <a:spcPts val="0"/>
+              </a:spcBef>
+              <a:spcAft>
+                <a:spcPts val="0"/>
+              </a:spcAft>
+              <a:buNone/>
+            </a:pPr>
+            <a:r>
+              <a:rPr lang="en">
+                <a:solidFill>
+                  <a:schemeClr val="dk1"/>
+                </a:solidFill>
+                <a:latin typeface="Roboto"/>
+                <a:ea typeface="Roboto"/>
+                <a:cs typeface="Roboto"/>
+                <a:sym typeface="Roboto"/>
+              </a:rPr>
+              <a:t>0- bad (3 &amp; 4 -initial ranking)</a:t>
+            </a:r>
+            <a:endParaRPr>
+              <a:solidFill>
+                <a:schemeClr val="dk1"/>
+              </a:solidFill>
+              <a:latin typeface="Roboto"/>
+              <a:ea typeface="Roboto"/>
+              <a:cs typeface="Roboto"/>
+              <a:sym typeface="Roboto"/>
+            </a:endParaRPr>
+          </a:p>
+          <a:p>
+            <a:pPr indent="0" lvl="0" marL="0" rtl="0" algn="l">
+              <a:spcBef>
+                <a:spcPts val="0"/>
+              </a:spcBef>
+              <a:spcAft>
+                <a:spcPts val="0"/>
+              </a:spcAft>
+              <a:buNone/>
+            </a:pPr>
+            <a:r>
+              <a:rPr lang="en">
+                <a:solidFill>
+                  <a:schemeClr val="dk1"/>
+                </a:solidFill>
+                <a:latin typeface="Roboto"/>
+                <a:ea typeface="Roboto"/>
+                <a:cs typeface="Roboto"/>
+                <a:sym typeface="Roboto"/>
+              </a:rPr>
+              <a:t>1- medium (5 &amp; 6 )</a:t>
+            </a:r>
+            <a:endParaRPr>
+              <a:solidFill>
+                <a:schemeClr val="dk1"/>
+              </a:solidFill>
+              <a:latin typeface="Roboto"/>
+              <a:ea typeface="Roboto"/>
+              <a:cs typeface="Roboto"/>
+              <a:sym typeface="Roboto"/>
+            </a:endParaRPr>
+          </a:p>
+          <a:p>
+            <a:pPr indent="0" lvl="0" marL="0" rtl="0" algn="l">
+              <a:spcBef>
+                <a:spcPts val="0"/>
+              </a:spcBef>
+              <a:spcAft>
+                <a:spcPts val="0"/>
+              </a:spcAft>
+              <a:buNone/>
+            </a:pPr>
+            <a:r>
+              <a:rPr lang="en">
+                <a:solidFill>
+                  <a:schemeClr val="dk1"/>
+                </a:solidFill>
+                <a:latin typeface="Roboto"/>
+                <a:ea typeface="Roboto"/>
+                <a:cs typeface="Roboto"/>
+                <a:sym typeface="Roboto"/>
+              </a:rPr>
+              <a:t>2- high (7 &amp; 8)</a:t>
+            </a:r>
+            <a:endParaRPr>
+              <a:solidFill>
+                <a:schemeClr val="dk1"/>
+              </a:solidFill>
+              <a:latin typeface="Roboto"/>
+              <a:ea typeface="Roboto"/>
+              <a:cs typeface="Roboto"/>
+              <a:sym typeface="Roboto"/>
+            </a:endParaRPr>
+          </a:p>
+          <a:p>
+            <a:pPr indent="0" lvl="0" marL="0" rtl="0" algn="l">
+              <a:spcBef>
+                <a:spcPts val="0"/>
+              </a:spcBef>
+              <a:spcAft>
+                <a:spcPts val="0"/>
+              </a:spcAft>
+              <a:buNone/>
+            </a:pPr>
+            <a:r>
+              <a:t/>
+            </a:r>
+            <a:endParaRPr>
+              <a:solidFill>
+                <a:schemeClr val="dk1"/>
+              </a:solidFill>
+              <a:latin typeface="Roboto"/>
+              <a:ea typeface="Roboto"/>
+              <a:cs typeface="Roboto"/>
+              <a:sym typeface="Roboto"/>
+            </a:endParaRPr>
+          </a:p>
+          <a:p>
+            <a:pPr indent="-317500" lvl="0" marL="457200" rtl="0" algn="l">
+              <a:spcBef>
+                <a:spcPts val="0"/>
+              </a:spcBef>
+              <a:spcAft>
+                <a:spcPts val="0"/>
+              </a:spcAft>
+              <a:buClr>
+                <a:schemeClr val="dk1"/>
+              </a:buClr>
+              <a:buSzPts val="1400"/>
+              <a:buFont typeface="Roboto"/>
+              <a:buChar char="●"/>
+            </a:pPr>
+            <a:r>
+              <a:rPr lang="en">
+                <a:solidFill>
+                  <a:schemeClr val="dk1"/>
+                </a:solidFill>
+                <a:latin typeface="Roboto"/>
+                <a:ea typeface="Roboto"/>
+                <a:cs typeface="Roboto"/>
+                <a:sym typeface="Roboto"/>
+              </a:rPr>
+              <a:t>One hot encoding </a:t>
+            </a:r>
+            <a:r>
+              <a:rPr lang="en">
+                <a:solidFill>
+                  <a:schemeClr val="dk1"/>
+                </a:solidFill>
+                <a:latin typeface="Roboto"/>
+                <a:ea typeface="Roboto"/>
+                <a:cs typeface="Roboto"/>
+                <a:sym typeface="Roboto"/>
+              </a:rPr>
+              <a:t>for</a:t>
+            </a:r>
+            <a:r>
+              <a:rPr lang="en">
+                <a:solidFill>
+                  <a:schemeClr val="dk1"/>
+                </a:solidFill>
+                <a:latin typeface="Roboto"/>
+                <a:ea typeface="Roboto"/>
+                <a:cs typeface="Roboto"/>
+                <a:sym typeface="Roboto"/>
+              </a:rPr>
+              <a:t> quality levels</a:t>
+            </a:r>
+            <a:endParaRPr>
+              <a:solidFill>
+                <a:schemeClr val="dk1"/>
+              </a:solidFill>
+              <a:latin typeface="Roboto"/>
+              <a:ea typeface="Roboto"/>
+              <a:cs typeface="Roboto"/>
+              <a:sym typeface="Roboto"/>
+            </a:endParaRPr>
+          </a:p>
+          <a:p>
+            <a:pPr indent="-317500" lvl="0" marL="457200" rtl="0" algn="l">
+              <a:spcBef>
+                <a:spcPts val="0"/>
+              </a:spcBef>
+              <a:spcAft>
+                <a:spcPts val="0"/>
+              </a:spcAft>
+              <a:buClr>
+                <a:schemeClr val="dk1"/>
+              </a:buClr>
+              <a:buSzPts val="1400"/>
+              <a:buFont typeface="Roboto"/>
+              <a:buChar char="●"/>
+            </a:pPr>
+            <a:r>
+              <a:rPr lang="en">
+                <a:solidFill>
+                  <a:schemeClr val="dk1"/>
+                </a:solidFill>
+                <a:latin typeface="Roboto"/>
+                <a:ea typeface="Roboto"/>
+                <a:cs typeface="Roboto"/>
+                <a:sym typeface="Roboto"/>
+              </a:rPr>
+              <a:t>Dataset split 80%, 20%</a:t>
+            </a:r>
+            <a:endParaRPr>
+              <a:solidFill>
+                <a:schemeClr val="dk1"/>
+              </a:solidFill>
+              <a:latin typeface="Roboto"/>
+              <a:ea typeface="Roboto"/>
+              <a:cs typeface="Roboto"/>
+              <a:sym typeface="Roboto"/>
+            </a:endParaRPr>
+          </a:p>
+          <a:p>
+            <a:pPr indent="0" lvl="0" marL="457200" rtl="0" algn="l">
+              <a:spcBef>
+                <a:spcPts val="0"/>
+              </a:spcBef>
+              <a:spcAft>
+                <a:spcPts val="0"/>
+              </a:spcAft>
+              <a:buNone/>
+            </a:pPr>
+            <a:r>
+              <a:t/>
+            </a:r>
+            <a:endParaRPr>
+              <a:solidFill>
+                <a:schemeClr val="dk1"/>
+              </a:solidFill>
+              <a:latin typeface="Roboto"/>
+              <a:ea typeface="Roboto"/>
+              <a:cs typeface="Roboto"/>
+              <a:sym typeface="Roboto"/>
+            </a:endParaRPr>
+          </a:p>
+          <a:p>
+            <a:pPr indent="0" lvl="0" marL="0" rtl="0" algn="l">
+              <a:spcBef>
+                <a:spcPts val="0"/>
+              </a:spcBef>
+              <a:spcAft>
+                <a:spcPts val="0"/>
+              </a:spcAft>
+              <a:buNone/>
+            </a:pPr>
+            <a:r>
+              <a:t/>
+            </a:r>
+            <a:endParaRPr>
+              <a:solidFill>
+                <a:schemeClr val="dk1"/>
+              </a:solidFill>
+              <a:latin typeface="Roboto"/>
+              <a:ea typeface="Roboto"/>
+              <a:cs typeface="Roboto"/>
+              <a:sym typeface="Roboto"/>
+            </a:endParaRPr>
+          </a:p>
+          <a:p>
+            <a:pPr indent="-317500" lvl="0" marL="457200" rtl="0" algn="l">
+              <a:spcBef>
+                <a:spcPts val="0"/>
+              </a:spcBef>
+              <a:spcAft>
+                <a:spcPts val="0"/>
+              </a:spcAft>
+              <a:buClr>
+                <a:schemeClr val="dk1"/>
+              </a:buClr>
+              <a:buSzPts val="1400"/>
+              <a:buFont typeface="Roboto"/>
+              <a:buAutoNum type="arabicPeriod"/>
+            </a:pPr>
+            <a:r>
+              <a:rPr lang="en">
+                <a:solidFill>
+                  <a:schemeClr val="dk1"/>
+                </a:solidFill>
+                <a:latin typeface="Roboto"/>
+                <a:ea typeface="Roboto"/>
+                <a:cs typeface="Roboto"/>
+                <a:sym typeface="Roboto"/>
+              </a:rPr>
+              <a:t>Logistic Regression</a:t>
+            </a:r>
+            <a:endParaRPr>
+              <a:solidFill>
+                <a:schemeClr val="dk1"/>
+              </a:solidFill>
+              <a:latin typeface="Roboto"/>
+              <a:ea typeface="Roboto"/>
+              <a:cs typeface="Roboto"/>
+              <a:sym typeface="Roboto"/>
+            </a:endParaRPr>
+          </a:p>
+          <a:p>
+            <a:pPr indent="-317500" lvl="0" marL="457200" rtl="0" algn="l">
+              <a:spcBef>
+                <a:spcPts val="0"/>
+              </a:spcBef>
+              <a:spcAft>
+                <a:spcPts val="0"/>
+              </a:spcAft>
+              <a:buClr>
+                <a:schemeClr val="dk1"/>
+              </a:buClr>
+              <a:buSzPts val="1400"/>
+              <a:buFont typeface="Roboto"/>
+              <a:buAutoNum type="arabicPeriod"/>
+            </a:pPr>
+            <a:r>
+              <a:rPr lang="en">
+                <a:solidFill>
+                  <a:schemeClr val="dk1"/>
+                </a:solidFill>
+                <a:latin typeface="Roboto"/>
+                <a:ea typeface="Roboto"/>
+                <a:cs typeface="Roboto"/>
+                <a:sym typeface="Roboto"/>
+              </a:rPr>
+              <a:t>SVM (linear and </a:t>
+            </a:r>
+            <a:r>
+              <a:rPr lang="en">
+                <a:solidFill>
+                  <a:schemeClr val="dk1"/>
+                </a:solidFill>
+                <a:latin typeface="Roboto"/>
+                <a:ea typeface="Roboto"/>
+                <a:cs typeface="Roboto"/>
+                <a:sym typeface="Roboto"/>
+              </a:rPr>
+              <a:t>polynomial</a:t>
+            </a:r>
+            <a:r>
+              <a:rPr lang="en">
+                <a:solidFill>
+                  <a:schemeClr val="dk1"/>
+                </a:solidFill>
+                <a:latin typeface="Roboto"/>
+                <a:ea typeface="Roboto"/>
+                <a:cs typeface="Roboto"/>
+                <a:sym typeface="Roboto"/>
+              </a:rPr>
+              <a:t> classification)</a:t>
+            </a:r>
+            <a:endParaRPr>
+              <a:solidFill>
+                <a:schemeClr val="dk1"/>
+              </a:solidFill>
+              <a:latin typeface="Roboto"/>
+              <a:ea typeface="Roboto"/>
+              <a:cs typeface="Roboto"/>
+              <a:sym typeface="Roboto"/>
+            </a:endParaRPr>
+          </a:p>
+          <a:p>
+            <a:pPr indent="-317500" lvl="0" marL="457200" rtl="0" algn="l">
+              <a:spcBef>
+                <a:spcPts val="0"/>
+              </a:spcBef>
+              <a:spcAft>
+                <a:spcPts val="0"/>
+              </a:spcAft>
+              <a:buClr>
+                <a:schemeClr val="dk1"/>
+              </a:buClr>
+              <a:buSzPts val="1400"/>
+              <a:buFont typeface="Roboto"/>
+              <a:buAutoNum type="arabicPeriod"/>
+            </a:pPr>
+            <a:r>
+              <a:rPr lang="en">
+                <a:solidFill>
+                  <a:schemeClr val="dk1"/>
+                </a:solidFill>
+                <a:latin typeface="Roboto"/>
+                <a:ea typeface="Roboto"/>
+                <a:cs typeface="Roboto"/>
+                <a:sym typeface="Roboto"/>
+              </a:rPr>
+              <a:t>RBF</a:t>
+            </a:r>
+            <a:endParaRPr>
+              <a:solidFill>
+                <a:schemeClr val="dk1"/>
+              </a:solidFill>
+              <a:latin typeface="Roboto"/>
+              <a:ea typeface="Roboto"/>
+              <a:cs typeface="Roboto"/>
+              <a:sym typeface="Roboto"/>
+            </a:endParaRPr>
+          </a:p>
+          <a:p>
+            <a:pPr indent="0" lvl="0" marL="0" rtl="0" algn="l">
+              <a:spcBef>
+                <a:spcPts val="0"/>
+              </a:spcBef>
+              <a:spcAft>
+                <a:spcPts val="0"/>
+              </a:spcAft>
+              <a:buNone/>
+            </a:pPr>
+            <a:r>
+              <a:t/>
+            </a:r>
+            <a:endParaRPr>
+              <a:solidFill>
+                <a:schemeClr val="dk1"/>
+              </a:solidFill>
+              <a:latin typeface="Roboto"/>
+              <a:ea typeface="Roboto"/>
+              <a:cs typeface="Roboto"/>
+              <a:sym typeface="Roboto"/>
+            </a:endParaRPr>
+          </a:p>
+        </p:txBody>
+      </p:sp>
+    </p:spTree>
+  </p:cSld>
+  <p:clrMapOvr>
+    <a:masterClrMapping/>
+  </p:clrMapOvr>
+</p:sld>
+</file>
+
+<file path=ppt/slides/slide4.xml><?xml version="1.0" encoding="utf-8"?>
+<p:sld xmlns:a="http://schemas.openxmlformats.org/drawingml/2006/main" xmlns:r="http://schemas.openxmlformats.org/officeDocument/2006/relationships" xmlns:mc="http://schemas.openxmlformats.org/markup-compatibility/2006" xmlns:mv="urn:schemas-microsoft-com:mac:vml" xmlns:p="http://schemas.openxmlformats.org/presentationml/2006/main" xmlns:c="http://schemas.openxmlformats.org/drawingml/2006/chart" xmlns:dgm="http://schemas.openxmlformats.org/drawingml/2006/diagram" xmlns:o="urn:schemas-microsoft-com:office:office" xmlns:v="urn:schemas-microsoft-com:vml" xmlns:pvml="urn:schemas-microsoft-com:office:powerpoint" xmlns:com="http://schemas.openxmlformats.org/drawingml/2006/compatibility" xmlns:p14="http://schemas.microsoft.com/office/powerpoint/2010/main" xmlns:p15="http://schemas.microsoft.com/office/powerpoint/2012/main" xmlns:ahyp="http://schemas.microsoft.com/office/drawing/2018/hyperlinkcolor">
+  <p:cSld>
+    <p:spTree>
+      <p:nvGrpSpPr>
+        <p:cNvPr id="83" name="Shape 83"/>
+        <p:cNvGrpSpPr/>
+        <p:nvPr/>
+      </p:nvGrpSpPr>
+      <p:grpSpPr>
+        <a:xfrm>
+          <a:off x="0" y="0"/>
+          <a:ext cx="0" cy="0"/>
+          <a:chOff x="0" y="0"/>
+          <a:chExt cx="0" cy="0"/>
+        </a:xfrm>
+      </p:grpSpPr>
+      <p:sp>
+        <p:nvSpPr>
+          <p:cNvPr id="84" name="Google Shape;84;p16"/>
+          <p:cNvSpPr/>
+          <p:nvPr/>
+        </p:nvSpPr>
+        <p:spPr>
+          <a:xfrm>
+            <a:off x="22425" y="134575"/>
+            <a:ext cx="9121500" cy="5008800"/>
+          </a:xfrm>
+          <a:prstGeom prst="roundRect">
+            <a:avLst>
+              <a:gd fmla="val 16667" name="adj"/>
+            </a:avLst>
+          </a:prstGeom>
+          <a:solidFill>
+            <a:schemeClr val="dk1"/>
+          </a:solidFill>
+          <a:ln cap="flat" cmpd="sng" w="9525">
+            <a:solidFill>
+              <a:schemeClr val="dk2"/>
+            </a:solidFill>
+            <a:prstDash val="solid"/>
+            <a:round/>
+            <a:headEnd len="sm" w="sm" type="none"/>
+            <a:tailEnd len="sm" w="sm" type="none"/>
+          </a:ln>
+        </p:spPr>
+        <p:txBody>
+          <a:bodyPr anchorCtr="0" anchor="ctr" bIns="91425" lIns="91425" spcFirstLastPara="1" rIns="91425" wrap="square" tIns="91425">
+            <a:noAutofit/>
+          </a:bodyPr>
+          <a:lstStyle/>
+          <a:p>
+            <a:pPr indent="0" lvl="0" marL="0" rtl="0" algn="l">
+              <a:spcBef>
+                <a:spcPts val="0"/>
+              </a:spcBef>
+              <a:spcAft>
+                <a:spcPts val="0"/>
+              </a:spcAft>
+              <a:buNone/>
+            </a:pPr>
+            <a:r>
+              <a:t/>
+            </a:r>
+            <a:endParaRPr/>
+          </a:p>
+        </p:txBody>
+      </p:sp>
+      <p:sp>
+        <p:nvSpPr>
+          <p:cNvPr id="85" name="Google Shape;85;p16"/>
+          <p:cNvSpPr txBox="1"/>
+          <p:nvPr/>
+        </p:nvSpPr>
+        <p:spPr>
+          <a:xfrm>
+            <a:off x="4463200" y="69450"/>
+            <a:ext cx="2631600" cy="446400"/>
+          </a:xfrm>
+          <a:prstGeom prst="rect">
+            <a:avLst/>
+          </a:prstGeom>
+          <a:noFill/>
+          <a:ln>
+            <a:noFill/>
+          </a:ln>
+        </p:spPr>
+        <p:txBody>
+          <a:bodyPr anchorCtr="0" anchor="t" bIns="91425" lIns="91425" spcFirstLastPara="1" rIns="91425" wrap="square" tIns="91425">
+            <a:spAutoFit/>
+          </a:bodyPr>
+          <a:lstStyle/>
+          <a:p>
+            <a:pPr indent="0" lvl="0" marL="0" rtl="0" algn="l">
+              <a:spcBef>
+                <a:spcPts val="0"/>
+              </a:spcBef>
+              <a:spcAft>
+                <a:spcPts val="0"/>
+              </a:spcAft>
+              <a:buNone/>
+            </a:pPr>
+            <a:r>
+              <a:rPr b="1" lang="en" sz="1700">
+                <a:latin typeface="Roboto"/>
+                <a:ea typeface="Roboto"/>
+                <a:cs typeface="Roboto"/>
+                <a:sym typeface="Roboto"/>
+              </a:rPr>
+              <a:t>Results</a:t>
+            </a:r>
+            <a:endParaRPr b="1" sz="1700">
+              <a:latin typeface="Roboto"/>
+              <a:ea typeface="Roboto"/>
+              <a:cs typeface="Roboto"/>
+              <a:sym typeface="Roboto"/>
+            </a:endParaRPr>
+          </a:p>
+        </p:txBody>
+      </p:sp>
+      <p:sp>
+        <p:nvSpPr>
+          <p:cNvPr id="86" name="Google Shape;86;p16"/>
+          <p:cNvSpPr txBox="1"/>
+          <p:nvPr/>
+        </p:nvSpPr>
+        <p:spPr>
+          <a:xfrm>
+            <a:off x="1854050" y="792450"/>
+            <a:ext cx="889800" cy="400200"/>
+          </a:xfrm>
+          <a:prstGeom prst="rect">
+            <a:avLst/>
+          </a:prstGeom>
+          <a:noFill/>
+          <a:ln>
+            <a:noFill/>
+          </a:ln>
+        </p:spPr>
+        <p:txBody>
+          <a:bodyPr anchorCtr="0" anchor="t" bIns="91425" lIns="91425" spcFirstLastPara="1" rIns="91425" wrap="square" tIns="91425">
+            <a:spAutoFit/>
+          </a:bodyPr>
+          <a:lstStyle/>
+          <a:p>
+            <a:pPr indent="0" lvl="0" marL="0" rtl="0" algn="l">
+              <a:spcBef>
+                <a:spcPts val="0"/>
+              </a:spcBef>
+              <a:spcAft>
+                <a:spcPts val="0"/>
+              </a:spcAft>
+              <a:buNone/>
+            </a:pPr>
+            <a:r>
+              <a:t/>
+            </a:r>
+            <a:endParaRPr>
+              <a:solidFill>
+                <a:schemeClr val="dk1"/>
+              </a:solidFill>
+              <a:latin typeface="Roboto"/>
+              <a:ea typeface="Roboto"/>
+              <a:cs typeface="Roboto"/>
+              <a:sym typeface="Roboto"/>
+            </a:endParaRPr>
+          </a:p>
+        </p:txBody>
+      </p:sp>
+      <p:pic>
+        <p:nvPicPr>
+          <p:cNvPr id="87" name="Google Shape;87;p16"/>
+          <p:cNvPicPr preferRelativeResize="0"/>
+          <p:nvPr/>
+        </p:nvPicPr>
+        <p:blipFill>
+          <a:blip r:embed="rId3">
+            <a:alphaModFix/>
+          </a:blip>
+          <a:stretch>
+            <a:fillRect/>
+          </a:stretch>
+        </p:blipFill>
+        <p:spPr>
+          <a:xfrm>
+            <a:off x="2496975" y="404450"/>
+            <a:ext cx="5288425" cy="4096125"/>
+          </a:xfrm>
+          <a:prstGeom prst="rect">
+            <a:avLst/>
+          </a:prstGeom>
+          <a:noFill/>
+          <a:ln>
+            <a:noFill/>
+          </a:ln>
+        </p:spPr>
+      </p:pic>
+      <p:sp>
+        <p:nvSpPr>
+          <p:cNvPr id="88" name="Google Shape;88;p16"/>
+          <p:cNvSpPr txBox="1"/>
+          <p:nvPr/>
+        </p:nvSpPr>
+        <p:spPr>
+          <a:xfrm>
+            <a:off x="3551100" y="4500575"/>
+            <a:ext cx="3409200" cy="400200"/>
+          </a:xfrm>
+          <a:prstGeom prst="rect">
+            <a:avLst/>
+          </a:prstGeom>
+          <a:noFill/>
+          <a:ln>
+            <a:noFill/>
+          </a:ln>
+        </p:spPr>
+        <p:txBody>
+          <a:bodyPr anchorCtr="0" anchor="t" bIns="91425" lIns="91425" spcFirstLastPara="1" rIns="91425" wrap="square" tIns="91425">
+            <a:spAutoFit/>
+          </a:bodyPr>
+          <a:lstStyle/>
+          <a:p>
+            <a:pPr indent="0" lvl="0" marL="0" rtl="0" algn="l">
+              <a:spcBef>
+                <a:spcPts val="0"/>
+              </a:spcBef>
+              <a:spcAft>
+                <a:spcPts val="0"/>
+              </a:spcAft>
+              <a:buNone/>
+            </a:pPr>
+            <a:r>
+              <a:rPr lang="en">
+                <a:latin typeface="Roboto"/>
+                <a:ea typeface="Roboto"/>
+                <a:cs typeface="Roboto"/>
+                <a:sym typeface="Roboto"/>
+              </a:rPr>
+              <a:t>Correlation between different variables</a:t>
+            </a:r>
+            <a:endParaRPr>
+              <a:latin typeface="Roboto"/>
+              <a:ea typeface="Roboto"/>
+              <a:cs typeface="Roboto"/>
+              <a:sym typeface="Roboto"/>
+            </a:endParaRPr>
+          </a:p>
+        </p:txBody>
+      </p:sp>
+    </p:spTree>
+  </p:cSld>
+  <p:clrMapOvr>
+    <a:masterClrMapping/>
+  </p:clrMapOvr>
+</p:sld>
+</file>
+
+<file path=ppt/slides/slide5.xml><?xml version="1.0" encoding="utf-8"?>
+<p:sld xmlns:a="http://schemas.openxmlformats.org/drawingml/2006/main" xmlns:r="http://schemas.openxmlformats.org/officeDocument/2006/relationships" xmlns:mc="http://schemas.openxmlformats.org/markup-compatibility/2006" xmlns:mv="urn:schemas-microsoft-com:mac:vml" xmlns:p="http://schemas.openxmlformats.org/presentationml/2006/main" xmlns:c="http://schemas.openxmlformats.org/drawingml/2006/chart" xmlns:dgm="http://schemas.openxmlformats.org/drawingml/2006/diagram" xmlns:o="urn:schemas-microsoft-com:office:office" xmlns:v="urn:schemas-microsoft-com:vml" xmlns:pvml="urn:schemas-microsoft-com:office:powerpoint" xmlns:com="http://schemas.openxmlformats.org/drawingml/2006/compatibility" xmlns:p14="http://schemas.microsoft.com/office/powerpoint/2010/main" xmlns:p15="http://schemas.microsoft.com/office/powerpoint/2012/main" xmlns:ahyp="http://schemas.microsoft.com/office/drawing/2018/hyperlinkcolor">
+  <p:cSld>
+    <p:spTree>
+      <p:nvGrpSpPr>
+        <p:cNvPr id="92" name="Shape 92"/>
+        <p:cNvGrpSpPr/>
+        <p:nvPr/>
+      </p:nvGrpSpPr>
+      <p:grpSpPr>
+        <a:xfrm>
+          <a:off x="0" y="0"/>
+          <a:ext cx="0" cy="0"/>
+          <a:chOff x="0" y="0"/>
+          <a:chExt cx="0" cy="0"/>
+        </a:xfrm>
+      </p:grpSpPr>
+      <p:sp>
+        <p:nvSpPr>
+          <p:cNvPr id="93" name="Google Shape;93;p17"/>
+          <p:cNvSpPr/>
+          <p:nvPr/>
+        </p:nvSpPr>
+        <p:spPr>
+          <a:xfrm>
+            <a:off x="216800" y="59800"/>
+            <a:ext cx="8927100" cy="5031300"/>
+          </a:xfrm>
+          <a:prstGeom prst="roundRect">
+            <a:avLst>
+              <a:gd fmla="val 16667" name="adj"/>
+            </a:avLst>
+          </a:prstGeom>
+          <a:solidFill>
+            <a:schemeClr val="dk1"/>
+          </a:solidFill>
+          <a:ln cap="flat" cmpd="sng" w="9525">
+            <a:solidFill>
+              <a:schemeClr val="dk2"/>
+            </a:solidFill>
+            <a:prstDash val="solid"/>
+            <a:round/>
+            <a:headEnd len="sm" w="sm" type="none"/>
+            <a:tailEnd len="sm" w="sm" type="none"/>
+          </a:ln>
+        </p:spPr>
+        <p:txBody>
+          <a:bodyPr anchorCtr="0" anchor="ctr" bIns="91425" lIns="91425" spcFirstLastPara="1" rIns="91425" wrap="square" tIns="91425">
+            <a:noAutofit/>
+          </a:bodyPr>
+          <a:lstStyle/>
+          <a:p>
+            <a:pPr indent="0" lvl="0" marL="0" rtl="0" algn="l">
+              <a:spcBef>
+                <a:spcPts val="0"/>
+              </a:spcBef>
+              <a:spcAft>
+                <a:spcPts val="0"/>
+              </a:spcAft>
+              <a:buNone/>
+            </a:pPr>
+            <a:r>
+              <a:t/>
+            </a:r>
+            <a:endParaRPr/>
+          </a:p>
+        </p:txBody>
+      </p:sp>
+      <p:sp>
+        <p:nvSpPr>
+          <p:cNvPr id="94" name="Google Shape;94;p17"/>
+          <p:cNvSpPr txBox="1"/>
+          <p:nvPr/>
+        </p:nvSpPr>
+        <p:spPr>
+          <a:xfrm>
+            <a:off x="3513725" y="90000"/>
+            <a:ext cx="2631600" cy="446400"/>
+          </a:xfrm>
+          <a:prstGeom prst="rect">
+            <a:avLst/>
+          </a:prstGeom>
+          <a:noFill/>
+          <a:ln>
+            <a:noFill/>
+          </a:ln>
+        </p:spPr>
+        <p:txBody>
+          <a:bodyPr anchorCtr="0" anchor="t" bIns="91425" lIns="91425" spcFirstLastPara="1" rIns="91425" wrap="square" tIns="91425">
+            <a:spAutoFit/>
+          </a:bodyPr>
+          <a:lstStyle/>
+          <a:p>
+            <a:pPr indent="0" lvl="0" marL="0" rtl="0" algn="l">
+              <a:spcBef>
+                <a:spcPts val="0"/>
+              </a:spcBef>
+              <a:spcAft>
+                <a:spcPts val="0"/>
+              </a:spcAft>
+              <a:buNone/>
+            </a:pPr>
+            <a:r>
+              <a:rPr lang="en" sz="1700">
+                <a:solidFill>
+                  <a:schemeClr val="dk1"/>
+                </a:solidFill>
+                <a:latin typeface="Roboto"/>
+                <a:ea typeface="Roboto"/>
+                <a:cs typeface="Roboto"/>
+                <a:sym typeface="Roboto"/>
+              </a:rPr>
+              <a:t>Results</a:t>
+            </a:r>
+            <a:endParaRPr sz="1700">
+              <a:solidFill>
+                <a:schemeClr val="dk1"/>
+              </a:solidFill>
+              <a:latin typeface="Roboto"/>
+              <a:ea typeface="Roboto"/>
+              <a:cs typeface="Roboto"/>
+              <a:sym typeface="Roboto"/>
+            </a:endParaRPr>
+          </a:p>
+        </p:txBody>
+      </p:sp>
+      <p:sp>
+        <p:nvSpPr>
+          <p:cNvPr id="95" name="Google Shape;95;p17"/>
+          <p:cNvSpPr txBox="1"/>
+          <p:nvPr/>
+        </p:nvSpPr>
+        <p:spPr>
+          <a:xfrm>
+            <a:off x="1854050" y="792450"/>
+            <a:ext cx="889800" cy="400200"/>
+          </a:xfrm>
+          <a:prstGeom prst="rect">
+            <a:avLst/>
+          </a:prstGeom>
+          <a:noFill/>
+          <a:ln>
+            <a:noFill/>
+          </a:ln>
+        </p:spPr>
+        <p:txBody>
+          <a:bodyPr anchorCtr="0" anchor="t" bIns="91425" lIns="91425" spcFirstLastPara="1" rIns="91425" wrap="square" tIns="91425">
+            <a:spAutoFit/>
+          </a:bodyPr>
+          <a:lstStyle/>
+          <a:p>
+            <a:pPr indent="0" lvl="0" marL="0" rtl="0" algn="l">
+              <a:spcBef>
+                <a:spcPts val="0"/>
+              </a:spcBef>
+              <a:spcAft>
+                <a:spcPts val="0"/>
+              </a:spcAft>
+              <a:buNone/>
+            </a:pPr>
+            <a:r>
+              <a:t/>
+            </a:r>
+            <a:endParaRPr>
+              <a:solidFill>
+                <a:schemeClr val="dk1"/>
+              </a:solidFill>
+              <a:latin typeface="Roboto"/>
+              <a:ea typeface="Roboto"/>
+              <a:cs typeface="Roboto"/>
+              <a:sym typeface="Roboto"/>
+            </a:endParaRPr>
+          </a:p>
+        </p:txBody>
+      </p:sp>
+      <p:pic>
+        <p:nvPicPr>
+          <p:cNvPr id="96" name="Google Shape;96;p17"/>
+          <p:cNvPicPr preferRelativeResize="0"/>
+          <p:nvPr/>
+        </p:nvPicPr>
+        <p:blipFill>
+          <a:blip r:embed="rId3">
+            <a:alphaModFix/>
+          </a:blip>
+          <a:stretch>
+            <a:fillRect/>
+          </a:stretch>
+        </p:blipFill>
+        <p:spPr>
+          <a:xfrm>
+            <a:off x="239225" y="420600"/>
+            <a:ext cx="3064338" cy="4302300"/>
+          </a:xfrm>
+          <a:prstGeom prst="rect">
+            <a:avLst/>
+          </a:prstGeom>
+          <a:noFill/>
+          <a:ln>
+            <a:noFill/>
+          </a:ln>
+        </p:spPr>
+      </p:pic>
+      <p:pic>
+        <p:nvPicPr>
+          <p:cNvPr id="97" name="Google Shape;97;p17"/>
+          <p:cNvPicPr preferRelativeResize="0"/>
+          <p:nvPr/>
+        </p:nvPicPr>
+        <p:blipFill>
+          <a:blip r:embed="rId4">
+            <a:alphaModFix/>
+          </a:blip>
+          <a:stretch>
+            <a:fillRect/>
+          </a:stretch>
+        </p:blipFill>
+        <p:spPr>
+          <a:xfrm>
+            <a:off x="4016663" y="0"/>
+            <a:ext cx="3686175" cy="2505075"/>
+          </a:xfrm>
+          <a:prstGeom prst="rect">
+            <a:avLst/>
+          </a:prstGeom>
+          <a:noFill/>
+          <a:ln>
+            <a:noFill/>
+          </a:ln>
+        </p:spPr>
+      </p:pic>
+      <p:pic>
+        <p:nvPicPr>
+          <p:cNvPr id="98" name="Google Shape;98;p17"/>
+          <p:cNvPicPr preferRelativeResize="0"/>
+          <p:nvPr/>
+        </p:nvPicPr>
+        <p:blipFill>
+          <a:blip r:embed="rId5">
+            <a:alphaModFix/>
+          </a:blip>
+          <a:stretch>
+            <a:fillRect/>
+          </a:stretch>
+        </p:blipFill>
+        <p:spPr>
+          <a:xfrm>
+            <a:off x="4016688" y="2571750"/>
+            <a:ext cx="3686160" cy="2505075"/>
+          </a:xfrm>
+          <a:prstGeom prst="rect">
+            <a:avLst/>
+          </a:prstGeom>
+          <a:noFill/>
+          <a:ln>
+            <a:noFill/>
+          </a:ln>
+        </p:spPr>
+      </p:pic>
+      <p:sp>
+        <p:nvSpPr>
+          <p:cNvPr id="99" name="Google Shape;99;p17"/>
+          <p:cNvSpPr txBox="1"/>
+          <p:nvPr/>
+        </p:nvSpPr>
+        <p:spPr>
+          <a:xfrm>
+            <a:off x="7636175" y="406575"/>
+            <a:ext cx="1831500" cy="738900"/>
+          </a:xfrm>
+          <a:prstGeom prst="rect">
+            <a:avLst/>
+          </a:prstGeom>
+          <a:noFill/>
+          <a:ln>
+            <a:noFill/>
+          </a:ln>
+        </p:spPr>
+        <p:txBody>
+          <a:bodyPr anchorCtr="0" anchor="t" bIns="91425" lIns="91425" spcFirstLastPara="1" rIns="91425" wrap="square" tIns="91425">
+            <a:spAutoFit/>
+          </a:bodyPr>
+          <a:lstStyle/>
+          <a:p>
+            <a:pPr indent="0" lvl="0" marL="0" rtl="0" algn="l">
+              <a:spcBef>
+                <a:spcPts val="0"/>
+              </a:spcBef>
+              <a:spcAft>
+                <a:spcPts val="0"/>
+              </a:spcAft>
+              <a:buNone/>
+            </a:pPr>
+            <a:r>
+              <a:rPr lang="en" sz="1200">
+                <a:latin typeface="Roboto"/>
+                <a:ea typeface="Roboto"/>
+                <a:cs typeface="Roboto"/>
+                <a:sym typeface="Roboto"/>
+              </a:rPr>
+              <a:t>Logistic regression, weight 0.15</a:t>
+            </a:r>
+            <a:endParaRPr sz="1200">
+              <a:latin typeface="Roboto"/>
+              <a:ea typeface="Roboto"/>
+              <a:cs typeface="Roboto"/>
+              <a:sym typeface="Roboto"/>
+            </a:endParaRPr>
+          </a:p>
+          <a:p>
+            <a:pPr indent="0" lvl="0" marL="0" rtl="0" algn="l">
+              <a:spcBef>
+                <a:spcPts val="0"/>
+              </a:spcBef>
+              <a:spcAft>
+                <a:spcPts val="0"/>
+              </a:spcAft>
+              <a:buNone/>
+            </a:pPr>
+            <a:r>
+              <a:rPr lang="en" sz="1200">
+                <a:latin typeface="Roboto"/>
+                <a:ea typeface="Roboto"/>
+                <a:cs typeface="Roboto"/>
+                <a:sym typeface="Roboto"/>
+              </a:rPr>
+              <a:t>F-score [0.82,0.39]</a:t>
+            </a:r>
+            <a:endParaRPr sz="1200">
+              <a:latin typeface="Roboto"/>
+              <a:ea typeface="Roboto"/>
+              <a:cs typeface="Roboto"/>
+              <a:sym typeface="Roboto"/>
+            </a:endParaRPr>
+          </a:p>
+        </p:txBody>
+      </p:sp>
+      <p:sp>
+        <p:nvSpPr>
+          <p:cNvPr id="100" name="Google Shape;100;p17"/>
+          <p:cNvSpPr txBox="1"/>
+          <p:nvPr/>
+        </p:nvSpPr>
+        <p:spPr>
+          <a:xfrm>
+            <a:off x="7712375" y="3073575"/>
+            <a:ext cx="1431600" cy="738900"/>
+          </a:xfrm>
+          <a:prstGeom prst="rect">
+            <a:avLst/>
+          </a:prstGeom>
+          <a:noFill/>
+          <a:ln>
+            <a:noFill/>
+          </a:ln>
+        </p:spPr>
+        <p:txBody>
+          <a:bodyPr anchorCtr="0" anchor="t" bIns="91425" lIns="91425" spcFirstLastPara="1" rIns="91425" wrap="square" tIns="91425">
+            <a:spAutoFit/>
+          </a:bodyPr>
+          <a:lstStyle/>
+          <a:p>
+            <a:pPr indent="0" lvl="0" marL="0" rtl="0" algn="l">
+              <a:spcBef>
+                <a:spcPts val="0"/>
+              </a:spcBef>
+              <a:spcAft>
+                <a:spcPts val="0"/>
+              </a:spcAft>
+              <a:buNone/>
+            </a:pPr>
+            <a:r>
+              <a:rPr lang="en" sz="1200">
+                <a:latin typeface="Roboto"/>
+                <a:ea typeface="Roboto"/>
+                <a:cs typeface="Roboto"/>
+                <a:sym typeface="Roboto"/>
+              </a:rPr>
+              <a:t>Linear SVM</a:t>
+            </a:r>
+            <a:r>
+              <a:rPr lang="en" sz="1200">
+                <a:latin typeface="Roboto"/>
+                <a:ea typeface="Roboto"/>
+                <a:cs typeface="Roboto"/>
+                <a:sym typeface="Roboto"/>
+              </a:rPr>
+              <a:t>, weight 0:1, 1:4</a:t>
+            </a:r>
+            <a:endParaRPr sz="1200">
+              <a:latin typeface="Roboto"/>
+              <a:ea typeface="Roboto"/>
+              <a:cs typeface="Roboto"/>
+              <a:sym typeface="Roboto"/>
+            </a:endParaRPr>
+          </a:p>
+          <a:p>
+            <a:pPr indent="0" lvl="0" marL="0" rtl="0" algn="l">
+              <a:spcBef>
+                <a:spcPts val="0"/>
+              </a:spcBef>
+              <a:spcAft>
+                <a:spcPts val="0"/>
+              </a:spcAft>
+              <a:buNone/>
+            </a:pPr>
+            <a:r>
+              <a:rPr lang="en" sz="1200">
+                <a:latin typeface="Roboto"/>
+                <a:ea typeface="Roboto"/>
+                <a:cs typeface="Roboto"/>
+                <a:sym typeface="Roboto"/>
+              </a:rPr>
+              <a:t>F-score [0.84,0.42]</a:t>
+            </a:r>
+            <a:endParaRPr sz="1200">
+              <a:latin typeface="Roboto"/>
+              <a:ea typeface="Roboto"/>
+              <a:cs typeface="Roboto"/>
+              <a:sym typeface="Roboto"/>
+            </a:endParaRPr>
+          </a:p>
+        </p:txBody>
+      </p:sp>
+      <p:sp>
+        <p:nvSpPr>
+          <p:cNvPr id="101" name="Google Shape;101;p17"/>
+          <p:cNvSpPr txBox="1"/>
+          <p:nvPr/>
+        </p:nvSpPr>
+        <p:spPr>
+          <a:xfrm>
+            <a:off x="2101000" y="-6750"/>
+            <a:ext cx="2631600" cy="446400"/>
+          </a:xfrm>
+          <a:prstGeom prst="rect">
+            <a:avLst/>
+          </a:prstGeom>
+          <a:noFill/>
+          <a:ln>
+            <a:noFill/>
+          </a:ln>
+        </p:spPr>
+        <p:txBody>
+          <a:bodyPr anchorCtr="0" anchor="t" bIns="91425" lIns="91425" spcFirstLastPara="1" rIns="91425" wrap="square" tIns="91425">
+            <a:spAutoFit/>
+          </a:bodyPr>
+          <a:lstStyle/>
+          <a:p>
+            <a:pPr indent="0" lvl="0" marL="0" rtl="0" algn="l">
+              <a:spcBef>
+                <a:spcPts val="0"/>
+              </a:spcBef>
+              <a:spcAft>
+                <a:spcPts val="0"/>
+              </a:spcAft>
+              <a:buNone/>
+            </a:pPr>
+            <a:r>
+              <a:rPr b="1" lang="en" sz="1700">
+                <a:latin typeface="Roboto"/>
+                <a:ea typeface="Roboto"/>
+                <a:cs typeface="Roboto"/>
+                <a:sym typeface="Roboto"/>
+              </a:rPr>
+              <a:t>Results</a:t>
+            </a:r>
+            <a:endParaRPr b="1" sz="1700">
+              <a:latin typeface="Roboto"/>
+              <a:ea typeface="Roboto"/>
+              <a:cs typeface="Roboto"/>
+              <a:sym typeface="Roboto"/>
+            </a:endParaRPr>
+          </a:p>
+        </p:txBody>
+      </p:sp>
+      <p:sp>
+        <p:nvSpPr>
+          <p:cNvPr id="102" name="Google Shape;102;p17"/>
+          <p:cNvSpPr txBox="1"/>
+          <p:nvPr/>
+        </p:nvSpPr>
+        <p:spPr>
+          <a:xfrm>
+            <a:off x="732600" y="4637475"/>
+            <a:ext cx="3839400" cy="384900"/>
+          </a:xfrm>
+          <a:prstGeom prst="rect">
+            <a:avLst/>
+          </a:prstGeom>
+          <a:noFill/>
+          <a:ln>
+            <a:noFill/>
+          </a:ln>
+        </p:spPr>
+        <p:txBody>
+          <a:bodyPr anchorCtr="0" anchor="t" bIns="91425" lIns="91425" spcFirstLastPara="1" rIns="91425" wrap="square" tIns="91425">
+            <a:spAutoFit/>
+          </a:bodyPr>
+          <a:lstStyle/>
+          <a:p>
+            <a:pPr indent="0" lvl="0" marL="0" rtl="0" algn="l">
+              <a:spcBef>
+                <a:spcPts val="0"/>
+              </a:spcBef>
+              <a:spcAft>
+                <a:spcPts val="0"/>
+              </a:spcAft>
+              <a:buNone/>
+            </a:pPr>
+            <a:r>
+              <a:rPr lang="en" sz="1300">
+                <a:latin typeface="Roboto"/>
+                <a:ea typeface="Roboto"/>
+                <a:cs typeface="Roboto"/>
+                <a:sym typeface="Roboto"/>
+              </a:rPr>
+              <a:t>Scatter plots for different independent variables</a:t>
+            </a:r>
+            <a:endParaRPr sz="1300">
+              <a:latin typeface="Roboto"/>
+              <a:ea typeface="Roboto"/>
+              <a:cs typeface="Roboto"/>
+              <a:sym typeface="Roboto"/>
+            </a:endParaRPr>
+          </a:p>
+        </p:txBody>
+      </p:sp>
+    </p:spTree>
+  </p:cSld>
+  <p:clrMapOvr>
+    <a:masterClrMapping/>
+  </p:clrMapOvr>
+</p:sld>
+</file>
+
+<file path=ppt/slides/slide6.xml><?xml version="1.0" encoding="utf-8"?>
+<p:sld xmlns:a="http://schemas.openxmlformats.org/drawingml/2006/main" xmlns:r="http://schemas.openxmlformats.org/officeDocument/2006/relationships" xmlns:mc="http://schemas.openxmlformats.org/markup-compatibility/2006" xmlns:mv="urn:schemas-microsoft-com:mac:vml" xmlns:p="http://schemas.openxmlformats.org/presentationml/2006/main" xmlns:c="http://schemas.openxmlformats.org/drawingml/2006/chart" xmlns:dgm="http://schemas.openxmlformats.org/drawingml/2006/diagram" xmlns:o="urn:schemas-microsoft-com:office:office" xmlns:v="urn:schemas-microsoft-com:vml" xmlns:pvml="urn:schemas-microsoft-com:office:powerpoint" xmlns:com="http://schemas.openxmlformats.org/drawingml/2006/compatibility" xmlns:p14="http://schemas.microsoft.com/office/powerpoint/2010/main" xmlns:p15="http://schemas.microsoft.com/office/powerpoint/2012/main" xmlns:ahyp="http://schemas.microsoft.com/office/drawing/2018/hyperlinkcolor">
+  <p:cSld>
+    <p:spTree>
+      <p:nvGrpSpPr>
+        <p:cNvPr id="106" name="Shape 106"/>
+        <p:cNvGrpSpPr/>
+        <p:nvPr/>
+      </p:nvGrpSpPr>
+      <p:grpSpPr>
+        <a:xfrm>
+          <a:off x="0" y="0"/>
+          <a:ext cx="0" cy="0"/>
+          <a:chOff x="0" y="0"/>
+          <a:chExt cx="0" cy="0"/>
+        </a:xfrm>
+      </p:grpSpPr>
+      <p:sp>
+        <p:nvSpPr>
+          <p:cNvPr id="107" name="Google Shape;107;p18"/>
+          <p:cNvSpPr/>
+          <p:nvPr/>
+        </p:nvSpPr>
+        <p:spPr>
+          <a:xfrm>
+            <a:off x="2704228" y="1182400"/>
+            <a:ext cx="4345800" cy="1936200"/>
+          </a:xfrm>
+          <a:prstGeom prst="roundRect">
+            <a:avLst>
+              <a:gd fmla="val 16667" name="adj"/>
+            </a:avLst>
+          </a:prstGeom>
+          <a:solidFill>
+            <a:schemeClr val="dk1"/>
+          </a:solidFill>
+          <a:ln cap="flat" cmpd="sng" w="9525">
+            <a:solidFill>
+              <a:schemeClr val="dk2"/>
+            </a:solidFill>
+            <a:prstDash val="solid"/>
+            <a:round/>
+            <a:headEnd len="sm" w="sm" type="none"/>
+            <a:tailEnd len="sm" w="sm" type="none"/>
+          </a:ln>
+        </p:spPr>
+        <p:txBody>
+          <a:bodyPr anchorCtr="0" anchor="ctr" bIns="91425" lIns="91425" spcFirstLastPara="1" rIns="91425" wrap="square" tIns="91425">
+            <a:noAutofit/>
+          </a:bodyPr>
+          <a:lstStyle/>
+          <a:p>
+            <a:pPr indent="0" lvl="0" marL="0" rtl="0" algn="l">
+              <a:spcBef>
+                <a:spcPts val="0"/>
+              </a:spcBef>
+              <a:spcAft>
+                <a:spcPts val="0"/>
+              </a:spcAft>
+              <a:buNone/>
+            </a:pPr>
+            <a:r>
+              <a:t/>
+            </a:r>
+            <a:endParaRPr/>
+          </a:p>
+        </p:txBody>
+      </p:sp>
+      <p:sp>
+        <p:nvSpPr>
+          <p:cNvPr id="108" name="Google Shape;108;p18"/>
+          <p:cNvSpPr txBox="1"/>
+          <p:nvPr/>
+        </p:nvSpPr>
+        <p:spPr>
+          <a:xfrm>
+            <a:off x="1854050" y="792450"/>
+            <a:ext cx="889800" cy="400200"/>
+          </a:xfrm>
+          <a:prstGeom prst="rect">
+            <a:avLst/>
+          </a:prstGeom>
+          <a:noFill/>
+          <a:ln>
+            <a:noFill/>
+          </a:ln>
+        </p:spPr>
+        <p:txBody>
+          <a:bodyPr anchorCtr="0" anchor="t" bIns="91425" lIns="91425" spcFirstLastPara="1" rIns="91425" wrap="square" tIns="91425">
+            <a:spAutoFit/>
+          </a:bodyPr>
+          <a:lstStyle/>
+          <a:p>
+            <a:pPr indent="0" lvl="0" marL="0" rtl="0" algn="l">
+              <a:spcBef>
+                <a:spcPts val="0"/>
+              </a:spcBef>
+              <a:spcAft>
+                <a:spcPts val="0"/>
+              </a:spcAft>
+              <a:buNone/>
+            </a:pPr>
+            <a:r>
+              <a:t/>
+            </a:r>
+            <a:endParaRPr>
+              <a:solidFill>
+                <a:schemeClr val="dk1"/>
+              </a:solidFill>
+              <a:latin typeface="Roboto"/>
+              <a:ea typeface="Roboto"/>
+              <a:cs typeface="Roboto"/>
+              <a:sym typeface="Roboto"/>
+            </a:endParaRPr>
+          </a:p>
+        </p:txBody>
+      </p:sp>
+      <p:graphicFrame>
+        <p:nvGraphicFramePr>
+          <p:cNvPr id="109" name="Google Shape;109;p18"/>
+          <p:cNvGraphicFramePr/>
+          <p:nvPr/>
+        </p:nvGraphicFramePr>
+        <p:xfrm>
+          <a:off x="2859200" y="1318650"/>
+          <a:ext cx="3000000" cy="3000000"/>
+        </p:xfrm>
+        <a:graphic>
+          <a:graphicData uri="http://schemas.openxmlformats.org/drawingml/2006/table">
+            <a:tbl>
+              <a:tblPr>
+                <a:noFill/>
+                <a:tableStyleId>{1F53ED7C-12BB-417E-A5D5-D89BF7851ED0}</a:tableStyleId>
+              </a:tblPr>
+              <a:tblGrid>
+                <a:gridCol w="485150"/>
+                <a:gridCol w="1410000"/>
+                <a:gridCol w="889225"/>
+                <a:gridCol w="1297950"/>
+              </a:tblGrid>
+              <a:tr h="12700">
+                <a:tc>
+                  <a:txBody>
+                    <a:bodyPr/>
+                    <a:lstStyle/>
+                    <a:p>
+                      <a:pPr indent="0" lvl="0" marL="0" rtl="0" algn="l">
+                        <a:spcBef>
+                          <a:spcPts val="0"/>
+                        </a:spcBef>
+                        <a:spcAft>
+                          <a:spcPts val="0"/>
+                        </a:spcAft>
+                        <a:buNone/>
+                      </a:pPr>
+                      <a:r>
+                        <a:rPr b="1" lang="en" sz="1100"/>
+                        <a:t>SN</a:t>
+                      </a:r>
+                      <a:endParaRPr b="1" sz="1100"/>
+                    </a:p>
+                  </a:txBody>
+                  <a:tcPr marT="63500" marB="63500" marR="63500" marL="63500"/>
+                </a:tc>
+                <a:tc>
+                  <a:txBody>
+                    <a:bodyPr/>
+                    <a:lstStyle/>
+                    <a:p>
+                      <a:pPr indent="0" lvl="0" marL="0" rtl="0" algn="l">
+                        <a:spcBef>
+                          <a:spcPts val="0"/>
+                        </a:spcBef>
+                        <a:spcAft>
+                          <a:spcPts val="0"/>
+                        </a:spcAft>
+                        <a:buNone/>
+                      </a:pPr>
+                      <a:r>
+                        <a:rPr b="1" lang="en" sz="1100"/>
+                        <a:t>Analysis</a:t>
+                      </a:r>
+                      <a:endParaRPr b="1" sz="1100"/>
+                    </a:p>
+                  </a:txBody>
+                  <a:tcPr marT="63500" marB="63500" marR="63500" marL="63500"/>
+                </a:tc>
+                <a:tc>
+                  <a:txBody>
+                    <a:bodyPr/>
+                    <a:lstStyle/>
+                    <a:p>
+                      <a:pPr indent="0" lvl="0" marL="0" rtl="0" algn="l">
+                        <a:spcBef>
+                          <a:spcPts val="0"/>
+                        </a:spcBef>
+                        <a:spcAft>
+                          <a:spcPts val="0"/>
+                        </a:spcAft>
+                        <a:buNone/>
+                      </a:pPr>
+                      <a:r>
+                        <a:rPr b="1" lang="en" sz="1100"/>
+                        <a:t>f-score</a:t>
+                      </a:r>
+                      <a:endParaRPr b="1" sz="1100"/>
+                    </a:p>
+                  </a:txBody>
+                  <a:tcPr marT="63500" marB="63500" marR="63500" marL="63500"/>
+                </a:tc>
+                <a:tc>
+                  <a:txBody>
+                    <a:bodyPr/>
+                    <a:lstStyle/>
+                    <a:p>
+                      <a:pPr indent="0" lvl="0" marL="0" rtl="0" algn="l">
+                        <a:spcBef>
+                          <a:spcPts val="0"/>
+                        </a:spcBef>
+                        <a:spcAft>
+                          <a:spcPts val="0"/>
+                        </a:spcAft>
+                        <a:buNone/>
+                      </a:pPr>
+                      <a:r>
+                        <a:rPr b="1" lang="en" sz="1100"/>
+                        <a:t>remarks</a:t>
+                      </a:r>
+                      <a:endParaRPr b="1" sz="1100"/>
+                    </a:p>
+                  </a:txBody>
+                  <a:tcPr marT="63500" marB="63500" marR="63500" marL="63500"/>
+                </a:tc>
+              </a:tr>
+              <a:tr h="12700">
+                <a:tc>
+                  <a:txBody>
+                    <a:bodyPr/>
+                    <a:lstStyle/>
+                    <a:p>
+                      <a:pPr indent="0" lvl="0" marL="0" rtl="0" algn="l">
+                        <a:spcBef>
+                          <a:spcPts val="0"/>
+                        </a:spcBef>
+                        <a:spcAft>
+                          <a:spcPts val="0"/>
+                        </a:spcAft>
+                        <a:buNone/>
+                      </a:pPr>
+                      <a:r>
+                        <a:rPr lang="en" sz="1100"/>
+                        <a:t>1</a:t>
+                      </a:r>
+                      <a:endParaRPr sz="1100"/>
+                    </a:p>
+                  </a:txBody>
+                  <a:tcPr marT="63500" marB="63500" marR="63500" marL="63500"/>
+                </a:tc>
+                <a:tc>
+                  <a:txBody>
+                    <a:bodyPr/>
+                    <a:lstStyle/>
+                    <a:p>
+                      <a:pPr indent="0" lvl="0" marL="0" rtl="0" algn="l">
+                        <a:spcBef>
+                          <a:spcPts val="0"/>
+                        </a:spcBef>
+                        <a:spcAft>
+                          <a:spcPts val="0"/>
+                        </a:spcAft>
+                        <a:buNone/>
+                      </a:pPr>
+                      <a:r>
+                        <a:rPr lang="en" sz="1100"/>
+                        <a:t>Logistic reg</a:t>
+                      </a:r>
+                      <a:endParaRPr sz="1100"/>
+                    </a:p>
+                  </a:txBody>
+                  <a:tcPr marT="63500" marB="63500" marR="63500" marL="63500"/>
+                </a:tc>
+                <a:tc>
+                  <a:txBody>
+                    <a:bodyPr/>
+                    <a:lstStyle/>
+                    <a:p>
+                      <a:pPr indent="0" lvl="0" marL="0" rtl="0" algn="l">
+                        <a:spcBef>
+                          <a:spcPts val="0"/>
+                        </a:spcBef>
+                        <a:spcAft>
+                          <a:spcPts val="0"/>
+                        </a:spcAft>
+                        <a:buNone/>
+                      </a:pPr>
+                      <a:r>
+                        <a:rPr lang="en" sz="1100"/>
+                        <a:t>[0.82,0.39]</a:t>
+                      </a:r>
+                      <a:endParaRPr sz="1100"/>
+                    </a:p>
+                  </a:txBody>
+                  <a:tcPr marT="63500" marB="63500" marR="63500" marL="63500"/>
+                </a:tc>
+                <a:tc>
+                  <a:txBody>
+                    <a:bodyPr/>
+                    <a:lstStyle/>
+                    <a:p>
+                      <a:pPr indent="0" lvl="0" marL="0" rtl="0" algn="l">
+                        <a:spcBef>
+                          <a:spcPts val="0"/>
+                        </a:spcBef>
+                        <a:spcAft>
+                          <a:spcPts val="0"/>
+                        </a:spcAft>
+                        <a:buNone/>
+                      </a:pPr>
+                      <a:r>
+                        <a:rPr lang="en" sz="1100"/>
+                        <a:t>weight 0.15</a:t>
+                      </a:r>
+                      <a:endParaRPr sz="1100"/>
+                    </a:p>
+                  </a:txBody>
+                  <a:tcPr marT="63500" marB="63500" marR="63500" marL="63500"/>
+                </a:tc>
+              </a:tr>
+              <a:tr h="12700">
+                <a:tc>
+                  <a:txBody>
+                    <a:bodyPr/>
+                    <a:lstStyle/>
+                    <a:p>
+                      <a:pPr indent="0" lvl="0" marL="0" rtl="0" algn="l">
+                        <a:spcBef>
+                          <a:spcPts val="0"/>
+                        </a:spcBef>
+                        <a:spcAft>
+                          <a:spcPts val="0"/>
+                        </a:spcAft>
+                        <a:buNone/>
+                      </a:pPr>
+                      <a:r>
+                        <a:rPr lang="en" sz="1100"/>
+                        <a:t>2</a:t>
+                      </a:r>
+                      <a:endParaRPr sz="1100"/>
+                    </a:p>
+                  </a:txBody>
+                  <a:tcPr marT="63500" marB="63500" marR="63500" marL="63500"/>
+                </a:tc>
+                <a:tc>
+                  <a:txBody>
+                    <a:bodyPr/>
+                    <a:lstStyle/>
+                    <a:p>
+                      <a:pPr indent="0" lvl="0" marL="0" rtl="0" algn="l">
+                        <a:spcBef>
+                          <a:spcPts val="0"/>
+                        </a:spcBef>
+                        <a:spcAft>
+                          <a:spcPts val="0"/>
+                        </a:spcAft>
+                        <a:buNone/>
+                      </a:pPr>
+                      <a:r>
+                        <a:rPr lang="en" sz="1100"/>
+                        <a:t>Linear SVM</a:t>
+                      </a:r>
+                      <a:endParaRPr sz="1100"/>
+                    </a:p>
+                  </a:txBody>
+                  <a:tcPr marT="63500" marB="63500" marR="63500" marL="63500"/>
+                </a:tc>
+                <a:tc>
+                  <a:txBody>
+                    <a:bodyPr/>
+                    <a:lstStyle/>
+                    <a:p>
+                      <a:pPr indent="0" lvl="0" marL="0" rtl="0" algn="l">
+                        <a:spcBef>
+                          <a:spcPts val="0"/>
+                        </a:spcBef>
+                        <a:spcAft>
+                          <a:spcPts val="0"/>
+                        </a:spcAft>
+                        <a:buNone/>
+                      </a:pPr>
+                      <a:r>
+                        <a:rPr lang="en" sz="1100"/>
+                        <a:t>[0.84,0.42]</a:t>
+                      </a:r>
+                      <a:endParaRPr sz="1100"/>
+                    </a:p>
+                  </a:txBody>
+                  <a:tcPr marT="63500" marB="63500" marR="63500" marL="63500"/>
+                </a:tc>
+                <a:tc>
+                  <a:txBody>
+                    <a:bodyPr/>
+                    <a:lstStyle/>
+                    <a:p>
+                      <a:pPr indent="0" lvl="0" marL="0" rtl="0" algn="l">
+                        <a:spcBef>
+                          <a:spcPts val="0"/>
+                        </a:spcBef>
+                        <a:spcAft>
+                          <a:spcPts val="0"/>
+                        </a:spcAft>
+                        <a:buNone/>
+                      </a:pPr>
+                      <a:r>
+                        <a:rPr lang="en" sz="1100"/>
+                        <a:t>(0:1,1:4)</a:t>
+                      </a:r>
+                      <a:endParaRPr sz="1100"/>
+                    </a:p>
+                  </a:txBody>
+                  <a:tcPr marT="63500" marB="63500" marR="63500" marL="63500"/>
+                </a:tc>
+              </a:tr>
+              <a:tr h="12700">
+                <a:tc>
+                  <a:txBody>
+                    <a:bodyPr/>
+                    <a:lstStyle/>
+                    <a:p>
+                      <a:pPr indent="0" lvl="0" marL="0" rtl="0" algn="l">
+                        <a:spcBef>
+                          <a:spcPts val="0"/>
+                        </a:spcBef>
+                        <a:spcAft>
+                          <a:spcPts val="0"/>
+                        </a:spcAft>
+                        <a:buNone/>
+                      </a:pPr>
+                      <a:r>
+                        <a:rPr lang="en" sz="1100"/>
+                        <a:t>3</a:t>
+                      </a:r>
+                      <a:endParaRPr sz="1100"/>
+                    </a:p>
+                  </a:txBody>
+                  <a:tcPr marT="63500" marB="63500" marR="63500" marL="63500"/>
+                </a:tc>
+                <a:tc>
+                  <a:txBody>
+                    <a:bodyPr/>
+                    <a:lstStyle/>
+                    <a:p>
+                      <a:pPr indent="0" lvl="0" marL="0" rtl="0" algn="l">
+                        <a:spcBef>
+                          <a:spcPts val="0"/>
+                        </a:spcBef>
+                        <a:spcAft>
+                          <a:spcPts val="0"/>
+                        </a:spcAft>
+                        <a:buNone/>
+                      </a:pPr>
+                      <a:r>
+                        <a:rPr lang="en" sz="1100"/>
+                        <a:t>Polynomial</a:t>
+                      </a:r>
+                      <a:r>
+                        <a:rPr lang="en" sz="1100"/>
+                        <a:t> SVM</a:t>
+                      </a:r>
+                      <a:endParaRPr sz="1100"/>
+                    </a:p>
+                  </a:txBody>
+                  <a:tcPr marT="63500" marB="63500" marR="63500" marL="63500"/>
+                </a:tc>
+                <a:tc>
+                  <a:txBody>
+                    <a:bodyPr/>
+                    <a:lstStyle/>
+                    <a:p>
+                      <a:pPr indent="0" lvl="0" marL="0" rtl="0" algn="l">
+                        <a:spcBef>
+                          <a:spcPts val="0"/>
+                        </a:spcBef>
+                        <a:spcAft>
+                          <a:spcPts val="0"/>
+                        </a:spcAft>
+                        <a:buNone/>
+                      </a:pPr>
+                      <a:r>
+                        <a:rPr lang="en" sz="1100"/>
+                        <a:t>[0.90,0.16]</a:t>
+                      </a:r>
+                      <a:endParaRPr sz="1100"/>
+                    </a:p>
+                  </a:txBody>
+                  <a:tcPr marT="63500" marB="63500" marR="63500" marL="63500"/>
+                </a:tc>
+                <a:tc>
+                  <a:txBody>
+                    <a:bodyPr/>
+                    <a:lstStyle/>
+                    <a:p>
+                      <a:pPr indent="0" lvl="0" marL="0" rtl="0" algn="l">
+                        <a:spcBef>
+                          <a:spcPts val="0"/>
+                        </a:spcBef>
+                        <a:spcAft>
+                          <a:spcPts val="0"/>
+                        </a:spcAft>
+                        <a:buNone/>
+                      </a:pPr>
+                      <a:r>
+                        <a:rPr lang="en" sz="1100"/>
+                        <a:t>(0:1,1:4) deg-5</a:t>
+                      </a:r>
+                      <a:endParaRPr sz="1100"/>
+                    </a:p>
+                  </a:txBody>
+                  <a:tcPr marT="63500" marB="63500" marR="63500" marL="63500"/>
+                </a:tc>
+              </a:tr>
+              <a:tr h="12700">
+                <a:tc>
+                  <a:txBody>
+                    <a:bodyPr/>
+                    <a:lstStyle/>
+                    <a:p>
+                      <a:pPr indent="0" lvl="0" marL="0" rtl="0" algn="l">
+                        <a:spcBef>
+                          <a:spcPts val="0"/>
+                        </a:spcBef>
+                        <a:spcAft>
+                          <a:spcPts val="0"/>
+                        </a:spcAft>
+                        <a:buNone/>
+                      </a:pPr>
+                      <a:r>
+                        <a:rPr lang="en" sz="1100"/>
+                        <a:t>4</a:t>
+                      </a:r>
+                      <a:endParaRPr sz="1100"/>
+                    </a:p>
+                  </a:txBody>
+                  <a:tcPr marT="63500" marB="63500" marR="63500" marL="63500"/>
+                </a:tc>
+                <a:tc>
+                  <a:txBody>
+                    <a:bodyPr/>
+                    <a:lstStyle/>
+                    <a:p>
+                      <a:pPr indent="0" lvl="0" marL="0" rtl="0" algn="l">
+                        <a:spcBef>
+                          <a:spcPts val="0"/>
+                        </a:spcBef>
+                        <a:spcAft>
+                          <a:spcPts val="0"/>
+                        </a:spcAft>
+                        <a:buNone/>
+                      </a:pPr>
+                      <a:r>
+                        <a:rPr lang="en" sz="1100"/>
+                        <a:t>RBF</a:t>
+                      </a:r>
+                      <a:endParaRPr sz="1100"/>
+                    </a:p>
+                  </a:txBody>
+                  <a:tcPr marT="63500" marB="63500" marR="63500" marL="63500"/>
+                </a:tc>
+                <a:tc>
+                  <a:txBody>
+                    <a:bodyPr/>
+                    <a:lstStyle/>
+                    <a:p>
+                      <a:pPr indent="0" lvl="0" marL="0" rtl="0" algn="l">
+                        <a:spcBef>
+                          <a:spcPts val="0"/>
+                        </a:spcBef>
+                        <a:spcAft>
+                          <a:spcPts val="0"/>
+                        </a:spcAft>
+                        <a:buNone/>
+                      </a:pPr>
+                      <a:r>
+                        <a:rPr lang="en" sz="1100"/>
+                        <a:t>[0.87,0.33]</a:t>
+                      </a:r>
+                      <a:endParaRPr sz="1100"/>
+                    </a:p>
+                  </a:txBody>
+                  <a:tcPr marT="63500" marB="63500" marR="63500" marL="63500"/>
+                </a:tc>
+                <a:tc>
+                  <a:txBody>
+                    <a:bodyPr/>
+                    <a:lstStyle/>
+                    <a:p>
+                      <a:pPr indent="0" lvl="0" marL="0" rtl="0" algn="l">
+                        <a:spcBef>
+                          <a:spcPts val="0"/>
+                        </a:spcBef>
+                        <a:spcAft>
+                          <a:spcPts val="0"/>
+                        </a:spcAft>
+                        <a:buNone/>
+                      </a:pPr>
+                      <a:r>
+                        <a:rPr lang="en" sz="1100"/>
+                        <a:t>(0:1,1:4)</a:t>
+                      </a:r>
+                      <a:endParaRPr sz="1100"/>
+                    </a:p>
+                  </a:txBody>
+                  <a:tcPr marT="63500" marB="63500" marR="63500" marL="63500"/>
+                </a:tc>
+              </a:tr>
+            </a:tbl>
+          </a:graphicData>
+        </a:graphic>
+      </p:graphicFrame>
+      <p:sp>
+        <p:nvSpPr>
+          <p:cNvPr id="110" name="Google Shape;110;p18"/>
+          <p:cNvSpPr txBox="1"/>
+          <p:nvPr/>
+        </p:nvSpPr>
+        <p:spPr>
+          <a:xfrm>
+            <a:off x="3416550" y="769350"/>
+            <a:ext cx="2631600" cy="446400"/>
+          </a:xfrm>
+          <a:prstGeom prst="rect">
+            <a:avLst/>
+          </a:prstGeom>
+          <a:noFill/>
+          <a:ln>
+            <a:noFill/>
+          </a:ln>
+        </p:spPr>
+        <p:txBody>
+          <a:bodyPr anchorCtr="0" anchor="t" bIns="91425" lIns="91425" spcFirstLastPara="1" rIns="91425" wrap="square" tIns="91425">
+            <a:spAutoFit/>
+          </a:bodyPr>
+          <a:lstStyle/>
+          <a:p>
+            <a:pPr indent="0" lvl="0" marL="0" rtl="0" algn="l">
+              <a:spcBef>
+                <a:spcPts val="0"/>
+              </a:spcBef>
+              <a:spcAft>
+                <a:spcPts val="0"/>
+              </a:spcAft>
+              <a:buNone/>
+            </a:pPr>
+            <a:r>
+              <a:rPr b="1" lang="en" sz="1700">
+                <a:solidFill>
+                  <a:schemeClr val="dk1"/>
+                </a:solidFill>
+                <a:latin typeface="Roboto"/>
+                <a:ea typeface="Roboto"/>
+                <a:cs typeface="Roboto"/>
+                <a:sym typeface="Roboto"/>
+              </a:rPr>
+              <a:t>Results</a:t>
+            </a:r>
+            <a:endParaRPr b="1" sz="1700">
+              <a:solidFill>
+                <a:schemeClr val="dk1"/>
+              </a:solidFill>
+              <a:latin typeface="Roboto"/>
+              <a:ea typeface="Roboto"/>
+              <a:cs typeface="Roboto"/>
+              <a:sym typeface="Roboto"/>
+            </a:endParaRPr>
+          </a:p>
+        </p:txBody>
+      </p:sp>
+      <p:sp>
+        <p:nvSpPr>
+          <p:cNvPr id="111" name="Google Shape;111;p18"/>
+          <p:cNvSpPr txBox="1"/>
+          <p:nvPr/>
+        </p:nvSpPr>
+        <p:spPr>
+          <a:xfrm>
+            <a:off x="1338200" y="3118600"/>
+            <a:ext cx="5203200" cy="1785600"/>
+          </a:xfrm>
+          <a:prstGeom prst="rect">
+            <a:avLst/>
+          </a:prstGeom>
+          <a:noFill/>
+          <a:ln>
+            <a:noFill/>
+          </a:ln>
+        </p:spPr>
+        <p:txBody>
+          <a:bodyPr anchorCtr="0" anchor="t" bIns="91425" lIns="91425" spcFirstLastPara="1" rIns="91425" wrap="square" tIns="91425">
+            <a:spAutoFit/>
+          </a:bodyPr>
+          <a:lstStyle/>
+          <a:p>
+            <a:pPr indent="-311150" lvl="0" marL="457200" rtl="0" algn="l">
+              <a:spcBef>
+                <a:spcPts val="0"/>
+              </a:spcBef>
+              <a:spcAft>
+                <a:spcPts val="0"/>
+              </a:spcAft>
+              <a:buClr>
+                <a:schemeClr val="dk1"/>
+              </a:buClr>
+              <a:buSzPts val="1300"/>
+              <a:buFont typeface="Roboto"/>
+              <a:buChar char="●"/>
+            </a:pPr>
+            <a:r>
+              <a:rPr lang="en" sz="1300">
+                <a:solidFill>
+                  <a:schemeClr val="dk1"/>
+                </a:solidFill>
+                <a:latin typeface="Roboto"/>
+                <a:ea typeface="Roboto"/>
+                <a:cs typeface="Roboto"/>
+                <a:sym typeface="Roboto"/>
+              </a:rPr>
+              <a:t>SVM is good for this dataset</a:t>
+            </a:r>
+            <a:endParaRPr sz="1300">
+              <a:solidFill>
+                <a:schemeClr val="dk1"/>
+              </a:solidFill>
+              <a:latin typeface="Roboto"/>
+              <a:ea typeface="Roboto"/>
+              <a:cs typeface="Roboto"/>
+              <a:sym typeface="Roboto"/>
+            </a:endParaRPr>
+          </a:p>
+          <a:p>
+            <a:pPr indent="0" lvl="0" marL="457200" rtl="0" algn="l">
+              <a:spcBef>
+                <a:spcPts val="0"/>
+              </a:spcBef>
+              <a:spcAft>
+                <a:spcPts val="0"/>
+              </a:spcAft>
+              <a:buNone/>
+            </a:pPr>
+            <a:r>
+              <a:t/>
+            </a:r>
+            <a:endParaRPr sz="1300">
+              <a:solidFill>
+                <a:schemeClr val="dk1"/>
+              </a:solidFill>
+              <a:latin typeface="Roboto"/>
+              <a:ea typeface="Roboto"/>
+              <a:cs typeface="Roboto"/>
+              <a:sym typeface="Roboto"/>
+            </a:endParaRPr>
+          </a:p>
+          <a:p>
+            <a:pPr indent="-311150" lvl="0" marL="457200" rtl="0" algn="l">
+              <a:spcBef>
+                <a:spcPts val="0"/>
+              </a:spcBef>
+              <a:spcAft>
+                <a:spcPts val="0"/>
+              </a:spcAft>
+              <a:buClr>
+                <a:schemeClr val="dk1"/>
+              </a:buClr>
+              <a:buSzPts val="1300"/>
+              <a:buFont typeface="Roboto"/>
+              <a:buChar char="●"/>
+            </a:pPr>
+            <a:r>
+              <a:rPr lang="en" sz="1300">
+                <a:solidFill>
+                  <a:schemeClr val="dk1"/>
+                </a:solidFill>
+                <a:latin typeface="Roboto"/>
+                <a:ea typeface="Roboto"/>
+                <a:cs typeface="Roboto"/>
+                <a:sym typeface="Roboto"/>
+              </a:rPr>
+              <a:t>Polynomial kernel worked best</a:t>
+            </a:r>
+            <a:endParaRPr sz="1300">
+              <a:solidFill>
+                <a:schemeClr val="dk1"/>
+              </a:solidFill>
+              <a:latin typeface="Roboto"/>
+              <a:ea typeface="Roboto"/>
+              <a:cs typeface="Roboto"/>
+              <a:sym typeface="Roboto"/>
+            </a:endParaRPr>
+          </a:p>
+          <a:p>
+            <a:pPr indent="0" lvl="0" marL="457200" rtl="0" algn="l">
+              <a:spcBef>
+                <a:spcPts val="0"/>
+              </a:spcBef>
+              <a:spcAft>
+                <a:spcPts val="0"/>
+              </a:spcAft>
+              <a:buNone/>
+            </a:pPr>
+            <a:r>
+              <a:t/>
+            </a:r>
+            <a:endParaRPr sz="1300">
+              <a:solidFill>
+                <a:schemeClr val="dk1"/>
+              </a:solidFill>
+              <a:latin typeface="Roboto"/>
+              <a:ea typeface="Roboto"/>
+              <a:cs typeface="Roboto"/>
+              <a:sym typeface="Roboto"/>
+            </a:endParaRPr>
+          </a:p>
+          <a:p>
+            <a:pPr indent="-311150" lvl="0" marL="457200" rtl="0" algn="l">
+              <a:spcBef>
+                <a:spcPts val="0"/>
+              </a:spcBef>
+              <a:spcAft>
+                <a:spcPts val="0"/>
+              </a:spcAft>
+              <a:buClr>
+                <a:schemeClr val="dk1"/>
+              </a:buClr>
+              <a:buSzPts val="1300"/>
+              <a:buFont typeface="Roboto"/>
+              <a:buChar char="●"/>
+            </a:pPr>
+            <a:r>
+              <a:rPr lang="en" sz="1300">
+                <a:solidFill>
+                  <a:schemeClr val="dk1"/>
+                </a:solidFill>
+                <a:latin typeface="Roboto"/>
+                <a:ea typeface="Roboto"/>
+                <a:cs typeface="Roboto"/>
+                <a:sym typeface="Roboto"/>
+              </a:rPr>
+              <a:t>Class weight has changed the results</a:t>
+            </a:r>
+            <a:endParaRPr sz="1300">
+              <a:solidFill>
+                <a:schemeClr val="dk1"/>
+              </a:solidFill>
+              <a:latin typeface="Roboto"/>
+              <a:ea typeface="Roboto"/>
+              <a:cs typeface="Roboto"/>
+              <a:sym typeface="Roboto"/>
+            </a:endParaRPr>
+          </a:p>
+          <a:p>
+            <a:pPr indent="0" lvl="0" marL="457200" rtl="0" algn="l">
+              <a:spcBef>
+                <a:spcPts val="0"/>
+              </a:spcBef>
+              <a:spcAft>
+                <a:spcPts val="0"/>
+              </a:spcAft>
+              <a:buNone/>
+            </a:pPr>
+            <a:r>
+              <a:t/>
+            </a:r>
+            <a:endParaRPr sz="1300">
+              <a:solidFill>
+                <a:schemeClr val="dk1"/>
+              </a:solidFill>
+              <a:latin typeface="Roboto"/>
+              <a:ea typeface="Roboto"/>
+              <a:cs typeface="Roboto"/>
+              <a:sym typeface="Roboto"/>
+            </a:endParaRPr>
+          </a:p>
+          <a:p>
+            <a:pPr indent="-311150" lvl="0" marL="457200" rtl="0" algn="l">
+              <a:spcBef>
+                <a:spcPts val="0"/>
+              </a:spcBef>
+              <a:spcAft>
+                <a:spcPts val="0"/>
+              </a:spcAft>
+              <a:buClr>
+                <a:schemeClr val="dk1"/>
+              </a:buClr>
+              <a:buSzPts val="1300"/>
+              <a:buFont typeface="Roboto"/>
+              <a:buChar char="●"/>
+            </a:pPr>
+            <a:r>
+              <a:rPr lang="en" sz="1300">
+                <a:solidFill>
+                  <a:schemeClr val="dk1"/>
+                </a:solidFill>
+                <a:latin typeface="Roboto"/>
+                <a:ea typeface="Roboto"/>
+                <a:cs typeface="Roboto"/>
+                <a:sym typeface="Roboto"/>
+              </a:rPr>
+              <a:t>Model is seemed </a:t>
+            </a:r>
+            <a:r>
+              <a:rPr lang="en" sz="1300">
+                <a:solidFill>
+                  <a:schemeClr val="dk1"/>
+                </a:solidFill>
+                <a:latin typeface="Roboto"/>
+                <a:ea typeface="Roboto"/>
+                <a:cs typeface="Roboto"/>
+                <a:sym typeface="Roboto"/>
+              </a:rPr>
+              <a:t>struggling</a:t>
+            </a:r>
+            <a:r>
+              <a:rPr lang="en" sz="1300">
+                <a:solidFill>
+                  <a:schemeClr val="dk1"/>
+                </a:solidFill>
+                <a:latin typeface="Roboto"/>
+                <a:ea typeface="Roboto"/>
+                <a:cs typeface="Roboto"/>
+                <a:sym typeface="Roboto"/>
+              </a:rPr>
+              <a:t> to classify the positive values, could be because of the less data</a:t>
+            </a:r>
+            <a:endParaRPr sz="1300">
+              <a:solidFill>
+                <a:schemeClr val="dk1"/>
+              </a:solidFill>
+              <a:latin typeface="Roboto"/>
+              <a:ea typeface="Roboto"/>
+              <a:cs typeface="Roboto"/>
+              <a:sym typeface="Roboto"/>
+            </a:endParaRPr>
+          </a:p>
+        </p:txBody>
+      </p:sp>
+    </p:spTree>
+  </p:cSld>
+  <p:clrMapOvr>
+    <a:masterClrMapping/>
+  </p:clrMapOvr>
+</p:sld>
+</file>
+
+<file path=ppt/slides/slide7.xml><?xml version="1.0" encoding="utf-8"?>
+<p:sld xmlns:a="http://schemas.openxmlformats.org/drawingml/2006/main" xmlns:r="http://schemas.openxmlformats.org/officeDocument/2006/relationships" xmlns:mc="http://schemas.openxmlformats.org/markup-compatibility/2006" xmlns:mv="urn:schemas-microsoft-com:mac:vml" xmlns:p="http://schemas.openxmlformats.org/presentationml/2006/main" xmlns:c="http://schemas.openxmlformats.org/drawingml/2006/chart" xmlns:dgm="http://schemas.openxmlformats.org/drawingml/2006/diagram" xmlns:o="urn:schemas-microsoft-com:office:office" xmlns:v="urn:schemas-microsoft-com:vml" xmlns:pvml="urn:schemas-microsoft-com:office:powerpoint" xmlns:com="http://schemas.openxmlformats.org/drawingml/2006/compatibility" xmlns:p14="http://schemas.microsoft.com/office/powerpoint/2010/main" xmlns:p15="http://schemas.microsoft.com/office/powerpoint/2012/main" xmlns:ahyp="http://schemas.microsoft.com/office/drawing/2018/hyperlinkcolor">
+  <p:cSld>
+    <p:spTree>
+      <p:nvGrpSpPr>
+        <p:cNvPr id="115" name="Shape 115"/>
+        <p:cNvGrpSpPr/>
+        <p:nvPr/>
+      </p:nvGrpSpPr>
+      <p:grpSpPr>
+        <a:xfrm>
+          <a:off x="0" y="0"/>
+          <a:ext cx="0" cy="0"/>
+          <a:chOff x="0" y="0"/>
+          <a:chExt cx="0" cy="0"/>
+        </a:xfrm>
+      </p:grpSpPr>
+      <p:sp>
+        <p:nvSpPr>
+          <p:cNvPr id="116" name="Google Shape;116;p19"/>
+          <p:cNvSpPr txBox="1"/>
+          <p:nvPr/>
+        </p:nvSpPr>
+        <p:spPr>
+          <a:xfrm>
+            <a:off x="3513725" y="471000"/>
+            <a:ext cx="2631600" cy="461700"/>
+          </a:xfrm>
+          <a:prstGeom prst="rect">
+            <a:avLst/>
+          </a:prstGeom>
+          <a:noFill/>
+          <a:ln>
+            <a:noFill/>
+          </a:ln>
+        </p:spPr>
+        <p:txBody>
+          <a:bodyPr anchorCtr="0" anchor="t" bIns="91425" lIns="91425" spcFirstLastPara="1" rIns="91425" wrap="square" tIns="91425">
+            <a:spAutoFit/>
+          </a:bodyPr>
+          <a:lstStyle/>
+          <a:p>
+            <a:pPr indent="0" lvl="0" marL="0" rtl="0" algn="l">
+              <a:spcBef>
+                <a:spcPts val="0"/>
+              </a:spcBef>
+              <a:spcAft>
+                <a:spcPts val="0"/>
+              </a:spcAft>
+              <a:buNone/>
+            </a:pPr>
+            <a:r>
+              <a:rPr b="1" lang="en" sz="1800">
+                <a:solidFill>
+                  <a:schemeClr val="dk1"/>
+                </a:solidFill>
+                <a:latin typeface="Roboto"/>
+                <a:ea typeface="Roboto"/>
+                <a:cs typeface="Roboto"/>
+                <a:sym typeface="Roboto"/>
+              </a:rPr>
+              <a:t>Analysis 2</a:t>
+            </a:r>
+            <a:endParaRPr b="1" sz="1800">
+              <a:solidFill>
+                <a:schemeClr val="dk1"/>
+              </a:solidFill>
+              <a:latin typeface="Roboto"/>
+              <a:ea typeface="Roboto"/>
+              <a:cs typeface="Roboto"/>
+              <a:sym typeface="Roboto"/>
+            </a:endParaRPr>
+          </a:p>
+        </p:txBody>
+      </p:sp>
+      <p:sp>
+        <p:nvSpPr>
+          <p:cNvPr id="117" name="Google Shape;117;p19"/>
+          <p:cNvSpPr txBox="1"/>
+          <p:nvPr/>
+        </p:nvSpPr>
+        <p:spPr>
+          <a:xfrm>
+            <a:off x="2840875" y="953288"/>
+            <a:ext cx="3797700" cy="1262100"/>
+          </a:xfrm>
+          <a:prstGeom prst="rect">
+            <a:avLst/>
+          </a:prstGeom>
+          <a:noFill/>
+          <a:ln>
+            <a:noFill/>
+          </a:ln>
+        </p:spPr>
+        <p:txBody>
+          <a:bodyPr anchorCtr="0" anchor="t" bIns="91425" lIns="91425" spcFirstLastPara="1" rIns="91425" wrap="square" tIns="91425">
+            <a:spAutoFit/>
+          </a:bodyPr>
+          <a:lstStyle/>
+          <a:p>
+            <a:pPr indent="0" lvl="0" marL="0" rtl="0" algn="l">
+              <a:spcBef>
+                <a:spcPts val="0"/>
+              </a:spcBef>
+              <a:spcAft>
+                <a:spcPts val="0"/>
+              </a:spcAft>
+              <a:buNone/>
+            </a:pPr>
+            <a:r>
+              <a:rPr lang="en">
+                <a:solidFill>
+                  <a:schemeClr val="dk1"/>
+                </a:solidFill>
+                <a:latin typeface="Roboto"/>
+                <a:ea typeface="Roboto"/>
+                <a:cs typeface="Roboto"/>
+                <a:sym typeface="Roboto"/>
+              </a:rPr>
+              <a:t>Dataset</a:t>
+            </a:r>
+            <a:endParaRPr>
+              <a:solidFill>
+                <a:schemeClr val="dk1"/>
+              </a:solidFill>
+              <a:latin typeface="Roboto"/>
+              <a:ea typeface="Roboto"/>
+              <a:cs typeface="Roboto"/>
+              <a:sym typeface="Roboto"/>
+            </a:endParaRPr>
+          </a:p>
+          <a:p>
+            <a:pPr indent="-317500" lvl="0" marL="457200" marR="0" rtl="0" algn="l">
+              <a:lnSpc>
+                <a:spcPct val="100000"/>
+              </a:lnSpc>
+              <a:spcBef>
+                <a:spcPts val="0"/>
+              </a:spcBef>
+              <a:spcAft>
+                <a:spcPts val="0"/>
+              </a:spcAft>
+              <a:buClr>
+                <a:schemeClr val="dk1"/>
+              </a:buClr>
+              <a:buSzPts val="1400"/>
+              <a:buFont typeface="Roboto"/>
+              <a:buChar char="●"/>
+            </a:pPr>
+            <a:r>
+              <a:rPr lang="en">
+                <a:solidFill>
+                  <a:schemeClr val="dk1"/>
+                </a:solidFill>
+                <a:latin typeface="Roboto"/>
+                <a:ea typeface="Roboto"/>
+                <a:cs typeface="Roboto"/>
+                <a:sym typeface="Roboto"/>
+              </a:rPr>
+              <a:t>Social networking ads from </a:t>
+            </a:r>
+            <a:r>
+              <a:rPr lang="en" u="sng">
+                <a:solidFill>
+                  <a:schemeClr val="hlink"/>
+                </a:solidFill>
+                <a:latin typeface="Roboto"/>
+                <a:ea typeface="Roboto"/>
+                <a:cs typeface="Roboto"/>
+                <a:sym typeface="Roboto"/>
+                <a:hlinkClick r:id="rId3"/>
+              </a:rPr>
+              <a:t>Kaggle</a:t>
+            </a:r>
+            <a:endParaRPr>
+              <a:solidFill>
+                <a:schemeClr val="dk1"/>
+              </a:solidFill>
+              <a:latin typeface="Roboto"/>
+              <a:ea typeface="Roboto"/>
+              <a:cs typeface="Roboto"/>
+              <a:sym typeface="Roboto"/>
+            </a:endParaRPr>
+          </a:p>
+          <a:p>
+            <a:pPr indent="-317500" lvl="0" marL="457200" marR="0" rtl="0" algn="l">
+              <a:lnSpc>
+                <a:spcPct val="100000"/>
+              </a:lnSpc>
+              <a:spcBef>
+                <a:spcPts val="0"/>
+              </a:spcBef>
+              <a:spcAft>
+                <a:spcPts val="0"/>
+              </a:spcAft>
+              <a:buClr>
+                <a:schemeClr val="dk1"/>
+              </a:buClr>
+              <a:buSzPts val="1400"/>
+              <a:buFont typeface="Roboto"/>
+              <a:buChar char="●"/>
+            </a:pPr>
+            <a:r>
+              <a:rPr lang="en">
+                <a:solidFill>
+                  <a:schemeClr val="dk1"/>
+                </a:solidFill>
+                <a:latin typeface="Roboto"/>
+                <a:ea typeface="Roboto"/>
+                <a:cs typeface="Roboto"/>
+                <a:sym typeface="Roboto"/>
+              </a:rPr>
+              <a:t>Target variable: purchased</a:t>
+            </a:r>
+            <a:endParaRPr>
+              <a:solidFill>
+                <a:schemeClr val="dk1"/>
+              </a:solidFill>
+              <a:latin typeface="Roboto"/>
+              <a:ea typeface="Roboto"/>
+              <a:cs typeface="Roboto"/>
+              <a:sym typeface="Roboto"/>
+            </a:endParaRPr>
+          </a:p>
+          <a:p>
+            <a:pPr indent="-317500" lvl="0" marL="457200" marR="0" rtl="0" algn="l">
+              <a:lnSpc>
+                <a:spcPct val="100000"/>
+              </a:lnSpc>
+              <a:spcBef>
+                <a:spcPts val="0"/>
+              </a:spcBef>
+              <a:spcAft>
+                <a:spcPts val="0"/>
+              </a:spcAft>
+              <a:buClr>
+                <a:schemeClr val="dk1"/>
+              </a:buClr>
+              <a:buSzPts val="1400"/>
+              <a:buFont typeface="Roboto"/>
+              <a:buChar char="●"/>
+            </a:pPr>
+            <a:r>
+              <a:rPr lang="en">
+                <a:solidFill>
+                  <a:schemeClr val="dk1"/>
+                </a:solidFill>
+                <a:latin typeface="Roboto"/>
+                <a:ea typeface="Roboto"/>
+                <a:cs typeface="Roboto"/>
+                <a:sym typeface="Roboto"/>
+              </a:rPr>
+              <a:t>Classifier variables: </a:t>
+            </a:r>
+            <a:endParaRPr>
+              <a:solidFill>
+                <a:schemeClr val="dk1"/>
+              </a:solidFill>
+              <a:latin typeface="Roboto"/>
+              <a:ea typeface="Roboto"/>
+              <a:cs typeface="Roboto"/>
+              <a:sym typeface="Roboto"/>
+            </a:endParaRPr>
+          </a:p>
+          <a:p>
+            <a:pPr indent="0" lvl="0" marL="0" marR="0" rtl="0" algn="l">
+              <a:lnSpc>
+                <a:spcPct val="100000"/>
+              </a:lnSpc>
+              <a:spcBef>
+                <a:spcPts val="0"/>
+              </a:spcBef>
+              <a:spcAft>
+                <a:spcPts val="0"/>
+              </a:spcAft>
+              <a:buNone/>
+            </a:pPr>
+            <a:r>
+              <a:rPr lang="en">
+                <a:solidFill>
+                  <a:schemeClr val="dk1"/>
+                </a:solidFill>
+                <a:latin typeface="Roboto"/>
+                <a:ea typeface="Roboto"/>
+                <a:cs typeface="Roboto"/>
+                <a:sym typeface="Roboto"/>
+              </a:rPr>
+              <a:t>Age, gender, estimated salary</a:t>
+            </a:r>
+            <a:endParaRPr>
+              <a:solidFill>
+                <a:schemeClr val="dk1"/>
+              </a:solidFill>
+              <a:latin typeface="Roboto"/>
+              <a:ea typeface="Roboto"/>
+              <a:cs typeface="Roboto"/>
+              <a:sym typeface="Roboto"/>
+            </a:endParaRPr>
+          </a:p>
+        </p:txBody>
+      </p:sp>
+      <p:pic>
+        <p:nvPicPr>
+          <p:cNvPr id="118" name="Google Shape;118;p19"/>
+          <p:cNvPicPr preferRelativeResize="0"/>
+          <p:nvPr/>
+        </p:nvPicPr>
+        <p:blipFill>
+          <a:blip r:embed="rId4">
+            <a:alphaModFix/>
+          </a:blip>
+          <a:stretch>
+            <a:fillRect/>
+          </a:stretch>
+        </p:blipFill>
+        <p:spPr>
+          <a:xfrm>
+            <a:off x="2749625" y="2165077"/>
+            <a:ext cx="3250475" cy="2608825"/>
+          </a:xfrm>
+          <a:prstGeom prst="rect">
+            <a:avLst/>
+          </a:prstGeom>
+          <a:noFill/>
+          <a:ln>
+            <a:noFill/>
+          </a:ln>
+        </p:spPr>
+      </p:pic>
+    </p:spTree>
+  </p:cSld>
+  <p:clrMapOvr>
+    <a:masterClrMapping/>
+  </p:clrMapOvr>
+</p:sld>
+</file>
+
+<file path=ppt/slides/slide8.xml><?xml version="1.0" encoding="utf-8"?>
+<p:sld xmlns:a="http://schemas.openxmlformats.org/drawingml/2006/main" xmlns:r="http://schemas.openxmlformats.org/officeDocument/2006/relationships" xmlns:mc="http://schemas.openxmlformats.org/markup-compatibility/2006" xmlns:mv="urn:schemas-microsoft-com:mac:vml" xmlns:p="http://schemas.openxmlformats.org/presentationml/2006/main" xmlns:c="http://schemas.openxmlformats.org/drawingml/2006/chart" xmlns:dgm="http://schemas.openxmlformats.org/drawingml/2006/diagram" xmlns:o="urn:schemas-microsoft-com:office:office" xmlns:v="urn:schemas-microsoft-com:vml" xmlns:pvml="urn:schemas-microsoft-com:office:powerpoint" xmlns:com="http://schemas.openxmlformats.org/drawingml/2006/compatibility" xmlns:p14="http://schemas.microsoft.com/office/powerpoint/2010/main" xmlns:p15="http://schemas.microsoft.com/office/powerpoint/2012/main" xmlns:ahyp="http://schemas.microsoft.com/office/drawing/2018/hyperlinkcolor">
+  <p:cSld>
+    <p:spTree>
+      <p:nvGrpSpPr>
+        <p:cNvPr id="122" name="Shape 122"/>
+        <p:cNvGrpSpPr/>
+        <p:nvPr/>
+      </p:nvGrpSpPr>
+      <p:grpSpPr>
+        <a:xfrm>
+          <a:off x="0" y="0"/>
+          <a:ext cx="0" cy="0"/>
+          <a:chOff x="0" y="0"/>
+          <a:chExt cx="0" cy="0"/>
+        </a:xfrm>
+      </p:grpSpPr>
+      <p:sp>
+        <p:nvSpPr>
+          <p:cNvPr id="123" name="Google Shape;123;p20"/>
+          <p:cNvSpPr txBox="1"/>
+          <p:nvPr/>
+        </p:nvSpPr>
+        <p:spPr>
+          <a:xfrm>
+            <a:off x="3513725" y="471000"/>
+            <a:ext cx="2631600" cy="446400"/>
+          </a:xfrm>
+          <a:prstGeom prst="rect">
+            <a:avLst/>
+          </a:prstGeom>
+          <a:noFill/>
+          <a:ln>
+            <a:noFill/>
+          </a:ln>
+        </p:spPr>
+        <p:txBody>
+          <a:bodyPr anchorCtr="0" anchor="t" bIns="91425" lIns="91425" spcFirstLastPara="1" rIns="91425" wrap="square" tIns="91425">
+            <a:spAutoFit/>
+          </a:bodyPr>
+          <a:lstStyle/>
+          <a:p>
+            <a:pPr indent="0" lvl="0" marL="0" rtl="0" algn="l">
+              <a:spcBef>
+                <a:spcPts val="0"/>
+              </a:spcBef>
+              <a:spcAft>
+                <a:spcPts val="0"/>
+              </a:spcAft>
+              <a:buNone/>
+            </a:pPr>
+            <a:r>
+              <a:rPr lang="en" sz="1700">
+                <a:solidFill>
+                  <a:schemeClr val="dk1"/>
+                </a:solidFill>
+                <a:latin typeface="Roboto"/>
+                <a:ea typeface="Roboto"/>
+                <a:cs typeface="Roboto"/>
+                <a:sym typeface="Roboto"/>
+              </a:rPr>
+              <a:t>Analysis Techniques</a:t>
+            </a:r>
+            <a:endParaRPr sz="1700">
+              <a:solidFill>
+                <a:schemeClr val="dk1"/>
+              </a:solidFill>
+              <a:latin typeface="Roboto"/>
+              <a:ea typeface="Roboto"/>
+              <a:cs typeface="Roboto"/>
+              <a:sym typeface="Roboto"/>
+            </a:endParaRPr>
+          </a:p>
+        </p:txBody>
+      </p:sp>
+      <p:sp>
+        <p:nvSpPr>
+          <p:cNvPr id="124" name="Google Shape;124;p20"/>
+          <p:cNvSpPr txBox="1"/>
+          <p:nvPr/>
+        </p:nvSpPr>
+        <p:spPr>
+          <a:xfrm>
+            <a:off x="1898900" y="889650"/>
+            <a:ext cx="4209000" cy="2124000"/>
+          </a:xfrm>
+          <a:prstGeom prst="rect">
+            <a:avLst/>
+          </a:prstGeom>
+          <a:noFill/>
+          <a:ln>
+            <a:noFill/>
+          </a:ln>
+        </p:spPr>
+        <p:txBody>
+          <a:bodyPr anchorCtr="0" anchor="t" bIns="91425" lIns="91425" spcFirstLastPara="1" rIns="91425" wrap="square" tIns="91425">
+            <a:spAutoFit/>
+          </a:bodyPr>
+          <a:lstStyle/>
+          <a:p>
+            <a:pPr indent="0" lvl="0" marL="0" rtl="0" algn="l">
+              <a:spcBef>
+                <a:spcPts val="0"/>
+              </a:spcBef>
+              <a:spcAft>
+                <a:spcPts val="0"/>
+              </a:spcAft>
+              <a:buNone/>
+            </a:pPr>
+            <a:r>
+              <a:t/>
+            </a:r>
+            <a:endParaRPr>
+              <a:solidFill>
+                <a:schemeClr val="dk1"/>
+              </a:solidFill>
+              <a:latin typeface="Roboto"/>
+              <a:ea typeface="Roboto"/>
+              <a:cs typeface="Roboto"/>
+              <a:sym typeface="Roboto"/>
+            </a:endParaRPr>
+          </a:p>
+          <a:p>
+            <a:pPr indent="-317500" lvl="0" marL="457200" rtl="0" algn="l">
+              <a:spcBef>
+                <a:spcPts val="0"/>
+              </a:spcBef>
+              <a:spcAft>
+                <a:spcPts val="0"/>
+              </a:spcAft>
+              <a:buClr>
+                <a:schemeClr val="dk1"/>
+              </a:buClr>
+              <a:buSzPts val="1400"/>
+              <a:buFont typeface="Roboto"/>
+              <a:buChar char="●"/>
+            </a:pPr>
+            <a:r>
+              <a:rPr lang="en">
+                <a:solidFill>
+                  <a:schemeClr val="dk1"/>
+                </a:solidFill>
+                <a:latin typeface="Roboto"/>
+                <a:ea typeface="Roboto"/>
+                <a:cs typeface="Roboto"/>
+                <a:sym typeface="Roboto"/>
+              </a:rPr>
+              <a:t>Standardization</a:t>
+            </a:r>
+            <a:endParaRPr>
+              <a:solidFill>
+                <a:schemeClr val="dk1"/>
+              </a:solidFill>
+              <a:latin typeface="Roboto"/>
+              <a:ea typeface="Roboto"/>
+              <a:cs typeface="Roboto"/>
+              <a:sym typeface="Roboto"/>
+            </a:endParaRPr>
+          </a:p>
+          <a:p>
+            <a:pPr indent="-317500" lvl="0" marL="457200" rtl="0" algn="l">
+              <a:spcBef>
+                <a:spcPts val="0"/>
+              </a:spcBef>
+              <a:spcAft>
+                <a:spcPts val="0"/>
+              </a:spcAft>
+              <a:buClr>
+                <a:schemeClr val="dk1"/>
+              </a:buClr>
+              <a:buSzPts val="1400"/>
+              <a:buFont typeface="Roboto"/>
+              <a:buChar char="●"/>
+            </a:pPr>
+            <a:r>
+              <a:rPr lang="en">
+                <a:solidFill>
+                  <a:schemeClr val="dk1"/>
+                </a:solidFill>
+                <a:latin typeface="Roboto"/>
+                <a:ea typeface="Roboto"/>
+                <a:cs typeface="Roboto"/>
+                <a:sym typeface="Roboto"/>
+              </a:rPr>
+              <a:t>Dataset split 75%, 25%</a:t>
+            </a:r>
+            <a:endParaRPr>
+              <a:solidFill>
+                <a:schemeClr val="dk1"/>
+              </a:solidFill>
+              <a:latin typeface="Roboto"/>
+              <a:ea typeface="Roboto"/>
+              <a:cs typeface="Roboto"/>
+              <a:sym typeface="Roboto"/>
+            </a:endParaRPr>
+          </a:p>
+          <a:p>
+            <a:pPr indent="0" lvl="0" marL="457200" rtl="0" algn="l">
+              <a:spcBef>
+                <a:spcPts val="0"/>
+              </a:spcBef>
+              <a:spcAft>
+                <a:spcPts val="0"/>
+              </a:spcAft>
+              <a:buNone/>
+            </a:pPr>
+            <a:r>
+              <a:t/>
+            </a:r>
+            <a:endParaRPr>
+              <a:solidFill>
+                <a:schemeClr val="dk1"/>
+              </a:solidFill>
+              <a:latin typeface="Roboto"/>
+              <a:ea typeface="Roboto"/>
+              <a:cs typeface="Roboto"/>
+              <a:sym typeface="Roboto"/>
+            </a:endParaRPr>
+          </a:p>
+          <a:p>
+            <a:pPr indent="0" lvl="0" marL="0" rtl="0" algn="l">
+              <a:spcBef>
+                <a:spcPts val="0"/>
+              </a:spcBef>
+              <a:spcAft>
+                <a:spcPts val="0"/>
+              </a:spcAft>
+              <a:buNone/>
+            </a:pPr>
+            <a:r>
+              <a:t/>
+            </a:r>
+            <a:endParaRPr>
+              <a:solidFill>
+                <a:schemeClr val="dk1"/>
+              </a:solidFill>
+              <a:latin typeface="Roboto"/>
+              <a:ea typeface="Roboto"/>
+              <a:cs typeface="Roboto"/>
+              <a:sym typeface="Roboto"/>
+            </a:endParaRPr>
+          </a:p>
+          <a:p>
+            <a:pPr indent="-317500" lvl="0" marL="457200" rtl="0" algn="l">
+              <a:spcBef>
+                <a:spcPts val="0"/>
+              </a:spcBef>
+              <a:spcAft>
+                <a:spcPts val="0"/>
+              </a:spcAft>
+              <a:buClr>
+                <a:schemeClr val="dk1"/>
+              </a:buClr>
+              <a:buSzPts val="1400"/>
+              <a:buFont typeface="Roboto"/>
+              <a:buAutoNum type="arabicPeriod"/>
+            </a:pPr>
+            <a:r>
+              <a:rPr lang="en">
+                <a:solidFill>
+                  <a:schemeClr val="dk1"/>
+                </a:solidFill>
+                <a:latin typeface="Roboto"/>
+                <a:ea typeface="Roboto"/>
+                <a:cs typeface="Roboto"/>
+                <a:sym typeface="Roboto"/>
+              </a:rPr>
+              <a:t>Logistic Regression</a:t>
+            </a:r>
+            <a:endParaRPr>
+              <a:solidFill>
+                <a:schemeClr val="dk1"/>
+              </a:solidFill>
+              <a:latin typeface="Roboto"/>
+              <a:ea typeface="Roboto"/>
+              <a:cs typeface="Roboto"/>
+              <a:sym typeface="Roboto"/>
+            </a:endParaRPr>
+          </a:p>
+          <a:p>
+            <a:pPr indent="-317500" lvl="0" marL="457200" rtl="0" algn="l">
+              <a:spcBef>
+                <a:spcPts val="0"/>
+              </a:spcBef>
+              <a:spcAft>
+                <a:spcPts val="0"/>
+              </a:spcAft>
+              <a:buClr>
+                <a:schemeClr val="dk1"/>
+              </a:buClr>
+              <a:buSzPts val="1400"/>
+              <a:buFont typeface="Roboto"/>
+              <a:buAutoNum type="arabicPeriod"/>
+            </a:pPr>
+            <a:r>
+              <a:rPr lang="en">
+                <a:solidFill>
+                  <a:schemeClr val="dk1"/>
+                </a:solidFill>
+                <a:latin typeface="Roboto"/>
+                <a:ea typeface="Roboto"/>
+                <a:cs typeface="Roboto"/>
+                <a:sym typeface="Roboto"/>
+              </a:rPr>
+              <a:t>SVM (linear and polynomial classification)</a:t>
+            </a:r>
+            <a:endParaRPr>
+              <a:solidFill>
+                <a:schemeClr val="dk1"/>
+              </a:solidFill>
+              <a:latin typeface="Roboto"/>
+              <a:ea typeface="Roboto"/>
+              <a:cs typeface="Roboto"/>
+              <a:sym typeface="Roboto"/>
+            </a:endParaRPr>
+          </a:p>
+          <a:p>
+            <a:pPr indent="-317500" lvl="0" marL="457200" rtl="0" algn="l">
+              <a:spcBef>
+                <a:spcPts val="0"/>
+              </a:spcBef>
+              <a:spcAft>
+                <a:spcPts val="0"/>
+              </a:spcAft>
+              <a:buClr>
+                <a:schemeClr val="dk1"/>
+              </a:buClr>
+              <a:buSzPts val="1400"/>
+              <a:buFont typeface="Roboto"/>
+              <a:buAutoNum type="arabicPeriod"/>
+            </a:pPr>
+            <a:r>
+              <a:rPr lang="en">
+                <a:solidFill>
+                  <a:schemeClr val="dk1"/>
+                </a:solidFill>
+                <a:latin typeface="Roboto"/>
+                <a:ea typeface="Roboto"/>
+                <a:cs typeface="Roboto"/>
+                <a:sym typeface="Roboto"/>
+              </a:rPr>
+              <a:t>RBF</a:t>
+            </a:r>
+            <a:endParaRPr>
+              <a:solidFill>
+                <a:schemeClr val="dk1"/>
+              </a:solidFill>
+              <a:latin typeface="Roboto"/>
+              <a:ea typeface="Roboto"/>
+              <a:cs typeface="Roboto"/>
+              <a:sym typeface="Roboto"/>
+            </a:endParaRPr>
+          </a:p>
+          <a:p>
+            <a:pPr indent="0" lvl="0" marL="0" rtl="0" algn="l">
+              <a:spcBef>
+                <a:spcPts val="0"/>
+              </a:spcBef>
+              <a:spcAft>
+                <a:spcPts val="0"/>
+              </a:spcAft>
+              <a:buNone/>
+            </a:pPr>
+            <a:r>
+              <a:t/>
+            </a:r>
+            <a:endParaRPr>
+              <a:solidFill>
+                <a:schemeClr val="dk1"/>
+              </a:solidFill>
+              <a:latin typeface="Roboto"/>
+              <a:ea typeface="Roboto"/>
+              <a:cs typeface="Roboto"/>
+              <a:sym typeface="Roboto"/>
+            </a:endParaRPr>
+          </a:p>
+        </p:txBody>
+      </p:sp>
+    </p:spTree>
+  </p:cSld>
+  <p:clrMapOvr>
+    <a:masterClrMapping/>
+  </p:clrMapOvr>
+</p:sld>
+</file>
+
+<file path=ppt/slides/slide9.xml><?xml version="1.0" encoding="utf-8"?>
+<p:sld xmlns:a="http://schemas.openxmlformats.org/drawingml/2006/main" xmlns:r="http://schemas.openxmlformats.org/officeDocument/2006/relationships" xmlns:mc="http://schemas.openxmlformats.org/markup-compatibility/2006" xmlns:mv="urn:schemas-microsoft-com:mac:vml" xmlns:p="http://schemas.openxmlformats.org/presentationml/2006/main" xmlns:c="http://schemas.openxmlformats.org/drawingml/2006/chart" xmlns:dgm="http://schemas.openxmlformats.org/drawingml/2006/diagram" xmlns:o="urn:schemas-microsoft-com:office:office" xmlns:v="urn:schemas-microsoft-com:vml" xmlns:pvml="urn:schemas-microsoft-com:office:powerpoint" xmlns:com="http://schemas.openxmlformats.org/drawingml/2006/compatibility" xmlns:p14="http://schemas.microsoft.com/office/powerpoint/2010/main" xmlns:p15="http://schemas.microsoft.com/office/powerpoint/2012/main" xmlns:ahyp="http://schemas.microsoft.com/office/drawing/2018/hyperlinkcolor">
+  <p:cSld>
+    <p:spTree>
+      <p:nvGrpSpPr>
+        <p:cNvPr id="128" name="Shape 128"/>
+        <p:cNvGrpSpPr/>
+        <p:nvPr/>
+      </p:nvGrpSpPr>
+      <p:grpSpPr>
+        <a:xfrm>
+          <a:off x="0" y="0"/>
+          <a:ext cx="0" cy="0"/>
+          <a:chOff x="0" y="0"/>
+          <a:chExt cx="0" cy="0"/>
+        </a:xfrm>
+      </p:grpSpPr>
+      <p:sp>
+        <p:nvSpPr>
+          <p:cNvPr id="129" name="Google Shape;129;p21"/>
+          <p:cNvSpPr txBox="1"/>
+          <p:nvPr/>
+        </p:nvSpPr>
+        <p:spPr>
+          <a:xfrm>
+            <a:off x="3513725" y="471000"/>
+            <a:ext cx="2631600" cy="400200"/>
+          </a:xfrm>
+          <a:prstGeom prst="rect">
+            <a:avLst/>
+          </a:prstGeom>
+          <a:noFill/>
+          <a:ln>
+            <a:noFill/>
+          </a:ln>
+        </p:spPr>
+        <p:txBody>
+          <a:bodyPr anchorCtr="0" anchor="t" bIns="91425" lIns="91425" spcFirstLastPara="1" rIns="91425" wrap="square" tIns="91425">
+            <a:spAutoFit/>
+          </a:bodyPr>
+          <a:lstStyle/>
+          <a:p>
+            <a:pPr indent="0" lvl="0" marL="457200" rtl="0" algn="l">
+              <a:spcBef>
+                <a:spcPts val="0"/>
+              </a:spcBef>
+              <a:spcAft>
+                <a:spcPts val="0"/>
+              </a:spcAft>
+              <a:buNone/>
+            </a:pPr>
+            <a:r>
+              <a:rPr lang="en">
+                <a:solidFill>
+                  <a:schemeClr val="dk1"/>
+                </a:solidFill>
+                <a:latin typeface="Roboto"/>
+                <a:ea typeface="Roboto"/>
+                <a:cs typeface="Roboto"/>
+                <a:sym typeface="Roboto"/>
+              </a:rPr>
+              <a:t>Logistic Regression</a:t>
+            </a:r>
+            <a:endParaRPr sz="1700">
+              <a:solidFill>
+                <a:schemeClr val="dk1"/>
+              </a:solidFill>
+              <a:latin typeface="Roboto"/>
+              <a:ea typeface="Roboto"/>
+              <a:cs typeface="Roboto"/>
+              <a:sym typeface="Roboto"/>
+            </a:endParaRPr>
+          </a:p>
+        </p:txBody>
+      </p:sp>
+      <p:pic>
+        <p:nvPicPr>
+          <p:cNvPr id="130" name="Google Shape;130;p21"/>
+          <p:cNvPicPr preferRelativeResize="0"/>
+          <p:nvPr/>
+        </p:nvPicPr>
+        <p:blipFill>
+          <a:blip r:embed="rId3">
+            <a:alphaModFix/>
+          </a:blip>
+          <a:stretch>
+            <a:fillRect/>
+          </a:stretch>
+        </p:blipFill>
+        <p:spPr>
+          <a:xfrm>
+            <a:off x="1926450" y="1156238"/>
+            <a:ext cx="5452350" cy="2831025"/>
+          </a:xfrm>
+          <a:prstGeom prst="rect">
+            <a:avLst/>
+          </a:prstGeom>
+          <a:noFill/>
+          <a:ln>
+            <a:noFill/>
+          </a:ln>
+        </p:spPr>
+      </p:pic>
+    </p:spTree>
+  </p:cSld>
+  <p:clrMapOvr>
+    <a:masterClrMapping/>
+  </p:clrMapOvr>
+</p:sld>
+</file>
+
 <file path=ppt/theme/theme1.xml><?xml version="1.0" encoding="utf-8"?>
+<a:theme xmlns:a="http://schemas.openxmlformats.org/drawingml/2006/main" xmlns:r="http://schemas.openxmlformats.org/officeDocument/2006/relationships" name="Marina">
+  <a:themeElements>
+    <a:clrScheme name="Marina">
+      <a:dk1>
+        <a:srgbClr val="FFFFFF"/>
+      </a:dk1>
+      <a:lt1>
+        <a:srgbClr val="00517C"/>
+      </a:lt1>
+      <a:dk2>
+        <a:srgbClr val="004065"/>
+      </a:dk2>
+      <a:lt2>
+        <a:srgbClr val="CFD8DC"/>
+      </a:lt2>
+      <a:accent1>
+        <a:srgbClr val="0277BD"/>
+      </a:accent1>
+      <a:accent2>
+        <a:srgbClr val="558B2F"/>
+      </a:accent2>
+      <a:accent3>
+        <a:srgbClr val="009688"/>
+      </a:accent3>
+      <a:accent4>
+        <a:srgbClr val="039BE5"/>
+      </a:accent4>
+      <a:accent5>
+        <a:srgbClr val="8BC34A"/>
+      </a:accent5>
+      <a:accent6>
+        <a:srgbClr val="FFEB38"/>
+      </a:accent6>
+      <a:hlink>
+        <a:srgbClr val="8BC34A"/>
+      </a:hlink>
+      <a:folHlink>
+        <a:srgbClr val="8BC34A"/>
+      </a:folHlink>
+    </a:clrScheme>
+    <a:fontScheme name="Office">
+      <a:majorFont>
+        <a:latin typeface="Arial"/>
+        <a:ea typeface=""/>
+        <a:cs typeface=""/>
+        <a:font script="Jpan" typeface="ＭＳ Ｐゴシック"/>
+        <a:font script="Hang" typeface="맑은 고딕"/>
+        <a:font script="Hans" typeface="宋体"/>
+        <a:font script="Hant" typeface="新細明體"/>
+        <a:font script="Arab" typeface="Times New Roman"/>
+        <a:font script="Hebr" typeface="Times New Roman"/>
+        <a:font script="Thai" typeface="Angsana New"/>
+        <a:font script="Ethi" typeface="Nyala"/>
+        <a:font script="Beng" typeface="Vrinda"/>
+        <a:font script="Gujr" typeface="Shruti"/>
+        <a:font script="Khmr" typeface="MoolBoran"/>
+        <a:font script="Knda" typeface="Tunga"/>
+        <a:font script="Guru" typeface="Raavi"/>
+        <a:font script="Cans" typeface="Euphemia"/>
+        <a:font script="Cher" typeface="Plantagenet Cherokee"/>
+        <a:font script="Yiii" typeface="Microsoft Yi Baiti"/>
+        <a:font script="Tibt" typeface="Microsoft Himalaya"/>
+        <a:font script="Thaa" typeface="MV Boli"/>
+        <a:font script="Deva" typeface="Mangal"/>
+        <a:font script="Telu" typeface="Gautami"/>
+        <a:font script="Taml" typeface="Latha"/>
+        <a:font script="Syrc" typeface="Estrangelo Edessa"/>
+        <a:font script="Orya" typeface="Kalinga"/>
+        <a:font script="Mlym" typeface="Kartika"/>
+        <a:font script="Laoo" typeface="DokChampa"/>
+        <a:font script="Sinh" typeface="Iskoola Pota"/>
+        <a:font script="Mong" typeface="Mongolian Baiti"/>
+        <a:font script="Viet" typeface="Times New Roman"/>
+        <a:font script="Uigh" typeface="Microsoft Uighur"/>
+        <a:font script="Geor" typeface="Sylfaen"/>
+      </a:majorFont>
+      <a:minorFont>
+        <a:latin typeface="Arial"/>
+        <a:ea typeface=""/>
+        <a:cs typeface=""/>
+        <a:font script="Jpan" typeface="ＭＳ Ｐゴシック"/>
+        <a:font script="Hang" typeface="맑은 고딕"/>
+        <a:font script="Hans" typeface="宋体"/>
+        <a:font script="Hant" typeface="新細明體"/>
+        <a:font script="Arab" typeface="Arial"/>
+        <a:font script="Hebr" typeface="Arial"/>
+        <a:font script="Thai" typeface="Cordia New"/>
+        <a:font script="Ethi" typeface="Nyala"/>
+        <a:font script="Beng" typeface="Vrinda"/>
+        <a:font script="Gujr" typeface="Shruti"/>
+        <a:font script="Khmr" typeface="DaunPenh"/>
+        <a:font script="Knda" typeface="Tunga"/>
+        <a:font script="Guru" typeface="Raavi"/>
+        <a:font script="Cans" typeface="Euphemia"/>
+        <a:font script="Cher" typeface="Plantagenet Cherokee"/>
+        <a:font script="Yiii" typeface="Microsoft Yi Baiti"/>
+        <a:font script="Tibt" typeface="Microsoft Himalaya"/>
+        <a:font script="Thaa" typeface="MV Boli"/>
+        <a:font script="Deva" typeface="Mangal"/>
+        <a:font script="Telu" typeface="Gautami"/>
+        <a:font script="Taml" typeface="Latha"/>
+        <a:font script="Syrc" typeface="Estrangelo Edessa"/>
+        <a:font script="Orya" typeface="Kalinga"/>
+        <a:font script="Mlym" typeface="Kartika"/>
+        <a:font script="Laoo" typeface="DokChampa"/>
+        <a:font script="Sinh" typeface="Iskoola Pota"/>
+        <a:font script="Mong" typeface="Mongolian Baiti"/>
+        <a:font script="Viet" typeface="Arial"/>
+        <a:font script="Uigh" typeface="Microsoft Uighur"/>
+        <a:font script="Geor" typeface="Sylfaen"/>
+      </a:minorFont>
+    </a:fontScheme>
+    <a:fmtScheme name="Office">
+      <a:fillStyleLst>
+        <a:solidFill>
+          <a:schemeClr val="phClr"/>
+        </a:solidFill>
+        <a:gradFill rotWithShape="1">
+          <a:gsLst>
+            <a:gs pos="0">
+              <a:schemeClr val="phClr">
+                <a:tint val="50000"/>
+                <a:satMod val="300000"/>
+              </a:schemeClr>
+            </a:gs>
+            <a:gs pos="35000">
+              <a:schemeClr val="phClr">
+                <a:tint val="37000"/>
+                <a:satMod val="300000"/>
+              </a:schemeClr>
+            </a:gs>
+            <a:gs pos="100000">
+              <a:schemeClr val="phClr">
+                <a:tint val="15000"/>
+                <a:satMod val="350000"/>
+              </a:schemeClr>
+            </a:gs>
+          </a:gsLst>
+          <a:lin ang="16200000" scaled="1"/>
+        </a:gradFill>
+        <a:gradFill rotWithShape="1">
+          <a:gsLst>
+            <a:gs pos="0">
+              <a:schemeClr val="phClr">
+                <a:tint val="100000"/>
+                <a:shade val="100000"/>
+                <a:satMod val="130000"/>
+              </a:schemeClr>
+            </a:gs>
+            <a:gs pos="100000">
+              <a:schemeClr val="phClr">
+                <a:tint val="50000"/>
+                <a:shade val="100000"/>
+                <a:satMod val="350000"/>
+              </a:schemeClr>
+            </a:gs>
+          </a:gsLst>
+          <a:lin ang="16200000" scaled="0"/>
+        </a:gradFill>
+      </a:fillStyleLst>
+      <a:lnStyleLst>
+        <a:ln w="9525" cap="flat" cmpd="sng" algn="ctr">
+          <a:solidFill>
+            <a:schemeClr val="phClr">
+              <a:shade val="95000"/>
+              <a:satMod val="105000"/>
+            </a:schemeClr>
+          </a:solidFill>
+          <a:prstDash val="solid"/>
+        </a:ln>
+        <a:ln w="25400" cap="flat" cmpd="sng" algn="ctr">
+          <a:solidFill>
+            <a:schemeClr val="phClr"/>
+          </a:solidFill>
+          <a:prstDash val="solid"/>
+        </a:ln>
+        <a:ln w="38100" cap="flat" cmpd="sng" algn="ctr">
+          <a:solidFill>
+            <a:schemeClr val="phClr"/>
+          </a:solidFill>
+          <a:prstDash val="solid"/>
+        </a:ln>
+      </a:lnStyleLst>
+      <a:effectStyleLst>
+        <a:effectStyle>
+          <a:effectLst>
+            <a:outerShdw blurRad="40000" dist="20000" dir="5400000" rotWithShape="0">
+              <a:srgbClr val="000000">
+                <a:alpha val="38000"/>
+              </a:srgbClr>
+            </a:outerShdw>
+          </a:effectLst>
+        </a:effectStyle>
+        <a:effectStyle>
+          <a:effectLst>
+            <a:outerShdw blurRad="40000" dist="23000" dir="5400000" rotWithShape="0">
+              <a:srgbClr val="000000">
+                <a:alpha val="35000"/>
+              </a:srgbClr>
+            </a:outerShdw>
+          </a:effectLst>
+        </a:effectStyle>
+        <a:effectStyle>
+          <a:effectLst>
+            <a:outerShdw blurRad="40000" dist="23000" dir="5400000" rotWithShape="0">
+              <a:srgbClr val="000000">
+                <a:alpha val="35000"/>
+              </a:srgbClr>
+            </a:outerShdw>
+          </a:effectLst>
+          <a:scene3d>
+            <a:camera prst="orthographicFront">
+              <a:rot lat="0" lon="0" rev="0"/>
+            </a:camera>
+            <a:lightRig rig="threePt" dir="t">
+              <a:rot lat="0" lon="0" rev="1200000"/>
+            </a:lightRig>
+          </a:scene3d>
+          <a:sp3d>
+            <a:bevelT w="63500" h="25400"/>
+          </a:sp3d>
+        </a:effectStyle>
+      </a:effectStyleLst>
+      <a:bgFillStyleLst>
+        <a:solidFill>
+          <a:schemeClr val="phClr"/>
+        </a:solidFill>
+        <a:gradFill rotWithShape="1">
+          <a:gsLst>
+            <a:gs pos="0">
+              <a:schemeClr val="phClr">
+                <a:tint val="40000"/>
+                <a:satMod val="350000"/>
+              </a:schemeClr>
+            </a:gs>
+            <a:gs pos="40000">
+              <a:schemeClr val="phClr">
+                <a:tint val="45000"/>
+                <a:shade val="99000"/>
+                <a:satMod val="350000"/>
+              </a:schemeClr>
+            </a:gs>
+            <a:gs pos="100000">
+              <a:schemeClr val="phClr">
+                <a:shade val="20000"/>
+                <a:satMod val="255000"/>
+              </a:schemeClr>
+            </a:gs>
+          </a:gsLst>
+          <a:path path="circle">
+            <a:fillToRect l="50000" t="-80000" r="50000" b="180000"/>
+          </a:path>
+        </a:gradFill>
+        <a:gradFill rotWithShape="1">
+          <a:gsLst>
+            <a:gs pos="0">
+              <a:schemeClr val="phClr">
+                <a:tint val="80000"/>
+                <a:satMod val="300000"/>
+              </a:schemeClr>
+            </a:gs>
+            <a:gs pos="100000">
+              <a:schemeClr val="phClr">
+                <a:shade val="30000"/>
+                <a:satMod val="200000"/>
+              </a:schemeClr>
+            </a:gs>
+          </a:gsLst>
+          <a:path path="circle">
+            <a:fillToRect l="50000" t="50000" r="50000" b="50000"/>
+          </a:path>
+        </a:gradFill>
+      </a:bgFillStyleLst>
+    </a:fmtScheme>
+  </a:themeElements>
+</a:theme>
+</file>
+
+<file path=ppt/theme/theme2.xml><?xml version="1.0" encoding="utf-8"?>
 <a:theme xmlns:a="http://schemas.openxmlformats.org/drawingml/2006/main" xmlns:r="http://schemas.openxmlformats.org/officeDocument/2006/relationships">
   <a:themeElements>
     <a:clrScheme name="Default">
@@ -13486,283 +13748,4 @@
     </a:fmtScheme>
   </a:themeElements>
 </a:theme>
-</file>
-
-<file path=ppt/theme/theme2.xml><?xml version="1.0" encoding="utf-8"?>
-<a:theme xmlns:a="http://schemas.openxmlformats.org/drawingml/2006/main" xmlns:r="http://schemas.openxmlformats.org/officeDocument/2006/relationships" name="Marina">
-  <a:themeElements>
-    <a:clrScheme name="Marina">
-      <a:dk1>
-        <a:srgbClr val="FFFFFF"/>
-      </a:dk1>
-      <a:lt1>
-        <a:srgbClr val="00517C"/>
-      </a:lt1>
-      <a:dk2>
-        <a:srgbClr val="004065"/>
-      </a:dk2>
-      <a:lt2>
-        <a:srgbClr val="CFD8DC"/>
-      </a:lt2>
-      <a:accent1>
-        <a:srgbClr val="0277BD"/>
-      </a:accent1>
-      <a:accent2>
-        <a:srgbClr val="558B2F"/>
-      </a:accent2>
-      <a:accent3>
-        <a:srgbClr val="009688"/>
-      </a:accent3>
-      <a:accent4>
-        <a:srgbClr val="039BE5"/>
-      </a:accent4>
-      <a:accent5>
-        <a:srgbClr val="8BC34A"/>
-      </a:accent5>
-      <a:accent6>
-        <a:srgbClr val="FFEB38"/>
-      </a:accent6>
-      <a:hlink>
-        <a:srgbClr val="8BC34A"/>
-      </a:hlink>
-      <a:folHlink>
-        <a:srgbClr val="8BC34A"/>
-      </a:folHlink>
-    </a:clrScheme>
-    <a:fontScheme name="Office">
-      <a:majorFont>
-        <a:latin typeface="Arial"/>
-        <a:ea typeface=""/>
-        <a:cs typeface=""/>
-        <a:font script="Jpan" typeface="ＭＳ Ｐゴシック"/>
-        <a:font script="Hang" typeface="맑은 고딕"/>
-        <a:font script="Hans" typeface="宋体"/>
-        <a:font script="Hant" typeface="新細明體"/>
-        <a:font script="Arab" typeface="Times New Roman"/>
-        <a:font script="Hebr" typeface="Times New Roman"/>
-        <a:font script="Thai" typeface="Angsana New"/>
-        <a:font script="Ethi" typeface="Nyala"/>
-        <a:font script="Beng" typeface="Vrinda"/>
-        <a:font script="Gujr" typeface="Shruti"/>
-        <a:font script="Khmr" typeface="MoolBoran"/>
-        <a:font script="Knda" typeface="Tunga"/>
-        <a:font script="Guru" typeface="Raavi"/>
-        <a:font script="Cans" typeface="Euphemia"/>
-        <a:font script="Cher" typeface="Plantagenet Cherokee"/>
-        <a:font script="Yiii" typeface="Microsoft Yi Baiti"/>
-        <a:font script="Tibt" typeface="Microsoft Himalaya"/>
-        <a:font script="Thaa" typeface="MV Boli"/>
-        <a:font script="Deva" typeface="Mangal"/>
-        <a:font script="Telu" typeface="Gautami"/>
-        <a:font script="Taml" typeface="Latha"/>
-        <a:font script="Syrc" typeface="Estrangelo Edessa"/>
-        <a:font script="Orya" typeface="Kalinga"/>
-        <a:font script="Mlym" typeface="Kartika"/>
-        <a:font script="Laoo" typeface="DokChampa"/>
-        <a:font script="Sinh" typeface="Iskoola Pota"/>
-        <a:font script="Mong" typeface="Mongolian Baiti"/>
-        <a:font script="Viet" typeface="Times New Roman"/>
-        <a:font script="Uigh" typeface="Microsoft Uighur"/>
-        <a:font script="Geor" typeface="Sylfaen"/>
-      </a:majorFont>
-      <a:minorFont>
-        <a:latin typeface="Arial"/>
-        <a:ea typeface=""/>
-        <a:cs typeface=""/>
-        <a:font script="Jpan" typeface="ＭＳ Ｐゴシック"/>
-        <a:font script="Hang" typeface="맑은 고딕"/>
-        <a:font script="Hans" typeface="宋体"/>
-        <a:font script="Hant" typeface="新細明體"/>
-        <a:font script="Arab" typeface="Arial"/>
-        <a:font script="Hebr" typeface="Arial"/>
-        <a:font script="Thai" typeface="Cordia New"/>
-        <a:font script="Ethi" typeface="Nyala"/>
-        <a:font script="Beng" typeface="Vrinda"/>
-        <a:font script="Gujr" typeface="Shruti"/>
-        <a:font script="Khmr" typeface="DaunPenh"/>
-        <a:font script="Knda" typeface="Tunga"/>
-        <a:font script="Guru" typeface="Raavi"/>
-        <a:font script="Cans" typeface="Euphemia"/>
-        <a:font script="Cher" typeface="Plantagenet Cherokee"/>
-        <a:font script="Yiii" typeface="Microsoft Yi Baiti"/>
-        <a:font script="Tibt" typeface="Microsoft Himalaya"/>
-        <a:font script="Thaa" typeface="MV Boli"/>
-        <a:font script="Deva" typeface="Mangal"/>
-        <a:font script="Telu" typeface="Gautami"/>
-        <a:font script="Taml" typeface="Latha"/>
-        <a:font script="Syrc" typeface="Estrangelo Edessa"/>
-        <a:font script="Orya" typeface="Kalinga"/>
-        <a:font script="Mlym" typeface="Kartika"/>
-        <a:font script="Laoo" typeface="DokChampa"/>
-        <a:font script="Sinh" typeface="Iskoola Pota"/>
-        <a:font script="Mong" typeface="Mongolian Baiti"/>
-        <a:font script="Viet" typeface="Arial"/>
-        <a:font script="Uigh" typeface="Microsoft Uighur"/>
-        <a:font script="Geor" typeface="Sylfaen"/>
-      </a:minorFont>
-    </a:fontScheme>
-    <a:fmtScheme name="Office">
-      <a:fillStyleLst>
-        <a:solidFill>
-          <a:schemeClr val="phClr"/>
-        </a:solidFill>
-        <a:gradFill rotWithShape="1">
-          <a:gsLst>
-            <a:gs pos="0">
-              <a:schemeClr val="phClr">
-                <a:tint val="50000"/>
-                <a:satMod val="300000"/>
-              </a:schemeClr>
-            </a:gs>
-            <a:gs pos="35000">
-              <a:schemeClr val="phClr">
-                <a:tint val="37000"/>
-                <a:satMod val="300000"/>
-              </a:schemeClr>
-            </a:gs>
-            <a:gs pos="100000">
-              <a:schemeClr val="phClr">
-                <a:tint val="15000"/>
-                <a:satMod val="350000"/>
-              </a:schemeClr>
-            </a:gs>
-          </a:gsLst>
-          <a:lin ang="16200000" scaled="1"/>
-        </a:gradFill>
-        <a:gradFill rotWithShape="1">
-          <a:gsLst>
-            <a:gs pos="0">
-              <a:schemeClr val="phClr">
-                <a:tint val="100000"/>
-                <a:shade val="100000"/>
-                <a:satMod val="130000"/>
-              </a:schemeClr>
-            </a:gs>
-            <a:gs pos="100000">
-              <a:schemeClr val="phClr">
-                <a:tint val="50000"/>
-                <a:shade val="100000"/>
-                <a:satMod val="350000"/>
-              </a:schemeClr>
-            </a:gs>
-          </a:gsLst>
-          <a:lin ang="16200000" scaled="0"/>
-        </a:gradFill>
-      </a:fillStyleLst>
-      <a:lnStyleLst>
-        <a:ln w="9525" cap="flat" cmpd="sng" algn="ctr">
-          <a:solidFill>
-            <a:schemeClr val="phClr">
-              <a:shade val="95000"/>
-              <a:satMod val="105000"/>
-            </a:schemeClr>
-          </a:solidFill>
-          <a:prstDash val="solid"/>
-        </a:ln>
-        <a:ln w="25400" cap="flat" cmpd="sng" algn="ctr">
-          <a:solidFill>
-            <a:schemeClr val="phClr"/>
-          </a:solidFill>
-          <a:prstDash val="solid"/>
-        </a:ln>
-        <a:ln w="38100" cap="flat" cmpd="sng" algn="ctr">
-          <a:solidFill>
-            <a:schemeClr val="phClr"/>
-          </a:solidFill>
-          <a:prstDash val="solid"/>
-        </a:ln>
-      </a:lnStyleLst>
-      <a:effectStyleLst>
-        <a:effectStyle>
-          <a:effectLst>
-            <a:outerShdw blurRad="40000" dist="20000" dir="5400000" rotWithShape="0">
-              <a:srgbClr val="000000">
-                <a:alpha val="38000"/>
-              </a:srgbClr>
-            </a:outerShdw>
-          </a:effectLst>
-        </a:effectStyle>
-        <a:effectStyle>
-          <a:effectLst>
-            <a:outerShdw blurRad="40000" dist="23000" dir="5400000" rotWithShape="0">
-              <a:srgbClr val="000000">
-                <a:alpha val="35000"/>
-              </a:srgbClr>
-            </a:outerShdw>
-          </a:effectLst>
-        </a:effectStyle>
-        <a:effectStyle>
-          <a:effectLst>
-            <a:outerShdw blurRad="40000" dist="23000" dir="5400000" rotWithShape="0">
-              <a:srgbClr val="000000">
-                <a:alpha val="35000"/>
-              </a:srgbClr>
-            </a:outerShdw>
-          </a:effectLst>
-          <a:scene3d>
-            <a:camera prst="orthographicFront">
-              <a:rot lat="0" lon="0" rev="0"/>
-            </a:camera>
-            <a:lightRig rig="threePt" dir="t">
-              <a:rot lat="0" lon="0" rev="1200000"/>
-            </a:lightRig>
-          </a:scene3d>
-          <a:sp3d>
-            <a:bevelT w="63500" h="25400"/>
-          </a:sp3d>
-        </a:effectStyle>
-      </a:effectStyleLst>
-      <a:bgFillStyleLst>
-        <a:solidFill>
-          <a:schemeClr val="phClr"/>
-        </a:solidFill>
-        <a:gradFill rotWithShape="1">
-          <a:gsLst>
-            <a:gs pos="0">
-              <a:schemeClr val="phClr">
-                <a:tint val="40000"/>
-                <a:satMod val="350000"/>
-              </a:schemeClr>
-            </a:gs>
-            <a:gs pos="40000">
-              <a:schemeClr val="phClr">
-                <a:tint val="45000"/>
-                <a:shade val="99000"/>
-                <a:satMod val="350000"/>
-              </a:schemeClr>
-            </a:gs>
-            <a:gs pos="100000">
-              <a:schemeClr val="phClr">
-                <a:shade val="20000"/>
-                <a:satMod val="255000"/>
-              </a:schemeClr>
-            </a:gs>
-          </a:gsLst>
-          <a:path path="circle">
-            <a:fillToRect l="50000" t="-80000" r="50000" b="180000"/>
-          </a:path>
-        </a:gradFill>
-        <a:gradFill rotWithShape="1">
-          <a:gsLst>
-            <a:gs pos="0">
-              <a:schemeClr val="phClr">
-                <a:tint val="80000"/>
-                <a:satMod val="300000"/>
-              </a:schemeClr>
-            </a:gs>
-            <a:gs pos="100000">
-              <a:schemeClr val="phClr">
-                <a:shade val="30000"/>
-                <a:satMod val="200000"/>
-              </a:schemeClr>
-            </a:gs>
-          </a:gsLst>
-          <a:path path="circle">
-            <a:fillToRect l="50000" t="50000" r="50000" b="50000"/>
-          </a:path>
-        </a:gradFill>
-      </a:bgFillStyleLst>
-    </a:fmtScheme>
-  </a:themeElements>
-</a:theme>
 </file>